--- a/graphix.pptx
+++ b/graphix.pptx
@@ -3360,8 +3360,8 @@
         </p:nvSpPr>
         <p:spPr>
           <a:xfrm>
-            <a:off x="1524000" y="3255962"/>
-            <a:ext cx="2200275" cy="254000"/>
+            <a:off x="8978679" y="4413465"/>
+            <a:ext cx="2188800" cy="268288"/>
           </a:xfrm>
           <a:solidFill>
             <a:schemeClr val="tx1"/>
@@ -3396,22 +3396,20 @@
       </p:sp>
       <p:sp>
         <p:nvSpPr>
-          <p:cNvPr id="4" name="Title 1">
-            <a:extLst>
-              <a:ext uri="{FF2B5EF4-FFF2-40B4-BE49-F238E27FC236}">
-                <a16:creationId xmlns:a16="http://schemas.microsoft.com/office/drawing/2014/main" id="{7E363DEC-7CAF-4C60-A22F-8E4D6586709A}"/>
-              </a:ext>
-            </a:extLst>
-          </p:cNvPr>
-          <p:cNvSpPr txBox="1">
-            <a:spLocks/>
-          </p:cNvSpPr>
+          <p:cNvPr id="6" name="Rectangle 5">
+            <a:extLst>
+              <a:ext uri="{FF2B5EF4-FFF2-40B4-BE49-F238E27FC236}">
+                <a16:creationId xmlns:a16="http://schemas.microsoft.com/office/drawing/2014/main" id="{F711992B-4150-4F40-B76F-F8AAB261572D}"/>
+              </a:ext>
+            </a:extLst>
+          </p:cNvPr>
+          <p:cNvSpPr/>
           <p:nvPr/>
         </p:nvSpPr>
         <p:spPr>
           <a:xfrm>
-            <a:off x="2095500" y="2698750"/>
-            <a:ext cx="2200275" cy="254000"/>
+            <a:off x="5871411" y="132315"/>
+            <a:ext cx="6096000" cy="1449628"/>
           </a:xfrm>
           <a:prstGeom prst="rect">
             <a:avLst/>
@@ -3422,67 +3420,1296 @@
         </p:spPr>
         <p:txBody>
           <a:bodyPr vert="horz" lIns="91440" tIns="45720" rIns="91440" bIns="45720" rtlCol="0" anchor="b">
-            <a:normAutofit fontScale="90000" lnSpcReduction="10000"/>
+            <a:normAutofit fontScale="97500"/>
           </a:bodyPr>
-          <a:lstStyle>
-            <a:lvl1pPr algn="ctr" defTabSz="914400" rtl="0" eaLnBrk="1" latinLnBrk="0" hangingPunct="1">
+          <a:lstStyle/>
+          <a:p>
+            <a:pPr algn="r" rtl="1">
               <a:lnSpc>
                 <a:spcPct val="90000"/>
               </a:lnSpc>
               <a:spcBef>
                 <a:spcPct val="0"/>
               </a:spcBef>
-              <a:buNone/>
-              <a:defRPr sz="6000" kern="1200">
-                <a:solidFill>
-                  <a:schemeClr val="tx1"/>
-                </a:solidFill>
-                <a:latin typeface="+mj-lt"/>
-                <a:ea typeface="+mj-ea"/>
-                <a:cs typeface="+mj-cs"/>
-              </a:defRPr>
-            </a:lvl1pPr>
-          </a:lstStyle>
-          <a:p>
-            <a:pPr algn="r"/>
+            </a:pPr>
+            <a:r>
+              <a:rPr lang="en-IL" sz="1400" dirty="0" err="1">
+                <a:solidFill>
+                  <a:schemeClr val="bg1"/>
+                </a:solidFill>
+                <a:latin typeface="Gisha" panose="020B0502040204020203" pitchFamily="34" charset="-79"/>
+                <a:ea typeface="+mj-ea"/>
+                <a:cs typeface="Gisha" panose="020B0502040204020203" pitchFamily="34" charset="-79"/>
+              </a:rPr>
+              <a:t>חנות</a:t>
+            </a:r>
+            <a:r>
+              <a:rPr lang="en-IL" sz="1400" dirty="0">
+                <a:solidFill>
+                  <a:schemeClr val="bg1"/>
+                </a:solidFill>
+                <a:latin typeface="Gisha" panose="020B0502040204020203" pitchFamily="34" charset="-79"/>
+                <a:ea typeface="+mj-ea"/>
+                <a:cs typeface="Gisha" panose="020B0502040204020203" pitchFamily="34" charset="-79"/>
+              </a:rPr>
+              <a:t> </a:t>
+            </a:r>
+            <a:r>
+              <a:rPr lang="en-IL" sz="1400" dirty="0" err="1">
+                <a:solidFill>
+                  <a:schemeClr val="bg1"/>
+                </a:solidFill>
+                <a:latin typeface="Gisha" panose="020B0502040204020203" pitchFamily="34" charset="-79"/>
+                <a:ea typeface="+mj-ea"/>
+                <a:cs typeface="Gisha" panose="020B0502040204020203" pitchFamily="34" charset="-79"/>
+              </a:rPr>
+              <a:t>יהלומים</a:t>
+            </a:r>
+            <a:r>
+              <a:rPr lang="en-IL" sz="1400" dirty="0">
+                <a:solidFill>
+                  <a:schemeClr val="bg1"/>
+                </a:solidFill>
+                <a:latin typeface="Gisha" panose="020B0502040204020203" pitchFamily="34" charset="-79"/>
+                <a:ea typeface="+mj-ea"/>
+                <a:cs typeface="Gisha" panose="020B0502040204020203" pitchFamily="34" charset="-79"/>
+              </a:rPr>
+              <a:t> </a:t>
+            </a:r>
+            <a:r>
+              <a:rPr lang="en-IL" sz="1400" dirty="0" err="1">
+                <a:solidFill>
+                  <a:schemeClr val="bg1"/>
+                </a:solidFill>
+                <a:latin typeface="Gisha" panose="020B0502040204020203" pitchFamily="34" charset="-79"/>
+                <a:ea typeface="+mj-ea"/>
+                <a:cs typeface="Gisha" panose="020B0502040204020203" pitchFamily="34" charset="-79"/>
+              </a:rPr>
+              <a:t>נשדדה</a:t>
+            </a:r>
+            <a:r>
+              <a:rPr lang="en-IL" sz="1400" dirty="0">
+                <a:solidFill>
+                  <a:schemeClr val="bg1"/>
+                </a:solidFill>
+                <a:latin typeface="Gisha" panose="020B0502040204020203" pitchFamily="34" charset="-79"/>
+                <a:ea typeface="+mj-ea"/>
+                <a:cs typeface="Gisha" panose="020B0502040204020203" pitchFamily="34" charset="-79"/>
+              </a:rPr>
+              <a:t>. </a:t>
+            </a:r>
             <a:r>
               <a:rPr lang="he-IL" sz="1400" dirty="0">
                 <a:solidFill>
                   <a:schemeClr val="bg1"/>
                 </a:solidFill>
                 <a:latin typeface="Gisha" panose="020B0502040204020203" pitchFamily="34" charset="-79"/>
-                <a:cs typeface="Gisha" panose="020B0502040204020203" pitchFamily="34" charset="-79"/>
-              </a:rPr>
-              <a:t>חשודים א' וב' שדדו את החנות</a:t>
-            </a:r>
-            <a:endParaRPr lang="en-IL" sz="1400" dirty="0">
+                <a:ea typeface="+mj-ea"/>
+                <a:cs typeface="Gisha" panose="020B0502040204020203" pitchFamily="34" charset="-79"/>
+              </a:rPr>
+              <a:t> </a:t>
+            </a:r>
+            <a:r>
+              <a:rPr lang="en-IL" sz="1400" dirty="0" err="1">
+                <a:solidFill>
+                  <a:schemeClr val="bg1"/>
+                </a:solidFill>
+                <a:latin typeface="Gisha" panose="020B0502040204020203" pitchFamily="34" charset="-79"/>
+                <a:ea typeface="+mj-ea"/>
+                <a:cs typeface="Gisha" panose="020B0502040204020203" pitchFamily="34" charset="-79"/>
+              </a:rPr>
+              <a:t>המשטרה</a:t>
+            </a:r>
+            <a:r>
+              <a:rPr lang="en-IL" sz="1400" dirty="0">
+                <a:solidFill>
+                  <a:schemeClr val="bg1"/>
+                </a:solidFill>
+                <a:latin typeface="Gisha" panose="020B0502040204020203" pitchFamily="34" charset="-79"/>
+                <a:ea typeface="+mj-ea"/>
+                <a:cs typeface="Gisha" panose="020B0502040204020203" pitchFamily="34" charset="-79"/>
+              </a:rPr>
+              <a:t> </a:t>
+            </a:r>
+            <a:r>
+              <a:rPr lang="en-IL" sz="1400" dirty="0" err="1">
+                <a:solidFill>
+                  <a:schemeClr val="bg1"/>
+                </a:solidFill>
+                <a:latin typeface="Gisha" panose="020B0502040204020203" pitchFamily="34" charset="-79"/>
+                <a:ea typeface="+mj-ea"/>
+                <a:cs typeface="Gisha" panose="020B0502040204020203" pitchFamily="34" charset="-79"/>
+              </a:rPr>
+              <a:t>הגיעה</a:t>
+            </a:r>
+            <a:r>
+              <a:rPr lang="en-IL" sz="1400" dirty="0">
+                <a:solidFill>
+                  <a:schemeClr val="bg1"/>
+                </a:solidFill>
+                <a:latin typeface="Gisha" panose="020B0502040204020203" pitchFamily="34" charset="-79"/>
+                <a:ea typeface="+mj-ea"/>
+                <a:cs typeface="Gisha" panose="020B0502040204020203" pitchFamily="34" charset="-79"/>
+              </a:rPr>
+              <a:t> </a:t>
+            </a:r>
+            <a:r>
+              <a:rPr lang="en-IL" sz="1400" dirty="0" err="1">
+                <a:solidFill>
+                  <a:schemeClr val="bg1"/>
+                </a:solidFill>
+                <a:latin typeface="Gisha" panose="020B0502040204020203" pitchFamily="34" charset="-79"/>
+                <a:ea typeface="+mj-ea"/>
+                <a:cs typeface="Gisha" panose="020B0502040204020203" pitchFamily="34" charset="-79"/>
+              </a:rPr>
+              <a:t>מיד</a:t>
+            </a:r>
+            <a:r>
+              <a:rPr lang="he-IL" sz="1400" dirty="0">
+                <a:solidFill>
+                  <a:schemeClr val="bg1"/>
+                </a:solidFill>
+                <a:latin typeface="Gisha" panose="020B0502040204020203" pitchFamily="34" charset="-79"/>
+                <a:ea typeface="+mj-ea"/>
+                <a:cs typeface="Gisha" panose="020B0502040204020203" pitchFamily="34" charset="-79"/>
+              </a:rPr>
+              <a:t> לזירה</a:t>
+            </a:r>
+            <a:r>
+              <a:rPr lang="en-IL" sz="1400" dirty="0">
+                <a:solidFill>
+                  <a:schemeClr val="bg1"/>
+                </a:solidFill>
+                <a:latin typeface="Gisha" panose="020B0502040204020203" pitchFamily="34" charset="-79"/>
+                <a:ea typeface="+mj-ea"/>
+                <a:cs typeface="Gisha" panose="020B0502040204020203" pitchFamily="34" charset="-79"/>
+              </a:rPr>
+              <a:t> </a:t>
+            </a:r>
+            <a:r>
+              <a:rPr lang="en-IL" sz="1400" dirty="0" err="1">
+                <a:solidFill>
+                  <a:schemeClr val="bg1"/>
+                </a:solidFill>
+                <a:latin typeface="Gisha" panose="020B0502040204020203" pitchFamily="34" charset="-79"/>
+                <a:ea typeface="+mj-ea"/>
+                <a:cs typeface="Gisha" panose="020B0502040204020203" pitchFamily="34" charset="-79"/>
+              </a:rPr>
+              <a:t>ותפסה</a:t>
+            </a:r>
+            <a:r>
+              <a:rPr lang="en-IL" sz="1400" dirty="0">
+                <a:solidFill>
+                  <a:schemeClr val="bg1"/>
+                </a:solidFill>
+                <a:latin typeface="Gisha" panose="020B0502040204020203" pitchFamily="34" charset="-79"/>
+                <a:ea typeface="+mj-ea"/>
+                <a:cs typeface="Gisha" panose="020B0502040204020203" pitchFamily="34" charset="-79"/>
+              </a:rPr>
+              <a:t> </a:t>
+            </a:r>
+            <a:r>
+              <a:rPr lang="en-IL" sz="1400" dirty="0" err="1">
+                <a:solidFill>
+                  <a:schemeClr val="bg1"/>
+                </a:solidFill>
+                <a:latin typeface="Gisha" panose="020B0502040204020203" pitchFamily="34" charset="-79"/>
+                <a:ea typeface="+mj-ea"/>
+                <a:cs typeface="Gisha" panose="020B0502040204020203" pitchFamily="34" charset="-79"/>
+              </a:rPr>
+              <a:t>כמה</a:t>
+            </a:r>
+            <a:r>
+              <a:rPr lang="en-IL" sz="1400" dirty="0">
+                <a:solidFill>
+                  <a:schemeClr val="bg1"/>
+                </a:solidFill>
+                <a:latin typeface="Gisha" panose="020B0502040204020203" pitchFamily="34" charset="-79"/>
+                <a:ea typeface="+mj-ea"/>
+                <a:cs typeface="Gisha" panose="020B0502040204020203" pitchFamily="34" charset="-79"/>
+              </a:rPr>
+              <a:t> </a:t>
+            </a:r>
+            <a:r>
+              <a:rPr lang="en-IL" sz="1400" dirty="0" err="1">
+                <a:solidFill>
+                  <a:schemeClr val="bg1"/>
+                </a:solidFill>
+                <a:latin typeface="Gisha" panose="020B0502040204020203" pitchFamily="34" charset="-79"/>
+                <a:ea typeface="+mj-ea"/>
+                <a:cs typeface="Gisha" panose="020B0502040204020203" pitchFamily="34" charset="-79"/>
+              </a:rPr>
+              <a:t>אנשים</a:t>
+            </a:r>
+            <a:r>
+              <a:rPr lang="he-IL" sz="1400" dirty="0">
+                <a:solidFill>
+                  <a:schemeClr val="bg1"/>
+                </a:solidFill>
+                <a:latin typeface="Gisha" panose="020B0502040204020203" pitchFamily="34" charset="-79"/>
+                <a:ea typeface="+mj-ea"/>
+                <a:cs typeface="Gisha" panose="020B0502040204020203" pitchFamily="34" charset="-79"/>
+              </a:rPr>
+              <a:t> (בנפרד אחד מן השני) </a:t>
+            </a:r>
+            <a:r>
+              <a:rPr lang="en-IL" sz="1400" dirty="0" err="1">
+                <a:solidFill>
+                  <a:schemeClr val="bg1"/>
+                </a:solidFill>
+                <a:latin typeface="Gisha" panose="020B0502040204020203" pitchFamily="34" charset="-79"/>
+                <a:ea typeface="+mj-ea"/>
+                <a:cs typeface="Gisha" panose="020B0502040204020203" pitchFamily="34" charset="-79"/>
+              </a:rPr>
+              <a:t>ליד</a:t>
+            </a:r>
+            <a:r>
+              <a:rPr lang="en-IL" sz="1400" dirty="0">
+                <a:solidFill>
+                  <a:schemeClr val="bg1"/>
+                </a:solidFill>
+                <a:latin typeface="Gisha" panose="020B0502040204020203" pitchFamily="34" charset="-79"/>
+                <a:ea typeface="+mj-ea"/>
+                <a:cs typeface="Gisha" panose="020B0502040204020203" pitchFamily="34" charset="-79"/>
+              </a:rPr>
+              <a:t> </a:t>
+            </a:r>
+            <a:r>
+              <a:rPr lang="en-IL" sz="1400" dirty="0" err="1">
+                <a:solidFill>
+                  <a:schemeClr val="bg1"/>
+                </a:solidFill>
+                <a:latin typeface="Gisha" panose="020B0502040204020203" pitchFamily="34" charset="-79"/>
+                <a:ea typeface="+mj-ea"/>
+                <a:cs typeface="Gisha" panose="020B0502040204020203" pitchFamily="34" charset="-79"/>
+              </a:rPr>
+              <a:t>המקום</a:t>
+            </a:r>
+            <a:r>
+              <a:rPr lang="he-IL" sz="1400" dirty="0">
+                <a:solidFill>
+                  <a:schemeClr val="bg1"/>
+                </a:solidFill>
+                <a:latin typeface="Gisha" panose="020B0502040204020203" pitchFamily="34" charset="-79"/>
+                <a:ea typeface="+mj-ea"/>
+                <a:cs typeface="Gisha" panose="020B0502040204020203" pitchFamily="34" charset="-79"/>
+              </a:rPr>
+              <a:t>. </a:t>
+            </a:r>
+            <a:r>
+              <a:rPr lang="en-IL" sz="1400" dirty="0" err="1">
+                <a:solidFill>
+                  <a:schemeClr val="bg1"/>
+                </a:solidFill>
+                <a:latin typeface="Gisha" panose="020B0502040204020203" pitchFamily="34" charset="-79"/>
+                <a:ea typeface="+mj-ea"/>
+                <a:cs typeface="Gisha" panose="020B0502040204020203" pitchFamily="34" charset="-79"/>
+              </a:rPr>
+              <a:t>אך</a:t>
+            </a:r>
+            <a:r>
+              <a:rPr lang="en-IL" sz="1400" dirty="0">
+                <a:solidFill>
+                  <a:schemeClr val="bg1"/>
+                </a:solidFill>
+                <a:latin typeface="Gisha" panose="020B0502040204020203" pitchFamily="34" charset="-79"/>
+                <a:ea typeface="+mj-ea"/>
+                <a:cs typeface="Gisha" panose="020B0502040204020203" pitchFamily="34" charset="-79"/>
+              </a:rPr>
+              <a:t> </a:t>
+            </a:r>
+            <a:r>
+              <a:rPr lang="he-IL" sz="1400" dirty="0">
+                <a:solidFill>
+                  <a:schemeClr val="bg1"/>
+                </a:solidFill>
+                <a:latin typeface="Gisha" panose="020B0502040204020203" pitchFamily="34" charset="-79"/>
+                <a:ea typeface="+mj-ea"/>
+                <a:cs typeface="Gisha" panose="020B0502040204020203" pitchFamily="34" charset="-79"/>
+              </a:rPr>
+              <a:t>ה</a:t>
+            </a:r>
+            <a:r>
+              <a:rPr lang="en-IL" sz="1400" dirty="0" err="1">
+                <a:solidFill>
+                  <a:schemeClr val="bg1"/>
+                </a:solidFill>
+                <a:latin typeface="Gisha" panose="020B0502040204020203" pitchFamily="34" charset="-79"/>
+                <a:ea typeface="+mj-ea"/>
+                <a:cs typeface="Gisha" panose="020B0502040204020203" pitchFamily="34" charset="-79"/>
+              </a:rPr>
+              <a:t>יהלומים</a:t>
+            </a:r>
+            <a:r>
+              <a:rPr lang="en-IL" sz="1400" dirty="0">
+                <a:solidFill>
+                  <a:schemeClr val="bg1"/>
+                </a:solidFill>
+                <a:latin typeface="Gisha" panose="020B0502040204020203" pitchFamily="34" charset="-79"/>
+                <a:ea typeface="+mj-ea"/>
+                <a:cs typeface="Gisha" panose="020B0502040204020203" pitchFamily="34" charset="-79"/>
+              </a:rPr>
+              <a:t>.</a:t>
+            </a:r>
+            <a:r>
+              <a:rPr lang="he-IL" sz="1400" dirty="0">
+                <a:solidFill>
+                  <a:schemeClr val="bg1"/>
+                </a:solidFill>
+                <a:latin typeface="Gisha" panose="020B0502040204020203" pitchFamily="34" charset="-79"/>
+                <a:ea typeface="+mj-ea"/>
+                <a:cs typeface="Gisha" panose="020B0502040204020203" pitchFamily="34" charset="-79"/>
+              </a:rPr>
+              <a:t>לא היו ברשות אף אחד מהחשודים.</a:t>
+            </a:r>
+            <a:r>
+              <a:rPr lang="en-IL" sz="1400" dirty="0">
+                <a:solidFill>
+                  <a:schemeClr val="bg1"/>
+                </a:solidFill>
+                <a:latin typeface="Gisha" panose="020B0502040204020203" pitchFamily="34" charset="-79"/>
+                <a:ea typeface="+mj-ea"/>
+                <a:cs typeface="Gisha" panose="020B0502040204020203" pitchFamily="34" charset="-79"/>
+              </a:rPr>
+              <a:t> </a:t>
+            </a:r>
+            <a:r>
+              <a:rPr lang="en-IL" sz="1400" dirty="0" err="1">
+                <a:solidFill>
+                  <a:schemeClr val="bg1"/>
+                </a:solidFill>
+                <a:latin typeface="Gisha" panose="020B0502040204020203" pitchFamily="34" charset="-79"/>
+                <a:ea typeface="+mj-ea"/>
+                <a:cs typeface="Gisha" panose="020B0502040204020203" pitchFamily="34" charset="-79"/>
+              </a:rPr>
+              <a:t>הבלש</a:t>
+            </a:r>
+            <a:r>
+              <a:rPr lang="he-IL" sz="1400" dirty="0">
+                <a:solidFill>
+                  <a:schemeClr val="bg1"/>
+                </a:solidFill>
+                <a:latin typeface="Gisha" panose="020B0502040204020203" pitchFamily="34" charset="-79"/>
+                <a:ea typeface="+mj-ea"/>
+                <a:cs typeface="Gisha" panose="020B0502040204020203" pitchFamily="34" charset="-79"/>
+              </a:rPr>
+              <a:t>ית </a:t>
+            </a:r>
+            <a:r>
+              <a:rPr lang="en-IL" sz="1400" dirty="0" err="1">
+                <a:solidFill>
+                  <a:schemeClr val="bg1"/>
+                </a:solidFill>
+                <a:latin typeface="Gisha" panose="020B0502040204020203" pitchFamily="34" charset="-79"/>
+                <a:ea typeface="+mj-ea"/>
+                <a:cs typeface="Gisha" panose="020B0502040204020203" pitchFamily="34" charset="-79"/>
+              </a:rPr>
+              <a:t>שהוקצ</a:t>
+            </a:r>
+            <a:r>
+              <a:rPr lang="he-IL" sz="1400" dirty="0">
+                <a:solidFill>
+                  <a:schemeClr val="bg1"/>
+                </a:solidFill>
+                <a:latin typeface="Gisha" panose="020B0502040204020203" pitchFamily="34" charset="-79"/>
+                <a:ea typeface="+mj-ea"/>
+                <a:cs typeface="Gisha" panose="020B0502040204020203" pitchFamily="34" charset="-79"/>
+              </a:rPr>
+              <a:t>ת</a:t>
+            </a:r>
+            <a:r>
+              <a:rPr lang="en-IL" sz="1400" dirty="0">
+                <a:solidFill>
+                  <a:schemeClr val="bg1"/>
+                </a:solidFill>
+                <a:latin typeface="Gisha" panose="020B0502040204020203" pitchFamily="34" charset="-79"/>
+                <a:ea typeface="+mj-ea"/>
+                <a:cs typeface="Gisha" panose="020B0502040204020203" pitchFamily="34" charset="-79"/>
+              </a:rPr>
+              <a:t>ה </a:t>
+            </a:r>
+            <a:r>
+              <a:rPr lang="en-IL" sz="1400" dirty="0" err="1">
+                <a:solidFill>
+                  <a:schemeClr val="bg1"/>
+                </a:solidFill>
+                <a:latin typeface="Gisha" panose="020B0502040204020203" pitchFamily="34" charset="-79"/>
+                <a:ea typeface="+mj-ea"/>
+                <a:cs typeface="Gisha" panose="020B0502040204020203" pitchFamily="34" charset="-79"/>
+              </a:rPr>
+              <a:t>למקרה</a:t>
+            </a:r>
+            <a:r>
+              <a:rPr lang="en-IL" sz="1400" dirty="0">
+                <a:solidFill>
+                  <a:schemeClr val="bg1"/>
+                </a:solidFill>
+                <a:latin typeface="Gisha" panose="020B0502040204020203" pitchFamily="34" charset="-79"/>
+                <a:ea typeface="+mj-ea"/>
+                <a:cs typeface="Gisha" panose="020B0502040204020203" pitchFamily="34" charset="-79"/>
+              </a:rPr>
+              <a:t> </a:t>
+            </a:r>
+            <a:r>
+              <a:rPr lang="en-IL" sz="1400" dirty="0" err="1">
+                <a:solidFill>
+                  <a:schemeClr val="bg1"/>
+                </a:solidFill>
+                <a:latin typeface="Gisha" panose="020B0502040204020203" pitchFamily="34" charset="-79"/>
+                <a:ea typeface="+mj-ea"/>
+                <a:cs typeface="Gisha" panose="020B0502040204020203" pitchFamily="34" charset="-79"/>
+              </a:rPr>
+              <a:t>בטוח</a:t>
+            </a:r>
+            <a:r>
+              <a:rPr lang="he-IL" sz="1400" dirty="0">
+                <a:solidFill>
+                  <a:schemeClr val="bg1"/>
+                </a:solidFill>
+                <a:latin typeface="Gisha" panose="020B0502040204020203" pitchFamily="34" charset="-79"/>
+                <a:ea typeface="+mj-ea"/>
+                <a:cs typeface="Gisha" panose="020B0502040204020203" pitchFamily="34" charset="-79"/>
+              </a:rPr>
+              <a:t>ה,</a:t>
+            </a:r>
+            <a:r>
+              <a:rPr lang="en-IL" sz="1400" dirty="0">
+                <a:solidFill>
+                  <a:schemeClr val="bg1"/>
+                </a:solidFill>
+                <a:latin typeface="Gisha" panose="020B0502040204020203" pitchFamily="34" charset="-79"/>
+                <a:ea typeface="+mj-ea"/>
+                <a:cs typeface="Gisha" panose="020B0502040204020203" pitchFamily="34" charset="-79"/>
+              </a:rPr>
+              <a:t> </a:t>
+            </a:r>
+            <a:r>
+              <a:rPr lang="en-IL" sz="1400" dirty="0" err="1">
+                <a:solidFill>
+                  <a:schemeClr val="bg1"/>
+                </a:solidFill>
+                <a:latin typeface="Gisha" panose="020B0502040204020203" pitchFamily="34" charset="-79"/>
+                <a:ea typeface="+mj-ea"/>
+                <a:cs typeface="Gisha" panose="020B0502040204020203" pitchFamily="34" charset="-79"/>
+              </a:rPr>
+              <a:t>ללא</a:t>
+            </a:r>
+            <a:r>
+              <a:rPr lang="en-IL" sz="1400" dirty="0">
+                <a:solidFill>
+                  <a:schemeClr val="bg1"/>
+                </a:solidFill>
+                <a:latin typeface="Gisha" panose="020B0502040204020203" pitchFamily="34" charset="-79"/>
+                <a:ea typeface="+mj-ea"/>
+                <a:cs typeface="Gisha" panose="020B0502040204020203" pitchFamily="34" charset="-79"/>
+              </a:rPr>
+              <a:t> </a:t>
+            </a:r>
+            <a:r>
+              <a:rPr lang="he-IL" sz="1400" dirty="0">
+                <a:solidFill>
+                  <a:schemeClr val="bg1"/>
+                </a:solidFill>
+                <a:latin typeface="Gisha" panose="020B0502040204020203" pitchFamily="34" charset="-79"/>
+                <a:ea typeface="+mj-ea"/>
+                <a:cs typeface="Gisha" panose="020B0502040204020203" pitchFamily="34" charset="-79"/>
+              </a:rPr>
+              <a:t>כל </a:t>
+            </a:r>
+            <a:r>
+              <a:rPr lang="en-IL" sz="1400" dirty="0" err="1">
+                <a:solidFill>
+                  <a:schemeClr val="bg1"/>
+                </a:solidFill>
+                <a:latin typeface="Gisha" panose="020B0502040204020203" pitchFamily="34" charset="-79"/>
+                <a:ea typeface="+mj-ea"/>
+                <a:cs typeface="Gisha" panose="020B0502040204020203" pitchFamily="34" charset="-79"/>
+              </a:rPr>
+              <a:t>ספק</a:t>
+            </a:r>
+            <a:r>
+              <a:rPr lang="he-IL" sz="1400" dirty="0">
+                <a:solidFill>
+                  <a:schemeClr val="bg1"/>
+                </a:solidFill>
+                <a:latin typeface="Gisha" panose="020B0502040204020203" pitchFamily="34" charset="-79"/>
+                <a:ea typeface="+mj-ea"/>
+                <a:cs typeface="Gisha" panose="020B0502040204020203" pitchFamily="34" charset="-79"/>
+              </a:rPr>
+              <a:t>,</a:t>
+            </a:r>
+            <a:r>
+              <a:rPr lang="en-IL" sz="1400" dirty="0">
+                <a:solidFill>
+                  <a:schemeClr val="bg1"/>
+                </a:solidFill>
+                <a:latin typeface="Gisha" panose="020B0502040204020203" pitchFamily="34" charset="-79"/>
+                <a:ea typeface="+mj-ea"/>
+                <a:cs typeface="Gisha" panose="020B0502040204020203" pitchFamily="34" charset="-79"/>
+              </a:rPr>
+              <a:t> </a:t>
+            </a:r>
+            <a:r>
+              <a:rPr lang="he-IL" sz="1400" dirty="0">
+                <a:solidFill>
+                  <a:schemeClr val="bg1"/>
+                </a:solidFill>
+                <a:latin typeface="Gisha" panose="020B0502040204020203" pitchFamily="34" charset="-79"/>
+                <a:ea typeface="+mj-ea"/>
+                <a:cs typeface="Gisha" panose="020B0502040204020203" pitchFamily="34" charset="-79"/>
+              </a:rPr>
+              <a:t> </a:t>
+            </a:r>
+            <a:r>
+              <a:rPr lang="en-IL" sz="1400" dirty="0" err="1">
+                <a:solidFill>
+                  <a:schemeClr val="bg1"/>
+                </a:solidFill>
+                <a:latin typeface="Gisha" panose="020B0502040204020203" pitchFamily="34" charset="-79"/>
+                <a:ea typeface="+mj-ea"/>
+                <a:cs typeface="Gisha" panose="020B0502040204020203" pitchFamily="34" charset="-79"/>
+              </a:rPr>
+              <a:t>שלפחות</a:t>
+            </a:r>
+            <a:r>
+              <a:rPr lang="en-IL" sz="1400" dirty="0">
+                <a:solidFill>
+                  <a:schemeClr val="bg1"/>
+                </a:solidFill>
+                <a:latin typeface="Gisha" panose="020B0502040204020203" pitchFamily="34" charset="-79"/>
+                <a:ea typeface="+mj-ea"/>
+                <a:cs typeface="Gisha" panose="020B0502040204020203" pitchFamily="34" charset="-79"/>
+              </a:rPr>
+              <a:t> </a:t>
+            </a:r>
+            <a:r>
+              <a:rPr lang="en-IL" sz="1400" dirty="0" err="1">
+                <a:solidFill>
+                  <a:schemeClr val="bg1"/>
+                </a:solidFill>
+                <a:latin typeface="Gisha" panose="020B0502040204020203" pitchFamily="34" charset="-79"/>
+                <a:ea typeface="+mj-ea"/>
+                <a:cs typeface="Gisha" panose="020B0502040204020203" pitchFamily="34" charset="-79"/>
+              </a:rPr>
+              <a:t>אחד</a:t>
+            </a:r>
+            <a:r>
+              <a:rPr lang="en-IL" sz="1400" dirty="0">
+                <a:solidFill>
+                  <a:schemeClr val="bg1"/>
+                </a:solidFill>
+                <a:latin typeface="Gisha" panose="020B0502040204020203" pitchFamily="34" charset="-79"/>
+                <a:ea typeface="+mj-ea"/>
+                <a:cs typeface="Gisha" panose="020B0502040204020203" pitchFamily="34" charset="-79"/>
+              </a:rPr>
+              <a:t> </a:t>
+            </a:r>
+            <a:r>
+              <a:rPr lang="en-IL" sz="1400" dirty="0" err="1">
+                <a:solidFill>
+                  <a:schemeClr val="bg1"/>
+                </a:solidFill>
+                <a:latin typeface="Gisha" panose="020B0502040204020203" pitchFamily="34" charset="-79"/>
+                <a:ea typeface="+mj-ea"/>
+                <a:cs typeface="Gisha" panose="020B0502040204020203" pitchFamily="34" charset="-79"/>
+              </a:rPr>
+              <a:t>מהחשודים</a:t>
+            </a:r>
+            <a:r>
+              <a:rPr lang="en-IL" sz="1400" dirty="0">
+                <a:solidFill>
+                  <a:schemeClr val="bg1"/>
+                </a:solidFill>
+                <a:latin typeface="Gisha" panose="020B0502040204020203" pitchFamily="34" charset="-79"/>
+                <a:ea typeface="+mj-ea"/>
+                <a:cs typeface="Gisha" panose="020B0502040204020203" pitchFamily="34" charset="-79"/>
+              </a:rPr>
+              <a:t> </a:t>
+            </a:r>
+            <a:r>
+              <a:rPr lang="he-IL" sz="1400" dirty="0">
+                <a:solidFill>
+                  <a:schemeClr val="bg1"/>
+                </a:solidFill>
+                <a:latin typeface="Gisha" panose="020B0502040204020203" pitchFamily="34" charset="-79"/>
+                <a:ea typeface="+mj-ea"/>
+                <a:cs typeface="Gisha" panose="020B0502040204020203" pitchFamily="34" charset="-79"/>
+              </a:rPr>
+              <a:t>ביצע/ו את השוד.</a:t>
+            </a:r>
+            <a:r>
+              <a:rPr lang="en-IL" sz="1400" dirty="0">
+                <a:solidFill>
+                  <a:schemeClr val="bg1"/>
+                </a:solidFill>
+                <a:latin typeface="Gisha" panose="020B0502040204020203" pitchFamily="34" charset="-79"/>
+                <a:ea typeface="+mj-ea"/>
+                <a:cs typeface="Gisha" panose="020B0502040204020203" pitchFamily="34" charset="-79"/>
+              </a:rPr>
+              <a:t> </a:t>
+            </a:r>
+            <a:r>
+              <a:rPr lang="en-IL" sz="1400" dirty="0" err="1">
+                <a:solidFill>
+                  <a:schemeClr val="bg1"/>
+                </a:solidFill>
+                <a:latin typeface="Gisha" panose="020B0502040204020203" pitchFamily="34" charset="-79"/>
+                <a:ea typeface="+mj-ea"/>
+                <a:cs typeface="Gisha" panose="020B0502040204020203" pitchFamily="34" charset="-79"/>
+              </a:rPr>
+              <a:t>אתה</a:t>
+            </a:r>
+            <a:r>
+              <a:rPr lang="en-IL" sz="1400" dirty="0">
+                <a:solidFill>
+                  <a:schemeClr val="bg1"/>
+                </a:solidFill>
+                <a:latin typeface="Gisha" panose="020B0502040204020203" pitchFamily="34" charset="-79"/>
+                <a:ea typeface="+mj-ea"/>
+                <a:cs typeface="Gisha" panose="020B0502040204020203" pitchFamily="34" charset="-79"/>
+              </a:rPr>
+              <a:t> </a:t>
+            </a:r>
+            <a:r>
+              <a:rPr lang="en-IL" sz="1400" dirty="0" err="1">
+                <a:solidFill>
+                  <a:schemeClr val="bg1"/>
+                </a:solidFill>
+                <a:latin typeface="Gisha" panose="020B0502040204020203" pitchFamily="34" charset="-79"/>
+                <a:ea typeface="+mj-ea"/>
+                <a:cs typeface="Gisha" panose="020B0502040204020203" pitchFamily="34" charset="-79"/>
+              </a:rPr>
+              <a:t>והרובוטים</a:t>
+            </a:r>
+            <a:r>
+              <a:rPr lang="en-IL" sz="1400" dirty="0">
+                <a:solidFill>
+                  <a:schemeClr val="bg1"/>
+                </a:solidFill>
+                <a:latin typeface="Gisha" panose="020B0502040204020203" pitchFamily="34" charset="-79"/>
+                <a:ea typeface="+mj-ea"/>
+                <a:cs typeface="Gisha" panose="020B0502040204020203" pitchFamily="34" charset="-79"/>
+              </a:rPr>
+              <a:t> </a:t>
+            </a:r>
+            <a:r>
+              <a:rPr lang="en-IL" sz="1400" dirty="0" err="1">
+                <a:solidFill>
+                  <a:schemeClr val="bg1"/>
+                </a:solidFill>
+                <a:latin typeface="Gisha" panose="020B0502040204020203" pitchFamily="34" charset="-79"/>
+                <a:ea typeface="+mj-ea"/>
+                <a:cs typeface="Gisha" panose="020B0502040204020203" pitchFamily="34" charset="-79"/>
+              </a:rPr>
+              <a:t>צריכים</a:t>
+            </a:r>
+            <a:r>
+              <a:rPr lang="en-IL" sz="1400" dirty="0">
+                <a:solidFill>
+                  <a:schemeClr val="bg1"/>
+                </a:solidFill>
+                <a:latin typeface="Gisha" panose="020B0502040204020203" pitchFamily="34" charset="-79"/>
+                <a:ea typeface="+mj-ea"/>
+                <a:cs typeface="Gisha" panose="020B0502040204020203" pitchFamily="34" charset="-79"/>
+              </a:rPr>
+              <a:t> </a:t>
+            </a:r>
+            <a:r>
+              <a:rPr lang="en-IL" sz="1400" dirty="0" err="1">
+                <a:solidFill>
+                  <a:schemeClr val="bg1"/>
+                </a:solidFill>
+                <a:latin typeface="Gisha" panose="020B0502040204020203" pitchFamily="34" charset="-79"/>
+                <a:ea typeface="+mj-ea"/>
+                <a:cs typeface="Gisha" panose="020B0502040204020203" pitchFamily="34" charset="-79"/>
+              </a:rPr>
+              <a:t>לעזור</a:t>
+            </a:r>
+            <a:r>
+              <a:rPr lang="en-IL" sz="1400" dirty="0">
+                <a:solidFill>
+                  <a:schemeClr val="bg1"/>
+                </a:solidFill>
+                <a:latin typeface="Gisha" panose="020B0502040204020203" pitchFamily="34" charset="-79"/>
+                <a:ea typeface="+mj-ea"/>
+                <a:cs typeface="Gisha" panose="020B0502040204020203" pitchFamily="34" charset="-79"/>
+              </a:rPr>
+              <a:t> </a:t>
+            </a:r>
+            <a:r>
+              <a:rPr lang="he-IL" sz="1400" dirty="0">
+                <a:solidFill>
+                  <a:schemeClr val="bg1"/>
+                </a:solidFill>
+                <a:latin typeface="Gisha" panose="020B0502040204020203" pitchFamily="34" charset="-79"/>
+                <a:ea typeface="+mj-ea"/>
+                <a:cs typeface="Gisha" panose="020B0502040204020203" pitchFamily="34" charset="-79"/>
+              </a:rPr>
+              <a:t>לבלשית</a:t>
+            </a:r>
+            <a:r>
+              <a:rPr lang="en-IL" sz="1400" dirty="0">
+                <a:solidFill>
+                  <a:schemeClr val="bg1"/>
+                </a:solidFill>
+                <a:latin typeface="Gisha" panose="020B0502040204020203" pitchFamily="34" charset="-79"/>
+                <a:ea typeface="+mj-ea"/>
+                <a:cs typeface="Gisha" panose="020B0502040204020203" pitchFamily="34" charset="-79"/>
+              </a:rPr>
+              <a:t> </a:t>
+            </a:r>
+            <a:r>
+              <a:rPr lang="he-IL" sz="1400" dirty="0">
+                <a:solidFill>
+                  <a:schemeClr val="bg1"/>
+                </a:solidFill>
+                <a:latin typeface="Gisha" panose="020B0502040204020203" pitchFamily="34" charset="-79"/>
+                <a:ea typeface="+mj-ea"/>
+                <a:cs typeface="Gisha" panose="020B0502040204020203" pitchFamily="34" charset="-79"/>
+              </a:rPr>
+              <a:t>לזהות מי שדד/ו </a:t>
+            </a:r>
+            <a:r>
+              <a:rPr lang="en-IL" sz="1400" dirty="0" err="1">
+                <a:solidFill>
+                  <a:schemeClr val="bg1"/>
+                </a:solidFill>
+                <a:latin typeface="Gisha" panose="020B0502040204020203" pitchFamily="34" charset="-79"/>
+                <a:ea typeface="+mj-ea"/>
+                <a:cs typeface="Gisha" panose="020B0502040204020203" pitchFamily="34" charset="-79"/>
+              </a:rPr>
+              <a:t>את</a:t>
+            </a:r>
+            <a:r>
+              <a:rPr lang="en-IL" sz="1400" dirty="0">
+                <a:solidFill>
+                  <a:schemeClr val="bg1"/>
+                </a:solidFill>
+                <a:latin typeface="Gisha" panose="020B0502040204020203" pitchFamily="34" charset="-79"/>
+                <a:ea typeface="+mj-ea"/>
+                <a:cs typeface="Gisha" panose="020B0502040204020203" pitchFamily="34" charset="-79"/>
+              </a:rPr>
+              <a:t> </a:t>
+            </a:r>
+            <a:r>
+              <a:rPr lang="en-IL" sz="1400" dirty="0" err="1">
+                <a:solidFill>
+                  <a:schemeClr val="bg1"/>
+                </a:solidFill>
+                <a:latin typeface="Gisha" panose="020B0502040204020203" pitchFamily="34" charset="-79"/>
+                <a:ea typeface="+mj-ea"/>
+                <a:cs typeface="Gisha" panose="020B0502040204020203" pitchFamily="34" charset="-79"/>
+              </a:rPr>
+              <a:t>החנות</a:t>
+            </a:r>
+            <a:r>
+              <a:rPr lang="en-IL" sz="1400" dirty="0">
+                <a:solidFill>
+                  <a:schemeClr val="bg1"/>
+                </a:solidFill>
+                <a:latin typeface="Gisha" panose="020B0502040204020203" pitchFamily="34" charset="-79"/>
+                <a:ea typeface="+mj-ea"/>
+                <a:cs typeface="Gisha" panose="020B0502040204020203" pitchFamily="34" charset="-79"/>
+              </a:rPr>
+              <a:t>.</a:t>
+            </a:r>
+          </a:p>
+          <a:p>
+            <a:pPr algn="r" rtl="1">
+              <a:lnSpc>
+                <a:spcPct val="90000"/>
+              </a:lnSpc>
+              <a:spcBef>
+                <a:spcPct val="0"/>
+              </a:spcBef>
+            </a:pPr>
+            <a:r>
+              <a:rPr lang="en-IL" sz="1400" dirty="0" err="1">
+                <a:solidFill>
+                  <a:schemeClr val="bg1"/>
+                </a:solidFill>
+                <a:latin typeface="Gisha" panose="020B0502040204020203" pitchFamily="34" charset="-79"/>
+                <a:ea typeface="+mj-ea"/>
+                <a:cs typeface="Gisha" panose="020B0502040204020203" pitchFamily="34" charset="-79"/>
+              </a:rPr>
+              <a:t>החשודים</a:t>
+            </a:r>
+            <a:r>
+              <a:rPr lang="en-IL" sz="1400" dirty="0">
+                <a:solidFill>
+                  <a:schemeClr val="bg1"/>
+                </a:solidFill>
+                <a:latin typeface="Gisha" panose="020B0502040204020203" pitchFamily="34" charset="-79"/>
+                <a:ea typeface="+mj-ea"/>
+                <a:cs typeface="Gisha" panose="020B0502040204020203" pitchFamily="34" charset="-79"/>
+              </a:rPr>
+              <a:t> </a:t>
+            </a:r>
+            <a:r>
+              <a:rPr lang="en-IL" sz="1400" dirty="0" err="1">
+                <a:solidFill>
+                  <a:schemeClr val="bg1"/>
+                </a:solidFill>
+                <a:latin typeface="Gisha" panose="020B0502040204020203" pitchFamily="34" charset="-79"/>
+                <a:ea typeface="+mj-ea"/>
+                <a:cs typeface="Gisha" panose="020B0502040204020203" pitchFamily="34" charset="-79"/>
+              </a:rPr>
+              <a:t>הם</a:t>
+            </a:r>
+            <a:r>
+              <a:rPr lang="en-IL" sz="1400" dirty="0">
+                <a:solidFill>
+                  <a:schemeClr val="bg1"/>
+                </a:solidFill>
+                <a:latin typeface="Gisha" panose="020B0502040204020203" pitchFamily="34" charset="-79"/>
+                <a:ea typeface="+mj-ea"/>
+                <a:cs typeface="Gisha" panose="020B0502040204020203" pitchFamily="34" charset="-79"/>
+              </a:rPr>
+              <a:t>:</a:t>
+            </a:r>
+          </a:p>
+          <a:p>
+            <a:pPr algn="r" rtl="1">
+              <a:lnSpc>
+                <a:spcPct val="90000"/>
+              </a:lnSpc>
+              <a:spcBef>
+                <a:spcPct val="0"/>
+              </a:spcBef>
+            </a:pPr>
+            <a:r>
+              <a:rPr lang="en-IL" sz="1400" dirty="0" err="1">
+                <a:solidFill>
+                  <a:schemeClr val="bg1"/>
+                </a:solidFill>
+                <a:latin typeface="Gisha" panose="020B0502040204020203" pitchFamily="34" charset="-79"/>
+                <a:ea typeface="+mj-ea"/>
+                <a:cs typeface="Gisha" panose="020B0502040204020203" pitchFamily="34" charset="-79"/>
+              </a:rPr>
+              <a:t>חשוד</a:t>
+            </a:r>
+            <a:r>
+              <a:rPr lang="en-IL" sz="1400" dirty="0">
+                <a:solidFill>
+                  <a:schemeClr val="bg1"/>
+                </a:solidFill>
+                <a:latin typeface="Gisha" panose="020B0502040204020203" pitchFamily="34" charset="-79"/>
+                <a:ea typeface="+mj-ea"/>
+                <a:cs typeface="Gisha" panose="020B0502040204020203" pitchFamily="34" charset="-79"/>
+              </a:rPr>
+              <a:t> </a:t>
+            </a:r>
+            <a:r>
+              <a:rPr lang="he-IL" sz="1400" dirty="0">
+                <a:solidFill>
+                  <a:schemeClr val="bg1"/>
+                </a:solidFill>
+                <a:latin typeface="Gisha" panose="020B0502040204020203" pitchFamily="34" charset="-79"/>
+                <a:ea typeface="+mj-ea"/>
+                <a:cs typeface="Gisha" panose="020B0502040204020203" pitchFamily="34" charset="-79"/>
+              </a:rPr>
+              <a:t>א' </a:t>
+            </a:r>
+            <a:r>
+              <a:rPr lang="en-IL" sz="1400" dirty="0" err="1">
+                <a:solidFill>
+                  <a:schemeClr val="bg1"/>
+                </a:solidFill>
+                <a:latin typeface="Gisha" panose="020B0502040204020203" pitchFamily="34" charset="-79"/>
+                <a:ea typeface="+mj-ea"/>
+                <a:cs typeface="Gisha" panose="020B0502040204020203" pitchFamily="34" charset="-79"/>
+              </a:rPr>
+              <a:t>הוא</a:t>
+            </a:r>
+            <a:r>
+              <a:rPr lang="en-IL" sz="1400" dirty="0">
+                <a:solidFill>
+                  <a:schemeClr val="bg1"/>
+                </a:solidFill>
+                <a:latin typeface="Gisha" panose="020B0502040204020203" pitchFamily="34" charset="-79"/>
+                <a:ea typeface="+mj-ea"/>
+                <a:cs typeface="Gisha" panose="020B0502040204020203" pitchFamily="34" charset="-79"/>
+              </a:rPr>
+              <a:t> </a:t>
+            </a:r>
+            <a:r>
+              <a:rPr lang="en-IL" sz="1400" dirty="0" err="1">
+                <a:solidFill>
+                  <a:schemeClr val="bg1"/>
+                </a:solidFill>
+                <a:latin typeface="Gisha" panose="020B0502040204020203" pitchFamily="34" charset="-79"/>
+                <a:ea typeface="+mj-ea"/>
+                <a:cs typeface="Gisha" panose="020B0502040204020203" pitchFamily="34" charset="-79"/>
+              </a:rPr>
+              <a:t>גבוה</a:t>
+            </a:r>
+            <a:r>
+              <a:rPr lang="en-IL" sz="1400" dirty="0">
+                <a:solidFill>
+                  <a:schemeClr val="bg1"/>
+                </a:solidFill>
+                <a:latin typeface="Gisha" panose="020B0502040204020203" pitchFamily="34" charset="-79"/>
+                <a:ea typeface="+mj-ea"/>
+                <a:cs typeface="Gisha" panose="020B0502040204020203" pitchFamily="34" charset="-79"/>
+              </a:rPr>
+              <a:t>, </a:t>
+            </a:r>
+            <a:r>
+              <a:rPr lang="en-IL" sz="1400" dirty="0" err="1">
+                <a:solidFill>
+                  <a:schemeClr val="bg1"/>
+                </a:solidFill>
+                <a:latin typeface="Gisha" panose="020B0502040204020203" pitchFamily="34" charset="-79"/>
+                <a:ea typeface="+mj-ea"/>
+                <a:cs typeface="Gisha" panose="020B0502040204020203" pitchFamily="34" charset="-79"/>
+              </a:rPr>
+              <a:t>עם</a:t>
+            </a:r>
+            <a:r>
+              <a:rPr lang="en-IL" sz="1400" dirty="0">
+                <a:solidFill>
+                  <a:schemeClr val="bg1"/>
+                </a:solidFill>
+                <a:latin typeface="Gisha" panose="020B0502040204020203" pitchFamily="34" charset="-79"/>
+                <a:ea typeface="+mj-ea"/>
+                <a:cs typeface="Gisha" panose="020B0502040204020203" pitchFamily="34" charset="-79"/>
+              </a:rPr>
+              <a:t> </a:t>
+            </a:r>
+            <a:r>
+              <a:rPr lang="en-IL" sz="1400" dirty="0" err="1">
+                <a:solidFill>
+                  <a:schemeClr val="bg1"/>
+                </a:solidFill>
+                <a:latin typeface="Gisha" panose="020B0502040204020203" pitchFamily="34" charset="-79"/>
+                <a:ea typeface="+mj-ea"/>
+                <a:cs typeface="Gisha" panose="020B0502040204020203" pitchFamily="34" charset="-79"/>
+              </a:rPr>
+              <a:t>מעיל</a:t>
+            </a:r>
+            <a:r>
+              <a:rPr lang="en-IL" sz="1400" dirty="0">
+                <a:solidFill>
+                  <a:schemeClr val="bg1"/>
+                </a:solidFill>
+                <a:latin typeface="Gisha" panose="020B0502040204020203" pitchFamily="34" charset="-79"/>
+                <a:ea typeface="+mj-ea"/>
+                <a:cs typeface="Gisha" panose="020B0502040204020203" pitchFamily="34" charset="-79"/>
+              </a:rPr>
+              <a:t> </a:t>
+            </a:r>
+            <a:r>
+              <a:rPr lang="he-IL" sz="1400" dirty="0">
+                <a:solidFill>
+                  <a:schemeClr val="bg1"/>
+                </a:solidFill>
+                <a:latin typeface="Gisha" panose="020B0502040204020203" pitchFamily="34" charset="-79"/>
+                <a:ea typeface="+mj-ea"/>
+                <a:cs typeface="Gisha" panose="020B0502040204020203" pitchFamily="34" charset="-79"/>
+              </a:rPr>
+              <a:t>יוקרתי</a:t>
+            </a:r>
+            <a:r>
+              <a:rPr lang="en-IL" sz="1400" dirty="0">
+                <a:solidFill>
+                  <a:schemeClr val="bg1"/>
+                </a:solidFill>
+                <a:latin typeface="Gisha" panose="020B0502040204020203" pitchFamily="34" charset="-79"/>
+                <a:ea typeface="+mj-ea"/>
+                <a:cs typeface="Gisha" panose="020B0502040204020203" pitchFamily="34" charset="-79"/>
+              </a:rPr>
+              <a:t> </a:t>
+            </a:r>
+            <a:r>
+              <a:rPr lang="en-IL" sz="1400" dirty="0" err="1">
+                <a:solidFill>
+                  <a:schemeClr val="bg1"/>
+                </a:solidFill>
+                <a:latin typeface="Gisha" panose="020B0502040204020203" pitchFamily="34" charset="-79"/>
+                <a:ea typeface="+mj-ea"/>
+                <a:cs typeface="Gisha" panose="020B0502040204020203" pitchFamily="34" charset="-79"/>
+              </a:rPr>
+              <a:t>שחור</a:t>
+            </a:r>
+            <a:r>
+              <a:rPr lang="en-IL" sz="1400" dirty="0">
+                <a:solidFill>
+                  <a:schemeClr val="bg1"/>
+                </a:solidFill>
+                <a:latin typeface="Gisha" panose="020B0502040204020203" pitchFamily="34" charset="-79"/>
+                <a:ea typeface="+mj-ea"/>
+                <a:cs typeface="Gisha" panose="020B0502040204020203" pitchFamily="34" charset="-79"/>
+              </a:rPr>
+              <a:t> </a:t>
+            </a:r>
+            <a:r>
+              <a:rPr lang="en-IL" sz="1400" dirty="0" err="1">
+                <a:solidFill>
+                  <a:schemeClr val="bg1"/>
+                </a:solidFill>
+                <a:latin typeface="Gisha" panose="020B0502040204020203" pitchFamily="34" charset="-79"/>
+                <a:ea typeface="+mj-ea"/>
+                <a:cs typeface="Gisha" panose="020B0502040204020203" pitchFamily="34" charset="-79"/>
+              </a:rPr>
+              <a:t>ושעון</a:t>
+            </a:r>
+            <a:r>
+              <a:rPr lang="en-IL" sz="1400" dirty="0">
+                <a:solidFill>
+                  <a:schemeClr val="bg1"/>
+                </a:solidFill>
+                <a:latin typeface="Gisha" panose="020B0502040204020203" pitchFamily="34" charset="-79"/>
+                <a:ea typeface="+mj-ea"/>
+                <a:cs typeface="Gisha" panose="020B0502040204020203" pitchFamily="34" charset="-79"/>
+              </a:rPr>
+              <a:t> </a:t>
+            </a:r>
+            <a:r>
+              <a:rPr lang="en-IL" sz="1400" dirty="0" err="1">
+                <a:solidFill>
+                  <a:schemeClr val="bg1"/>
+                </a:solidFill>
+                <a:latin typeface="Gisha" panose="020B0502040204020203" pitchFamily="34" charset="-79"/>
+                <a:ea typeface="+mj-ea"/>
+                <a:cs typeface="Gisha" panose="020B0502040204020203" pitchFamily="34" charset="-79"/>
+              </a:rPr>
+              <a:t>רולקס</a:t>
+            </a:r>
+            <a:r>
+              <a:rPr lang="he-IL" sz="1400" dirty="0">
+                <a:solidFill>
+                  <a:schemeClr val="bg1"/>
+                </a:solidFill>
+                <a:latin typeface="Gisha" panose="020B0502040204020203" pitchFamily="34" charset="-79"/>
+                <a:ea typeface="+mj-ea"/>
+                <a:cs typeface="Gisha" panose="020B0502040204020203" pitchFamily="34" charset="-79"/>
+              </a:rPr>
+              <a:t> עשוי זהב.</a:t>
+            </a:r>
+            <a:endParaRPr lang="en-US" sz="1400" dirty="0">
               <a:solidFill>
                 <a:schemeClr val="bg1"/>
               </a:solidFill>
               <a:latin typeface="Gisha" panose="020B0502040204020203" pitchFamily="34" charset="-79"/>
+              <a:ea typeface="+mj-ea"/>
               <a:cs typeface="Gisha" panose="020B0502040204020203" pitchFamily="34" charset="-79"/>
             </a:endParaRPr>
           </a:p>
-        </p:txBody>
-      </p:sp>
-      <p:sp>
-        <p:nvSpPr>
-          <p:cNvPr id="5" name="Title 1">
-            <a:extLst>
-              <a:ext uri="{FF2B5EF4-FFF2-40B4-BE49-F238E27FC236}">
-                <a16:creationId xmlns:a16="http://schemas.microsoft.com/office/drawing/2014/main" id="{35276F19-C001-41BF-B5F4-86513CDA0C69}"/>
-              </a:ext>
-            </a:extLst>
-          </p:cNvPr>
-          <p:cNvSpPr txBox="1">
-            <a:spLocks/>
-          </p:cNvSpPr>
+          <a:p>
+            <a:pPr algn="r" rtl="1">
+              <a:lnSpc>
+                <a:spcPct val="90000"/>
+              </a:lnSpc>
+              <a:spcBef>
+                <a:spcPct val="0"/>
+              </a:spcBef>
+            </a:pPr>
+            <a:r>
+              <a:rPr lang="he-IL" sz="1400" dirty="0">
+                <a:solidFill>
+                  <a:schemeClr val="bg1"/>
+                </a:solidFill>
+                <a:latin typeface="Gisha" panose="020B0502040204020203" pitchFamily="34" charset="-79"/>
+                <a:ea typeface="+mj-ea"/>
+                <a:cs typeface="Gisha" panose="020B0502040204020203" pitchFamily="34" charset="-79"/>
+              </a:rPr>
+              <a:t>לחשוד ב'</a:t>
+            </a:r>
+            <a:r>
+              <a:rPr lang="en-IL" sz="1400" dirty="0">
+                <a:solidFill>
+                  <a:schemeClr val="bg1"/>
+                </a:solidFill>
+                <a:latin typeface="Gisha" panose="020B0502040204020203" pitchFamily="34" charset="-79"/>
+                <a:ea typeface="+mj-ea"/>
+                <a:cs typeface="Gisha" panose="020B0502040204020203" pitchFamily="34" charset="-79"/>
+              </a:rPr>
+              <a:t> </a:t>
+            </a:r>
+            <a:r>
+              <a:rPr lang="en-IL" sz="1400" dirty="0" err="1">
+                <a:solidFill>
+                  <a:schemeClr val="bg1"/>
+                </a:solidFill>
+                <a:latin typeface="Gisha" panose="020B0502040204020203" pitchFamily="34" charset="-79"/>
+                <a:ea typeface="+mj-ea"/>
+                <a:cs typeface="Gisha" panose="020B0502040204020203" pitchFamily="34" charset="-79"/>
+              </a:rPr>
+              <a:t>יש</a:t>
+            </a:r>
+            <a:r>
+              <a:rPr lang="en-IL" sz="1400" dirty="0">
+                <a:solidFill>
+                  <a:schemeClr val="bg1"/>
+                </a:solidFill>
+                <a:latin typeface="Gisha" panose="020B0502040204020203" pitchFamily="34" charset="-79"/>
+                <a:ea typeface="+mj-ea"/>
+                <a:cs typeface="Gisha" panose="020B0502040204020203" pitchFamily="34" charset="-79"/>
+              </a:rPr>
+              <a:t> </a:t>
+            </a:r>
+            <a:r>
+              <a:rPr lang="en-IL" sz="1400" dirty="0" err="1">
+                <a:solidFill>
+                  <a:schemeClr val="bg1"/>
+                </a:solidFill>
+                <a:latin typeface="Gisha" panose="020B0502040204020203" pitchFamily="34" charset="-79"/>
+                <a:ea typeface="+mj-ea"/>
+                <a:cs typeface="Gisha" panose="020B0502040204020203" pitchFamily="34" charset="-79"/>
+              </a:rPr>
+              <a:t>שיער</a:t>
+            </a:r>
+            <a:r>
+              <a:rPr lang="en-IL" sz="1400" dirty="0">
+                <a:solidFill>
+                  <a:schemeClr val="bg1"/>
+                </a:solidFill>
+                <a:latin typeface="Gisha" panose="020B0502040204020203" pitchFamily="34" charset="-79"/>
+                <a:ea typeface="+mj-ea"/>
+                <a:cs typeface="Gisha" panose="020B0502040204020203" pitchFamily="34" charset="-79"/>
+              </a:rPr>
+              <a:t> </a:t>
+            </a:r>
+            <a:r>
+              <a:rPr lang="en-IL" sz="1400" dirty="0" err="1">
+                <a:solidFill>
+                  <a:schemeClr val="bg1"/>
+                </a:solidFill>
+                <a:latin typeface="Gisha" panose="020B0502040204020203" pitchFamily="34" charset="-79"/>
+                <a:ea typeface="+mj-ea"/>
+                <a:cs typeface="Gisha" panose="020B0502040204020203" pitchFamily="34" charset="-79"/>
+              </a:rPr>
+              <a:t>בלונדיני</a:t>
+            </a:r>
+            <a:r>
+              <a:rPr lang="en-IL" sz="1400" dirty="0">
+                <a:solidFill>
+                  <a:schemeClr val="bg1"/>
+                </a:solidFill>
+                <a:latin typeface="Gisha" panose="020B0502040204020203" pitchFamily="34" charset="-79"/>
+                <a:ea typeface="+mj-ea"/>
+                <a:cs typeface="Gisha" panose="020B0502040204020203" pitchFamily="34" charset="-79"/>
+              </a:rPr>
+              <a:t> </a:t>
+            </a:r>
+            <a:r>
+              <a:rPr lang="he-IL" sz="1400" dirty="0">
+                <a:solidFill>
+                  <a:schemeClr val="bg1"/>
+                </a:solidFill>
+                <a:latin typeface="Gisha" panose="020B0502040204020203" pitchFamily="34" charset="-79"/>
+                <a:ea typeface="+mj-ea"/>
+                <a:cs typeface="Gisha" panose="020B0502040204020203" pitchFamily="34" charset="-79"/>
+              </a:rPr>
+              <a:t>ו</a:t>
+            </a:r>
+            <a:r>
+              <a:rPr lang="en-IL" sz="1400" dirty="0" err="1">
+                <a:solidFill>
+                  <a:schemeClr val="bg1"/>
+                </a:solidFill>
+                <a:latin typeface="Gisha" panose="020B0502040204020203" pitchFamily="34" charset="-79"/>
+                <a:ea typeface="+mj-ea"/>
+                <a:cs typeface="Gisha" panose="020B0502040204020203" pitchFamily="34" charset="-79"/>
+              </a:rPr>
+              <a:t>חתך</a:t>
+            </a:r>
+            <a:r>
+              <a:rPr lang="en-IL" sz="1400" dirty="0">
+                <a:solidFill>
+                  <a:schemeClr val="bg1"/>
+                </a:solidFill>
+                <a:latin typeface="Gisha" panose="020B0502040204020203" pitchFamily="34" charset="-79"/>
+                <a:ea typeface="+mj-ea"/>
+                <a:cs typeface="Gisha" panose="020B0502040204020203" pitchFamily="34" charset="-79"/>
+              </a:rPr>
+              <a:t> </a:t>
+            </a:r>
+            <a:r>
+              <a:rPr lang="en-IL" sz="1400" dirty="0" err="1">
+                <a:solidFill>
+                  <a:schemeClr val="bg1"/>
+                </a:solidFill>
+                <a:latin typeface="Gisha" panose="020B0502040204020203" pitchFamily="34" charset="-79"/>
+                <a:ea typeface="+mj-ea"/>
+                <a:cs typeface="Gisha" panose="020B0502040204020203" pitchFamily="34" charset="-79"/>
+              </a:rPr>
+              <a:t>מעל</a:t>
+            </a:r>
+            <a:r>
+              <a:rPr lang="en-IL" sz="1400" dirty="0">
+                <a:solidFill>
+                  <a:schemeClr val="bg1"/>
+                </a:solidFill>
+                <a:latin typeface="Gisha" panose="020B0502040204020203" pitchFamily="34" charset="-79"/>
+                <a:ea typeface="+mj-ea"/>
+                <a:cs typeface="Gisha" panose="020B0502040204020203" pitchFamily="34" charset="-79"/>
+              </a:rPr>
+              <a:t> </a:t>
+            </a:r>
+            <a:r>
+              <a:rPr lang="en-IL" sz="1400" dirty="0" err="1">
+                <a:solidFill>
+                  <a:schemeClr val="bg1"/>
+                </a:solidFill>
+                <a:latin typeface="Gisha" panose="020B0502040204020203" pitchFamily="34" charset="-79"/>
+                <a:ea typeface="+mj-ea"/>
+                <a:cs typeface="Gisha" panose="020B0502040204020203" pitchFamily="34" charset="-79"/>
+              </a:rPr>
+              <a:t>הגבה</a:t>
+            </a:r>
+            <a:r>
+              <a:rPr lang="en-IL" sz="1400" dirty="0">
+                <a:solidFill>
+                  <a:schemeClr val="bg1"/>
+                </a:solidFill>
+                <a:latin typeface="Gisha" panose="020B0502040204020203" pitchFamily="34" charset="-79"/>
+                <a:ea typeface="+mj-ea"/>
+                <a:cs typeface="Gisha" panose="020B0502040204020203" pitchFamily="34" charset="-79"/>
+              </a:rPr>
+              <a:t> </a:t>
+            </a:r>
+            <a:r>
+              <a:rPr lang="en-IL" sz="1400" dirty="0" err="1">
+                <a:solidFill>
+                  <a:schemeClr val="bg1"/>
+                </a:solidFill>
+                <a:latin typeface="Gisha" panose="020B0502040204020203" pitchFamily="34" charset="-79"/>
+                <a:ea typeface="+mj-ea"/>
+                <a:cs typeface="Gisha" panose="020B0502040204020203" pitchFamily="34" charset="-79"/>
+              </a:rPr>
+              <a:t>השמאלית</a:t>
+            </a:r>
+            <a:r>
+              <a:rPr lang="en-IL" sz="1400" dirty="0">
+                <a:solidFill>
+                  <a:schemeClr val="bg1"/>
+                </a:solidFill>
+                <a:latin typeface="Gisha" panose="020B0502040204020203" pitchFamily="34" charset="-79"/>
+                <a:ea typeface="+mj-ea"/>
+                <a:cs typeface="Gisha" panose="020B0502040204020203" pitchFamily="34" charset="-79"/>
+              </a:rPr>
+              <a:t>.</a:t>
+            </a:r>
+          </a:p>
+        </p:txBody>
+      </p:sp>
+      <p:sp>
+        <p:nvSpPr>
+          <p:cNvPr id="7" name="Rectangle 6">
+            <a:extLst>
+              <a:ext uri="{FF2B5EF4-FFF2-40B4-BE49-F238E27FC236}">
+                <a16:creationId xmlns:a16="http://schemas.microsoft.com/office/drawing/2014/main" id="{4965EA7E-77D1-428B-8432-1BCB7FFAB0ED}"/>
+              </a:ext>
+            </a:extLst>
+          </p:cNvPr>
+          <p:cNvSpPr/>
           <p:nvPr/>
         </p:nvSpPr>
         <p:spPr>
           <a:xfrm>
-            <a:off x="2095500" y="2303462"/>
-            <a:ext cx="2200275" cy="254000"/>
+            <a:off x="5871411" y="2303353"/>
+            <a:ext cx="6096000" cy="480131"/>
           </a:xfrm>
           <a:prstGeom prst="rect">
             <a:avLst/>
@@ -3493,75 +4720,6 @@
         </p:spPr>
         <p:txBody>
           <a:bodyPr vert="horz" lIns="91440" tIns="45720" rIns="91440" bIns="45720" rtlCol="0" anchor="b">
-            <a:normAutofit fontScale="90000" lnSpcReduction="10000"/>
-          </a:bodyPr>
-          <a:lstStyle>
-            <a:lvl1pPr algn="ctr" defTabSz="914400" rtl="0" eaLnBrk="1" latinLnBrk="0" hangingPunct="1">
-              <a:lnSpc>
-                <a:spcPct val="90000"/>
-              </a:lnSpc>
-              <a:spcBef>
-                <a:spcPct val="0"/>
-              </a:spcBef>
-              <a:buNone/>
-              <a:defRPr sz="6000" kern="1200">
-                <a:solidFill>
-                  <a:schemeClr val="tx1"/>
-                </a:solidFill>
-                <a:latin typeface="+mj-lt"/>
-                <a:ea typeface="+mj-ea"/>
-                <a:cs typeface="+mj-cs"/>
-              </a:defRPr>
-            </a:lvl1pPr>
-          </a:lstStyle>
-          <a:p>
-            <a:pPr algn="r" rtl="1"/>
-            <a:r>
-              <a:rPr lang="he-IL" sz="1400" dirty="0">
-                <a:solidFill>
-                  <a:schemeClr val="bg1"/>
-                </a:solidFill>
-                <a:latin typeface="Gisha" panose="020B0502040204020203" pitchFamily="34" charset="-79"/>
-                <a:cs typeface="Gisha" panose="020B0502040204020203" pitchFamily="34" charset="-79"/>
-              </a:rPr>
-              <a:t>חשוד ב' שדד את החנות</a:t>
-            </a:r>
-            <a:endParaRPr lang="en-IL" sz="1400" dirty="0">
-              <a:solidFill>
-                <a:schemeClr val="bg1"/>
-              </a:solidFill>
-              <a:latin typeface="Gisha" panose="020B0502040204020203" pitchFamily="34" charset="-79"/>
-              <a:cs typeface="Gisha" panose="020B0502040204020203" pitchFamily="34" charset="-79"/>
-            </a:endParaRPr>
-          </a:p>
-        </p:txBody>
-      </p:sp>
-      <p:sp>
-        <p:nvSpPr>
-          <p:cNvPr id="6" name="Rectangle 5">
-            <a:extLst>
-              <a:ext uri="{FF2B5EF4-FFF2-40B4-BE49-F238E27FC236}">
-                <a16:creationId xmlns:a16="http://schemas.microsoft.com/office/drawing/2014/main" id="{F711992B-4150-4F40-B76F-F8AAB261572D}"/>
-              </a:ext>
-            </a:extLst>
-          </p:cNvPr>
-          <p:cNvSpPr/>
-          <p:nvPr/>
-        </p:nvSpPr>
-        <p:spPr>
-          <a:xfrm>
-            <a:off x="4572000" y="815062"/>
-            <a:ext cx="6096000" cy="2031325"/>
-          </a:xfrm>
-          <a:prstGeom prst="rect">
-            <a:avLst/>
-          </a:prstGeom>
-          <a:solidFill>
-            <a:schemeClr val="tx1"/>
-          </a:solidFill>
-        </p:spPr>
-        <p:txBody>
-          <a:bodyPr vert="horz" lIns="91440" tIns="45720" rIns="91440" bIns="45720" rtlCol="0" anchor="b">
             <a:normAutofit fontScale="97500"/>
           </a:bodyPr>
           <a:lstStyle/>
@@ -3575,15 +4733,15 @@
               </a:spcBef>
             </a:pPr>
             <a:r>
-              <a:rPr lang="en-IL" sz="1400" dirty="0" err="1">
-                <a:solidFill>
-                  <a:schemeClr val="bg1"/>
-                </a:solidFill>
-                <a:latin typeface="Gisha" panose="020B0502040204020203" pitchFamily="34" charset="-79"/>
-                <a:ea typeface="+mj-ea"/>
-                <a:cs typeface="Gisha" panose="020B0502040204020203" pitchFamily="34" charset="-79"/>
-              </a:rPr>
-              <a:t>חנות</a:t>
+              <a:rPr lang="he-IL" sz="1400" dirty="0">
+                <a:solidFill>
+                  <a:schemeClr val="bg1"/>
+                </a:solidFill>
+                <a:latin typeface="Gisha" panose="020B0502040204020203" pitchFamily="34" charset="-79"/>
+                <a:ea typeface="+mj-ea"/>
+                <a:cs typeface="Gisha" panose="020B0502040204020203" pitchFamily="34" charset="-79"/>
+              </a:rPr>
+              <a:t>חשוד ג' נעצר כאשר</a:t>
             </a:r>
             <a:r>
               <a:rPr lang="en-IL" sz="1400" dirty="0">
@@ -3605,7 +4763,7 @@
                 <a:ea typeface="+mj-ea"/>
                 <a:cs typeface="Gisha" panose="020B0502040204020203" pitchFamily="34" charset="-79"/>
               </a:rPr>
-              <a:t>יהלומים</a:t>
+              <a:t>ניסה</a:t>
             </a:r>
             <a:r>
               <a:rPr lang="en-IL" sz="1400" dirty="0">
@@ -3627,18 +4785,40 @@
                 <a:ea typeface="+mj-ea"/>
                 <a:cs typeface="Gisha" panose="020B0502040204020203" pitchFamily="34" charset="-79"/>
               </a:rPr>
-              <a:t>נשדדה</a:t>
-            </a:r>
-            <a:r>
-              <a:rPr lang="en-IL" sz="1400" dirty="0">
-                <a:solidFill>
-                  <a:schemeClr val="bg1"/>
-                </a:solidFill>
-                <a:latin typeface="Gisha" panose="020B0502040204020203" pitchFamily="34" charset="-79"/>
-                <a:ea typeface="+mj-ea"/>
-                <a:cs typeface="Gisha" panose="020B0502040204020203" pitchFamily="34" charset="-79"/>
-              </a:rPr>
-              <a:t>. </a:t>
+              <a:t>לברוח</a:t>
+            </a:r>
+            <a:r>
+              <a:rPr lang="en-IL" sz="1400" dirty="0">
+                <a:solidFill>
+                  <a:schemeClr val="bg1"/>
+                </a:solidFill>
+                <a:latin typeface="Gisha" panose="020B0502040204020203" pitchFamily="34" charset="-79"/>
+                <a:ea typeface="+mj-ea"/>
+                <a:cs typeface="Gisha" panose="020B0502040204020203" pitchFamily="34" charset="-79"/>
+              </a:rPr>
+              <a:t> </a:t>
+            </a:r>
+            <a:r>
+              <a:rPr lang="en-IL" sz="1400" dirty="0" err="1">
+                <a:solidFill>
+                  <a:schemeClr val="bg1"/>
+                </a:solidFill>
+                <a:latin typeface="Gisha" panose="020B0502040204020203" pitchFamily="34" charset="-79"/>
+                <a:ea typeface="+mj-ea"/>
+                <a:cs typeface="Gisha" panose="020B0502040204020203" pitchFamily="34" charset="-79"/>
+              </a:rPr>
+              <a:t>מהמקום</a:t>
+            </a:r>
+            <a:r>
+              <a:rPr lang="en-IL" sz="1400" dirty="0">
+                <a:solidFill>
+                  <a:schemeClr val="bg1"/>
+                </a:solidFill>
+                <a:latin typeface="Gisha" panose="020B0502040204020203" pitchFamily="34" charset="-79"/>
+                <a:ea typeface="+mj-ea"/>
+                <a:cs typeface="Gisha" panose="020B0502040204020203" pitchFamily="34" charset="-79"/>
+              </a:rPr>
+              <a:t> </a:t>
             </a:r>
             <a:r>
               <a:rPr lang="he-IL" sz="1400" dirty="0">
@@ -3649,64 +4829,31 @@
                 <a:ea typeface="+mj-ea"/>
                 <a:cs typeface="Gisha" panose="020B0502040204020203" pitchFamily="34" charset="-79"/>
               </a:rPr>
+              <a:t>למרות בקשת </a:t>
+            </a:r>
+            <a:r>
+              <a:rPr lang="en-IL" sz="1400" dirty="0" err="1">
+                <a:solidFill>
+                  <a:schemeClr val="bg1"/>
+                </a:solidFill>
+                <a:latin typeface="Gisha" panose="020B0502040204020203" pitchFamily="34" charset="-79"/>
+                <a:ea typeface="+mj-ea"/>
+                <a:cs typeface="Gisha" panose="020B0502040204020203" pitchFamily="34" charset="-79"/>
+              </a:rPr>
+              <a:t>המשטרה</a:t>
+            </a:r>
+            <a:r>
+              <a:rPr lang="en-IL" sz="1400" dirty="0">
+                <a:solidFill>
+                  <a:schemeClr val="bg1"/>
+                </a:solidFill>
+                <a:latin typeface="Gisha" panose="020B0502040204020203" pitchFamily="34" charset="-79"/>
+                <a:ea typeface="+mj-ea"/>
+                <a:cs typeface="Gisha" panose="020B0502040204020203" pitchFamily="34" charset="-79"/>
+              </a:rPr>
               <a:t> </a:t>
             </a:r>
             <a:r>
-              <a:rPr lang="en-IL" sz="1400" dirty="0" err="1">
-                <a:solidFill>
-                  <a:schemeClr val="bg1"/>
-                </a:solidFill>
-                <a:latin typeface="Gisha" panose="020B0502040204020203" pitchFamily="34" charset="-79"/>
-                <a:ea typeface="+mj-ea"/>
-                <a:cs typeface="Gisha" panose="020B0502040204020203" pitchFamily="34" charset="-79"/>
-              </a:rPr>
-              <a:t>המשטרה</a:t>
-            </a:r>
-            <a:r>
-              <a:rPr lang="en-IL" sz="1400" dirty="0">
-                <a:solidFill>
-                  <a:schemeClr val="bg1"/>
-                </a:solidFill>
-                <a:latin typeface="Gisha" panose="020B0502040204020203" pitchFamily="34" charset="-79"/>
-                <a:ea typeface="+mj-ea"/>
-                <a:cs typeface="Gisha" panose="020B0502040204020203" pitchFamily="34" charset="-79"/>
-              </a:rPr>
-              <a:t> </a:t>
-            </a:r>
-            <a:r>
-              <a:rPr lang="en-IL" sz="1400" dirty="0" err="1">
-                <a:solidFill>
-                  <a:schemeClr val="bg1"/>
-                </a:solidFill>
-                <a:latin typeface="Gisha" panose="020B0502040204020203" pitchFamily="34" charset="-79"/>
-                <a:ea typeface="+mj-ea"/>
-                <a:cs typeface="Gisha" panose="020B0502040204020203" pitchFamily="34" charset="-79"/>
-              </a:rPr>
-              <a:t>הגיעה</a:t>
-            </a:r>
-            <a:r>
-              <a:rPr lang="en-IL" sz="1400" dirty="0">
-                <a:solidFill>
-                  <a:schemeClr val="bg1"/>
-                </a:solidFill>
-                <a:latin typeface="Gisha" panose="020B0502040204020203" pitchFamily="34" charset="-79"/>
-                <a:ea typeface="+mj-ea"/>
-                <a:cs typeface="Gisha" panose="020B0502040204020203" pitchFamily="34" charset="-79"/>
-              </a:rPr>
-              <a:t> </a:t>
-            </a:r>
-            <a:r>
-              <a:rPr lang="en-IL" sz="1400" dirty="0" err="1">
-                <a:solidFill>
-                  <a:schemeClr val="bg1"/>
-                </a:solidFill>
-                <a:latin typeface="Gisha" panose="020B0502040204020203" pitchFamily="34" charset="-79"/>
-                <a:ea typeface="+mj-ea"/>
-                <a:cs typeface="Gisha" panose="020B0502040204020203" pitchFamily="34" charset="-79"/>
-              </a:rPr>
-              <a:t>מיד</a:t>
-            </a:r>
-            <a:r>
               <a:rPr lang="he-IL" sz="1400" dirty="0">
                 <a:solidFill>
                   <a:schemeClr val="bg1"/>
@@ -3715,634 +4862,7 @@
                 <a:ea typeface="+mj-ea"/>
                 <a:cs typeface="Gisha" panose="020B0502040204020203" pitchFamily="34" charset="-79"/>
               </a:rPr>
-              <a:t> לזירה</a:t>
-            </a:r>
-            <a:r>
-              <a:rPr lang="en-IL" sz="1400" dirty="0">
-                <a:solidFill>
-                  <a:schemeClr val="bg1"/>
-                </a:solidFill>
-                <a:latin typeface="Gisha" panose="020B0502040204020203" pitchFamily="34" charset="-79"/>
-                <a:ea typeface="+mj-ea"/>
-                <a:cs typeface="Gisha" panose="020B0502040204020203" pitchFamily="34" charset="-79"/>
-              </a:rPr>
-              <a:t> </a:t>
-            </a:r>
-            <a:r>
-              <a:rPr lang="en-IL" sz="1400" dirty="0" err="1">
-                <a:solidFill>
-                  <a:schemeClr val="bg1"/>
-                </a:solidFill>
-                <a:latin typeface="Gisha" panose="020B0502040204020203" pitchFamily="34" charset="-79"/>
-                <a:ea typeface="+mj-ea"/>
-                <a:cs typeface="Gisha" panose="020B0502040204020203" pitchFamily="34" charset="-79"/>
-              </a:rPr>
-              <a:t>ותפסה</a:t>
-            </a:r>
-            <a:r>
-              <a:rPr lang="en-IL" sz="1400" dirty="0">
-                <a:solidFill>
-                  <a:schemeClr val="bg1"/>
-                </a:solidFill>
-                <a:latin typeface="Gisha" panose="020B0502040204020203" pitchFamily="34" charset="-79"/>
-                <a:ea typeface="+mj-ea"/>
-                <a:cs typeface="Gisha" panose="020B0502040204020203" pitchFamily="34" charset="-79"/>
-              </a:rPr>
-              <a:t> </a:t>
-            </a:r>
-            <a:r>
-              <a:rPr lang="en-IL" sz="1400" dirty="0" err="1">
-                <a:solidFill>
-                  <a:schemeClr val="bg1"/>
-                </a:solidFill>
-                <a:latin typeface="Gisha" panose="020B0502040204020203" pitchFamily="34" charset="-79"/>
-                <a:ea typeface="+mj-ea"/>
-                <a:cs typeface="Gisha" panose="020B0502040204020203" pitchFamily="34" charset="-79"/>
-              </a:rPr>
-              <a:t>כמה</a:t>
-            </a:r>
-            <a:r>
-              <a:rPr lang="en-IL" sz="1400" dirty="0">
-                <a:solidFill>
-                  <a:schemeClr val="bg1"/>
-                </a:solidFill>
-                <a:latin typeface="Gisha" panose="020B0502040204020203" pitchFamily="34" charset="-79"/>
-                <a:ea typeface="+mj-ea"/>
-                <a:cs typeface="Gisha" panose="020B0502040204020203" pitchFamily="34" charset="-79"/>
-              </a:rPr>
-              <a:t> </a:t>
-            </a:r>
-            <a:r>
-              <a:rPr lang="en-IL" sz="1400" dirty="0" err="1">
-                <a:solidFill>
-                  <a:schemeClr val="bg1"/>
-                </a:solidFill>
-                <a:latin typeface="Gisha" panose="020B0502040204020203" pitchFamily="34" charset="-79"/>
-                <a:ea typeface="+mj-ea"/>
-                <a:cs typeface="Gisha" panose="020B0502040204020203" pitchFamily="34" charset="-79"/>
-              </a:rPr>
-              <a:t>אנשים</a:t>
-            </a:r>
-            <a:r>
-              <a:rPr lang="he-IL" sz="1400" dirty="0">
-                <a:solidFill>
-                  <a:schemeClr val="bg1"/>
-                </a:solidFill>
-                <a:latin typeface="Gisha" panose="020B0502040204020203" pitchFamily="34" charset="-79"/>
-                <a:ea typeface="+mj-ea"/>
-                <a:cs typeface="Gisha" panose="020B0502040204020203" pitchFamily="34" charset="-79"/>
-              </a:rPr>
-              <a:t> (בנפרד אחד מן השני) </a:t>
-            </a:r>
-            <a:r>
-              <a:rPr lang="en-IL" sz="1400" dirty="0" err="1">
-                <a:solidFill>
-                  <a:schemeClr val="bg1"/>
-                </a:solidFill>
-                <a:latin typeface="Gisha" panose="020B0502040204020203" pitchFamily="34" charset="-79"/>
-                <a:ea typeface="+mj-ea"/>
-                <a:cs typeface="Gisha" panose="020B0502040204020203" pitchFamily="34" charset="-79"/>
-              </a:rPr>
-              <a:t>ליד</a:t>
-            </a:r>
-            <a:r>
-              <a:rPr lang="en-IL" sz="1400" dirty="0">
-                <a:solidFill>
-                  <a:schemeClr val="bg1"/>
-                </a:solidFill>
-                <a:latin typeface="Gisha" panose="020B0502040204020203" pitchFamily="34" charset="-79"/>
-                <a:ea typeface="+mj-ea"/>
-                <a:cs typeface="Gisha" panose="020B0502040204020203" pitchFamily="34" charset="-79"/>
-              </a:rPr>
-              <a:t> </a:t>
-            </a:r>
-            <a:r>
-              <a:rPr lang="en-IL" sz="1400" dirty="0" err="1">
-                <a:solidFill>
-                  <a:schemeClr val="bg1"/>
-                </a:solidFill>
-                <a:latin typeface="Gisha" panose="020B0502040204020203" pitchFamily="34" charset="-79"/>
-                <a:ea typeface="+mj-ea"/>
-                <a:cs typeface="Gisha" panose="020B0502040204020203" pitchFamily="34" charset="-79"/>
-              </a:rPr>
-              <a:t>המקום</a:t>
-            </a:r>
-            <a:r>
-              <a:rPr lang="he-IL" sz="1400" dirty="0">
-                <a:solidFill>
-                  <a:schemeClr val="bg1"/>
-                </a:solidFill>
-                <a:latin typeface="Gisha" panose="020B0502040204020203" pitchFamily="34" charset="-79"/>
-                <a:ea typeface="+mj-ea"/>
-                <a:cs typeface="Gisha" panose="020B0502040204020203" pitchFamily="34" charset="-79"/>
-              </a:rPr>
-              <a:t>. </a:t>
-            </a:r>
-            <a:r>
-              <a:rPr lang="en-IL" sz="1400" dirty="0" err="1">
-                <a:solidFill>
-                  <a:schemeClr val="bg1"/>
-                </a:solidFill>
-                <a:latin typeface="Gisha" panose="020B0502040204020203" pitchFamily="34" charset="-79"/>
-                <a:ea typeface="+mj-ea"/>
-                <a:cs typeface="Gisha" panose="020B0502040204020203" pitchFamily="34" charset="-79"/>
-              </a:rPr>
-              <a:t>אך</a:t>
-            </a:r>
-            <a:r>
-              <a:rPr lang="en-IL" sz="1400" dirty="0">
-                <a:solidFill>
-                  <a:schemeClr val="bg1"/>
-                </a:solidFill>
-                <a:latin typeface="Gisha" panose="020B0502040204020203" pitchFamily="34" charset="-79"/>
-                <a:ea typeface="+mj-ea"/>
-                <a:cs typeface="Gisha" panose="020B0502040204020203" pitchFamily="34" charset="-79"/>
-              </a:rPr>
-              <a:t> </a:t>
-            </a:r>
-            <a:r>
-              <a:rPr lang="he-IL" sz="1400" dirty="0">
-                <a:solidFill>
-                  <a:schemeClr val="bg1"/>
-                </a:solidFill>
-                <a:latin typeface="Gisha" panose="020B0502040204020203" pitchFamily="34" charset="-79"/>
-                <a:ea typeface="+mj-ea"/>
-                <a:cs typeface="Gisha" panose="020B0502040204020203" pitchFamily="34" charset="-79"/>
-              </a:rPr>
-              <a:t>ה</a:t>
-            </a:r>
-            <a:r>
-              <a:rPr lang="en-IL" sz="1400" dirty="0" err="1">
-                <a:solidFill>
-                  <a:schemeClr val="bg1"/>
-                </a:solidFill>
-                <a:latin typeface="Gisha" panose="020B0502040204020203" pitchFamily="34" charset="-79"/>
-                <a:ea typeface="+mj-ea"/>
-                <a:cs typeface="Gisha" panose="020B0502040204020203" pitchFamily="34" charset="-79"/>
-              </a:rPr>
-              <a:t>יהלומים</a:t>
-            </a:r>
-            <a:r>
-              <a:rPr lang="en-IL" sz="1400" dirty="0">
-                <a:solidFill>
-                  <a:schemeClr val="bg1"/>
-                </a:solidFill>
-                <a:latin typeface="Gisha" panose="020B0502040204020203" pitchFamily="34" charset="-79"/>
-                <a:ea typeface="+mj-ea"/>
-                <a:cs typeface="Gisha" panose="020B0502040204020203" pitchFamily="34" charset="-79"/>
-              </a:rPr>
-              <a:t>.</a:t>
-            </a:r>
-            <a:r>
-              <a:rPr lang="he-IL" sz="1400" dirty="0">
-                <a:solidFill>
-                  <a:schemeClr val="bg1"/>
-                </a:solidFill>
-                <a:latin typeface="Gisha" panose="020B0502040204020203" pitchFamily="34" charset="-79"/>
-                <a:ea typeface="+mj-ea"/>
-                <a:cs typeface="Gisha" panose="020B0502040204020203" pitchFamily="34" charset="-79"/>
-              </a:rPr>
-              <a:t>לא היו ברשות אף אחד מהחשודים.</a:t>
-            </a:r>
-            <a:r>
-              <a:rPr lang="en-IL" sz="1400" dirty="0">
-                <a:solidFill>
-                  <a:schemeClr val="bg1"/>
-                </a:solidFill>
-                <a:latin typeface="Gisha" panose="020B0502040204020203" pitchFamily="34" charset="-79"/>
-                <a:ea typeface="+mj-ea"/>
-                <a:cs typeface="Gisha" panose="020B0502040204020203" pitchFamily="34" charset="-79"/>
-              </a:rPr>
-              <a:t> </a:t>
-            </a:r>
-            <a:r>
-              <a:rPr lang="en-IL" sz="1400" dirty="0" err="1">
-                <a:solidFill>
-                  <a:schemeClr val="bg1"/>
-                </a:solidFill>
-                <a:latin typeface="Gisha" panose="020B0502040204020203" pitchFamily="34" charset="-79"/>
-                <a:ea typeface="+mj-ea"/>
-                <a:cs typeface="Gisha" panose="020B0502040204020203" pitchFamily="34" charset="-79"/>
-              </a:rPr>
-              <a:t>הבלש</a:t>
-            </a:r>
-            <a:r>
-              <a:rPr lang="he-IL" sz="1400" dirty="0">
-                <a:solidFill>
-                  <a:schemeClr val="bg1"/>
-                </a:solidFill>
-                <a:latin typeface="Gisha" panose="020B0502040204020203" pitchFamily="34" charset="-79"/>
-                <a:ea typeface="+mj-ea"/>
-                <a:cs typeface="Gisha" panose="020B0502040204020203" pitchFamily="34" charset="-79"/>
-              </a:rPr>
-              <a:t>ית </a:t>
-            </a:r>
-            <a:r>
-              <a:rPr lang="en-IL" sz="1400" dirty="0" err="1">
-                <a:solidFill>
-                  <a:schemeClr val="bg1"/>
-                </a:solidFill>
-                <a:latin typeface="Gisha" panose="020B0502040204020203" pitchFamily="34" charset="-79"/>
-                <a:ea typeface="+mj-ea"/>
-                <a:cs typeface="Gisha" panose="020B0502040204020203" pitchFamily="34" charset="-79"/>
-              </a:rPr>
-              <a:t>שהוקצ</a:t>
-            </a:r>
-            <a:r>
-              <a:rPr lang="he-IL" sz="1400" dirty="0">
-                <a:solidFill>
-                  <a:schemeClr val="bg1"/>
-                </a:solidFill>
-                <a:latin typeface="Gisha" panose="020B0502040204020203" pitchFamily="34" charset="-79"/>
-                <a:ea typeface="+mj-ea"/>
-                <a:cs typeface="Gisha" panose="020B0502040204020203" pitchFamily="34" charset="-79"/>
-              </a:rPr>
-              <a:t>ת</a:t>
-            </a:r>
-            <a:r>
-              <a:rPr lang="en-IL" sz="1400" dirty="0">
-                <a:solidFill>
-                  <a:schemeClr val="bg1"/>
-                </a:solidFill>
-                <a:latin typeface="Gisha" panose="020B0502040204020203" pitchFamily="34" charset="-79"/>
-                <a:ea typeface="+mj-ea"/>
-                <a:cs typeface="Gisha" panose="020B0502040204020203" pitchFamily="34" charset="-79"/>
-              </a:rPr>
-              <a:t>ה </a:t>
-            </a:r>
-            <a:r>
-              <a:rPr lang="en-IL" sz="1400" dirty="0" err="1">
-                <a:solidFill>
-                  <a:schemeClr val="bg1"/>
-                </a:solidFill>
-                <a:latin typeface="Gisha" panose="020B0502040204020203" pitchFamily="34" charset="-79"/>
-                <a:ea typeface="+mj-ea"/>
-                <a:cs typeface="Gisha" panose="020B0502040204020203" pitchFamily="34" charset="-79"/>
-              </a:rPr>
-              <a:t>למקרה</a:t>
-            </a:r>
-            <a:r>
-              <a:rPr lang="en-IL" sz="1400" dirty="0">
-                <a:solidFill>
-                  <a:schemeClr val="bg1"/>
-                </a:solidFill>
-                <a:latin typeface="Gisha" panose="020B0502040204020203" pitchFamily="34" charset="-79"/>
-                <a:ea typeface="+mj-ea"/>
-                <a:cs typeface="Gisha" panose="020B0502040204020203" pitchFamily="34" charset="-79"/>
-              </a:rPr>
-              <a:t> </a:t>
-            </a:r>
-            <a:r>
-              <a:rPr lang="en-IL" sz="1400" dirty="0" err="1">
-                <a:solidFill>
-                  <a:schemeClr val="bg1"/>
-                </a:solidFill>
-                <a:latin typeface="Gisha" panose="020B0502040204020203" pitchFamily="34" charset="-79"/>
-                <a:ea typeface="+mj-ea"/>
-                <a:cs typeface="Gisha" panose="020B0502040204020203" pitchFamily="34" charset="-79"/>
-              </a:rPr>
-              <a:t>בטוח</a:t>
-            </a:r>
-            <a:r>
-              <a:rPr lang="he-IL" sz="1400" dirty="0">
-                <a:solidFill>
-                  <a:schemeClr val="bg1"/>
-                </a:solidFill>
-                <a:latin typeface="Gisha" panose="020B0502040204020203" pitchFamily="34" charset="-79"/>
-                <a:ea typeface="+mj-ea"/>
-                <a:cs typeface="Gisha" panose="020B0502040204020203" pitchFamily="34" charset="-79"/>
-              </a:rPr>
-              <a:t>ה,</a:t>
-            </a:r>
-            <a:r>
-              <a:rPr lang="en-IL" sz="1400" dirty="0">
-                <a:solidFill>
-                  <a:schemeClr val="bg1"/>
-                </a:solidFill>
-                <a:latin typeface="Gisha" panose="020B0502040204020203" pitchFamily="34" charset="-79"/>
-                <a:ea typeface="+mj-ea"/>
-                <a:cs typeface="Gisha" panose="020B0502040204020203" pitchFamily="34" charset="-79"/>
-              </a:rPr>
-              <a:t> </a:t>
-            </a:r>
-            <a:r>
-              <a:rPr lang="en-IL" sz="1400" dirty="0" err="1">
-                <a:solidFill>
-                  <a:schemeClr val="bg1"/>
-                </a:solidFill>
-                <a:latin typeface="Gisha" panose="020B0502040204020203" pitchFamily="34" charset="-79"/>
-                <a:ea typeface="+mj-ea"/>
-                <a:cs typeface="Gisha" panose="020B0502040204020203" pitchFamily="34" charset="-79"/>
-              </a:rPr>
-              <a:t>ללא</a:t>
-            </a:r>
-            <a:r>
-              <a:rPr lang="en-IL" sz="1400" dirty="0">
-                <a:solidFill>
-                  <a:schemeClr val="bg1"/>
-                </a:solidFill>
-                <a:latin typeface="Gisha" panose="020B0502040204020203" pitchFamily="34" charset="-79"/>
-                <a:ea typeface="+mj-ea"/>
-                <a:cs typeface="Gisha" panose="020B0502040204020203" pitchFamily="34" charset="-79"/>
-              </a:rPr>
-              <a:t> </a:t>
-            </a:r>
-            <a:r>
-              <a:rPr lang="he-IL" sz="1400" dirty="0">
-                <a:solidFill>
-                  <a:schemeClr val="bg1"/>
-                </a:solidFill>
-                <a:latin typeface="Gisha" panose="020B0502040204020203" pitchFamily="34" charset="-79"/>
-                <a:ea typeface="+mj-ea"/>
-                <a:cs typeface="Gisha" panose="020B0502040204020203" pitchFamily="34" charset="-79"/>
-              </a:rPr>
-              <a:t>כל </a:t>
-            </a:r>
-            <a:r>
-              <a:rPr lang="en-IL" sz="1400" dirty="0" err="1">
-                <a:solidFill>
-                  <a:schemeClr val="bg1"/>
-                </a:solidFill>
-                <a:latin typeface="Gisha" panose="020B0502040204020203" pitchFamily="34" charset="-79"/>
-                <a:ea typeface="+mj-ea"/>
-                <a:cs typeface="Gisha" panose="020B0502040204020203" pitchFamily="34" charset="-79"/>
-              </a:rPr>
-              <a:t>ספק</a:t>
-            </a:r>
-            <a:r>
-              <a:rPr lang="he-IL" sz="1400" dirty="0">
-                <a:solidFill>
-                  <a:schemeClr val="bg1"/>
-                </a:solidFill>
-                <a:latin typeface="Gisha" panose="020B0502040204020203" pitchFamily="34" charset="-79"/>
-                <a:ea typeface="+mj-ea"/>
-                <a:cs typeface="Gisha" panose="020B0502040204020203" pitchFamily="34" charset="-79"/>
-              </a:rPr>
-              <a:t>,</a:t>
-            </a:r>
-            <a:r>
-              <a:rPr lang="en-IL" sz="1400" dirty="0">
-                <a:solidFill>
-                  <a:schemeClr val="bg1"/>
-                </a:solidFill>
-                <a:latin typeface="Gisha" panose="020B0502040204020203" pitchFamily="34" charset="-79"/>
-                <a:ea typeface="+mj-ea"/>
-                <a:cs typeface="Gisha" panose="020B0502040204020203" pitchFamily="34" charset="-79"/>
-              </a:rPr>
-              <a:t> </a:t>
-            </a:r>
-            <a:r>
-              <a:rPr lang="he-IL" sz="1400" dirty="0">
-                <a:solidFill>
-                  <a:schemeClr val="bg1"/>
-                </a:solidFill>
-                <a:latin typeface="Gisha" panose="020B0502040204020203" pitchFamily="34" charset="-79"/>
-                <a:ea typeface="+mj-ea"/>
-                <a:cs typeface="Gisha" panose="020B0502040204020203" pitchFamily="34" charset="-79"/>
-              </a:rPr>
-              <a:t> </a:t>
-            </a:r>
-            <a:r>
-              <a:rPr lang="en-IL" sz="1400" dirty="0" err="1">
-                <a:solidFill>
-                  <a:schemeClr val="bg1"/>
-                </a:solidFill>
-                <a:latin typeface="Gisha" panose="020B0502040204020203" pitchFamily="34" charset="-79"/>
-                <a:ea typeface="+mj-ea"/>
-                <a:cs typeface="Gisha" panose="020B0502040204020203" pitchFamily="34" charset="-79"/>
-              </a:rPr>
-              <a:t>שלפחות</a:t>
-            </a:r>
-            <a:r>
-              <a:rPr lang="en-IL" sz="1400" dirty="0">
-                <a:solidFill>
-                  <a:schemeClr val="bg1"/>
-                </a:solidFill>
-                <a:latin typeface="Gisha" panose="020B0502040204020203" pitchFamily="34" charset="-79"/>
-                <a:ea typeface="+mj-ea"/>
-                <a:cs typeface="Gisha" panose="020B0502040204020203" pitchFamily="34" charset="-79"/>
-              </a:rPr>
-              <a:t> </a:t>
-            </a:r>
-            <a:r>
-              <a:rPr lang="en-IL" sz="1400" dirty="0" err="1">
-                <a:solidFill>
-                  <a:schemeClr val="bg1"/>
-                </a:solidFill>
-                <a:latin typeface="Gisha" panose="020B0502040204020203" pitchFamily="34" charset="-79"/>
-                <a:ea typeface="+mj-ea"/>
-                <a:cs typeface="Gisha" panose="020B0502040204020203" pitchFamily="34" charset="-79"/>
-              </a:rPr>
-              <a:t>אחד</a:t>
-            </a:r>
-            <a:r>
-              <a:rPr lang="en-IL" sz="1400" dirty="0">
-                <a:solidFill>
-                  <a:schemeClr val="bg1"/>
-                </a:solidFill>
-                <a:latin typeface="Gisha" panose="020B0502040204020203" pitchFamily="34" charset="-79"/>
-                <a:ea typeface="+mj-ea"/>
-                <a:cs typeface="Gisha" panose="020B0502040204020203" pitchFamily="34" charset="-79"/>
-              </a:rPr>
-              <a:t> </a:t>
-            </a:r>
-            <a:r>
-              <a:rPr lang="en-IL" sz="1400" dirty="0" err="1">
-                <a:solidFill>
-                  <a:schemeClr val="bg1"/>
-                </a:solidFill>
-                <a:latin typeface="Gisha" panose="020B0502040204020203" pitchFamily="34" charset="-79"/>
-                <a:ea typeface="+mj-ea"/>
-                <a:cs typeface="Gisha" panose="020B0502040204020203" pitchFamily="34" charset="-79"/>
-              </a:rPr>
-              <a:t>מהחשודים</a:t>
-            </a:r>
-            <a:r>
-              <a:rPr lang="en-IL" sz="1400" dirty="0">
-                <a:solidFill>
-                  <a:schemeClr val="bg1"/>
-                </a:solidFill>
-                <a:latin typeface="Gisha" panose="020B0502040204020203" pitchFamily="34" charset="-79"/>
-                <a:ea typeface="+mj-ea"/>
-                <a:cs typeface="Gisha" panose="020B0502040204020203" pitchFamily="34" charset="-79"/>
-              </a:rPr>
-              <a:t> </a:t>
-            </a:r>
-            <a:r>
-              <a:rPr lang="he-IL" sz="1400" dirty="0">
-                <a:solidFill>
-                  <a:schemeClr val="bg1"/>
-                </a:solidFill>
-                <a:latin typeface="Gisha" panose="020B0502040204020203" pitchFamily="34" charset="-79"/>
-                <a:ea typeface="+mj-ea"/>
-                <a:cs typeface="Gisha" panose="020B0502040204020203" pitchFamily="34" charset="-79"/>
-              </a:rPr>
-              <a:t>ביצע/ו את השוד.</a:t>
-            </a:r>
-            <a:r>
-              <a:rPr lang="en-IL" sz="1400" dirty="0">
-                <a:solidFill>
-                  <a:schemeClr val="bg1"/>
-                </a:solidFill>
-                <a:latin typeface="Gisha" panose="020B0502040204020203" pitchFamily="34" charset="-79"/>
-                <a:ea typeface="+mj-ea"/>
-                <a:cs typeface="Gisha" panose="020B0502040204020203" pitchFamily="34" charset="-79"/>
-              </a:rPr>
-              <a:t> </a:t>
-            </a:r>
-            <a:r>
-              <a:rPr lang="en-IL" sz="1400" dirty="0" err="1">
-                <a:solidFill>
-                  <a:schemeClr val="bg1"/>
-                </a:solidFill>
-                <a:latin typeface="Gisha" panose="020B0502040204020203" pitchFamily="34" charset="-79"/>
-                <a:ea typeface="+mj-ea"/>
-                <a:cs typeface="Gisha" panose="020B0502040204020203" pitchFamily="34" charset="-79"/>
-              </a:rPr>
-              <a:t>אתה</a:t>
-            </a:r>
-            <a:r>
-              <a:rPr lang="en-IL" sz="1400" dirty="0">
-                <a:solidFill>
-                  <a:schemeClr val="bg1"/>
-                </a:solidFill>
-                <a:latin typeface="Gisha" panose="020B0502040204020203" pitchFamily="34" charset="-79"/>
-                <a:ea typeface="+mj-ea"/>
-                <a:cs typeface="Gisha" panose="020B0502040204020203" pitchFamily="34" charset="-79"/>
-              </a:rPr>
-              <a:t> </a:t>
-            </a:r>
-            <a:r>
-              <a:rPr lang="en-IL" sz="1400" dirty="0" err="1">
-                <a:solidFill>
-                  <a:schemeClr val="bg1"/>
-                </a:solidFill>
-                <a:latin typeface="Gisha" panose="020B0502040204020203" pitchFamily="34" charset="-79"/>
-                <a:ea typeface="+mj-ea"/>
-                <a:cs typeface="Gisha" panose="020B0502040204020203" pitchFamily="34" charset="-79"/>
-              </a:rPr>
-              <a:t>והרובוטים</a:t>
-            </a:r>
-            <a:r>
-              <a:rPr lang="en-IL" sz="1400" dirty="0">
-                <a:solidFill>
-                  <a:schemeClr val="bg1"/>
-                </a:solidFill>
-                <a:latin typeface="Gisha" panose="020B0502040204020203" pitchFamily="34" charset="-79"/>
-                <a:ea typeface="+mj-ea"/>
-                <a:cs typeface="Gisha" panose="020B0502040204020203" pitchFamily="34" charset="-79"/>
-              </a:rPr>
-              <a:t> </a:t>
-            </a:r>
-            <a:r>
-              <a:rPr lang="en-IL" sz="1400" dirty="0" err="1">
-                <a:solidFill>
-                  <a:schemeClr val="bg1"/>
-                </a:solidFill>
-                <a:latin typeface="Gisha" panose="020B0502040204020203" pitchFamily="34" charset="-79"/>
-                <a:ea typeface="+mj-ea"/>
-                <a:cs typeface="Gisha" panose="020B0502040204020203" pitchFamily="34" charset="-79"/>
-              </a:rPr>
-              <a:t>צריכים</a:t>
-            </a:r>
-            <a:r>
-              <a:rPr lang="en-IL" sz="1400" dirty="0">
-                <a:solidFill>
-                  <a:schemeClr val="bg1"/>
-                </a:solidFill>
-                <a:latin typeface="Gisha" panose="020B0502040204020203" pitchFamily="34" charset="-79"/>
-                <a:ea typeface="+mj-ea"/>
-                <a:cs typeface="Gisha" panose="020B0502040204020203" pitchFamily="34" charset="-79"/>
-              </a:rPr>
-              <a:t> </a:t>
-            </a:r>
-            <a:r>
-              <a:rPr lang="en-IL" sz="1400" dirty="0" err="1">
-                <a:solidFill>
-                  <a:schemeClr val="bg1"/>
-                </a:solidFill>
-                <a:latin typeface="Gisha" panose="020B0502040204020203" pitchFamily="34" charset="-79"/>
-                <a:ea typeface="+mj-ea"/>
-                <a:cs typeface="Gisha" panose="020B0502040204020203" pitchFamily="34" charset="-79"/>
-              </a:rPr>
-              <a:t>לעזור</a:t>
-            </a:r>
-            <a:r>
-              <a:rPr lang="en-IL" sz="1400" dirty="0">
-                <a:solidFill>
-                  <a:schemeClr val="bg1"/>
-                </a:solidFill>
-                <a:latin typeface="Gisha" panose="020B0502040204020203" pitchFamily="34" charset="-79"/>
-                <a:ea typeface="+mj-ea"/>
-                <a:cs typeface="Gisha" panose="020B0502040204020203" pitchFamily="34" charset="-79"/>
-              </a:rPr>
-              <a:t> </a:t>
-            </a:r>
-            <a:r>
-              <a:rPr lang="he-IL" sz="1400" dirty="0">
-                <a:solidFill>
-                  <a:schemeClr val="bg1"/>
-                </a:solidFill>
-                <a:latin typeface="Gisha" panose="020B0502040204020203" pitchFamily="34" charset="-79"/>
-                <a:ea typeface="+mj-ea"/>
-                <a:cs typeface="Gisha" panose="020B0502040204020203" pitchFamily="34" charset="-79"/>
-              </a:rPr>
-              <a:t>לבלשית</a:t>
-            </a:r>
-            <a:r>
-              <a:rPr lang="en-IL" sz="1400" dirty="0">
-                <a:solidFill>
-                  <a:schemeClr val="bg1"/>
-                </a:solidFill>
-                <a:latin typeface="Gisha" panose="020B0502040204020203" pitchFamily="34" charset="-79"/>
-                <a:ea typeface="+mj-ea"/>
-                <a:cs typeface="Gisha" panose="020B0502040204020203" pitchFamily="34" charset="-79"/>
-              </a:rPr>
-              <a:t> </a:t>
-            </a:r>
-            <a:r>
-              <a:rPr lang="he-IL" sz="1400" dirty="0">
-                <a:solidFill>
-                  <a:schemeClr val="bg1"/>
-                </a:solidFill>
-                <a:latin typeface="Gisha" panose="020B0502040204020203" pitchFamily="34" charset="-79"/>
-                <a:ea typeface="+mj-ea"/>
-                <a:cs typeface="Gisha" panose="020B0502040204020203" pitchFamily="34" charset="-79"/>
-              </a:rPr>
-              <a:t>לזהות מי שדד/ו </a:t>
-            </a:r>
-            <a:r>
-              <a:rPr lang="en-IL" sz="1400" dirty="0" err="1">
-                <a:solidFill>
-                  <a:schemeClr val="bg1"/>
-                </a:solidFill>
-                <a:latin typeface="Gisha" panose="020B0502040204020203" pitchFamily="34" charset="-79"/>
-                <a:ea typeface="+mj-ea"/>
-                <a:cs typeface="Gisha" panose="020B0502040204020203" pitchFamily="34" charset="-79"/>
-              </a:rPr>
-              <a:t>את</a:t>
-            </a:r>
-            <a:r>
-              <a:rPr lang="en-IL" sz="1400" dirty="0">
-                <a:solidFill>
-                  <a:schemeClr val="bg1"/>
-                </a:solidFill>
-                <a:latin typeface="Gisha" panose="020B0502040204020203" pitchFamily="34" charset="-79"/>
-                <a:ea typeface="+mj-ea"/>
-                <a:cs typeface="Gisha" panose="020B0502040204020203" pitchFamily="34" charset="-79"/>
-              </a:rPr>
-              <a:t> </a:t>
-            </a:r>
-            <a:r>
-              <a:rPr lang="en-IL" sz="1400" dirty="0" err="1">
-                <a:solidFill>
-                  <a:schemeClr val="bg1"/>
-                </a:solidFill>
-                <a:latin typeface="Gisha" panose="020B0502040204020203" pitchFamily="34" charset="-79"/>
-                <a:ea typeface="+mj-ea"/>
-                <a:cs typeface="Gisha" panose="020B0502040204020203" pitchFamily="34" charset="-79"/>
-              </a:rPr>
-              <a:t>החנות</a:t>
+              <a:t>לעצור</a:t>
             </a:r>
             <a:r>
               <a:rPr lang="en-IL" sz="1400" dirty="0">
@@ -4366,15 +4886,15 @@
               </a:spcBef>
             </a:pPr>
             <a:r>
-              <a:rPr lang="en-IL" sz="1400" dirty="0" err="1">
-                <a:solidFill>
-                  <a:schemeClr val="bg1"/>
-                </a:solidFill>
-                <a:latin typeface="Gisha" panose="020B0502040204020203" pitchFamily="34" charset="-79"/>
-                <a:ea typeface="+mj-ea"/>
-                <a:cs typeface="Gisha" panose="020B0502040204020203" pitchFamily="34" charset="-79"/>
-              </a:rPr>
-              <a:t>החשודים</a:t>
+              <a:rPr lang="he-IL" sz="1400" dirty="0">
+                <a:solidFill>
+                  <a:schemeClr val="bg1"/>
+                </a:solidFill>
+                <a:latin typeface="Gisha" panose="020B0502040204020203" pitchFamily="34" charset="-79"/>
+                <a:ea typeface="+mj-ea"/>
+                <a:cs typeface="Gisha" panose="020B0502040204020203" pitchFamily="34" charset="-79"/>
+              </a:rPr>
+              <a:t>חשוד ד'</a:t>
             </a:r>
             <a:r>
               <a:rPr lang="en-IL" sz="1400" dirty="0">
@@ -4396,39 +4916,7 @@
                 <a:ea typeface="+mj-ea"/>
                 <a:cs typeface="Gisha" panose="020B0502040204020203" pitchFamily="34" charset="-79"/>
               </a:rPr>
-              <a:t>הם</a:t>
-            </a:r>
-            <a:r>
-              <a:rPr lang="en-IL" sz="1400" dirty="0">
-                <a:solidFill>
-                  <a:schemeClr val="bg1"/>
-                </a:solidFill>
-                <a:latin typeface="Gisha" panose="020B0502040204020203" pitchFamily="34" charset="-79"/>
-                <a:ea typeface="+mj-ea"/>
-                <a:cs typeface="Gisha" panose="020B0502040204020203" pitchFamily="34" charset="-79"/>
-              </a:rPr>
-              <a:t>:</a:t>
-            </a:r>
-          </a:p>
-          <a:p>
-            <a:pPr algn="r" rtl="1">
-              <a:lnSpc>
-                <a:spcPct val="90000"/>
-              </a:lnSpc>
-              <a:spcBef>
-                <a:spcPct val="0"/>
-              </a:spcBef>
-            </a:pPr>
-            <a:r>
-              <a:rPr lang="en-IL" sz="1400" dirty="0" err="1">
-                <a:solidFill>
-                  <a:schemeClr val="bg1"/>
-                </a:solidFill>
-                <a:latin typeface="Gisha" panose="020B0502040204020203" pitchFamily="34" charset="-79"/>
-                <a:ea typeface="+mj-ea"/>
-                <a:cs typeface="Gisha" panose="020B0502040204020203" pitchFamily="34" charset="-79"/>
-              </a:rPr>
-              <a:t>חשוד</a:t>
+              <a:t>לא</a:t>
             </a:r>
             <a:r>
               <a:rPr lang="en-IL" sz="1400" dirty="0">
@@ -4442,6 +4930,72 @@
               <a:t> </a:t>
             </a:r>
             <a:r>
+              <a:rPr lang="en-IL" sz="1400" dirty="0" err="1">
+                <a:solidFill>
+                  <a:schemeClr val="bg1"/>
+                </a:solidFill>
+                <a:latin typeface="Gisha" panose="020B0502040204020203" pitchFamily="34" charset="-79"/>
+                <a:ea typeface="+mj-ea"/>
+                <a:cs typeface="Gisha" panose="020B0502040204020203" pitchFamily="34" charset="-79"/>
+              </a:rPr>
+              <a:t>מוכן</a:t>
+            </a:r>
+            <a:r>
+              <a:rPr lang="en-IL" sz="1400" dirty="0">
+                <a:solidFill>
+                  <a:schemeClr val="bg1"/>
+                </a:solidFill>
+                <a:latin typeface="Gisha" panose="020B0502040204020203" pitchFamily="34" charset="-79"/>
+                <a:ea typeface="+mj-ea"/>
+                <a:cs typeface="Gisha" panose="020B0502040204020203" pitchFamily="34" charset="-79"/>
+              </a:rPr>
+              <a:t> </a:t>
+            </a:r>
+            <a:r>
+              <a:rPr lang="en-IL" sz="1400" dirty="0" err="1">
+                <a:solidFill>
+                  <a:schemeClr val="bg1"/>
+                </a:solidFill>
+                <a:latin typeface="Gisha" panose="020B0502040204020203" pitchFamily="34" charset="-79"/>
+                <a:ea typeface="+mj-ea"/>
+                <a:cs typeface="Gisha" panose="020B0502040204020203" pitchFamily="34" charset="-79"/>
+              </a:rPr>
+              <a:t>לדבר</a:t>
+            </a:r>
+            <a:r>
+              <a:rPr lang="en-IL" sz="1400" dirty="0">
+                <a:solidFill>
+                  <a:schemeClr val="bg1"/>
+                </a:solidFill>
+                <a:latin typeface="Gisha" panose="020B0502040204020203" pitchFamily="34" charset="-79"/>
+                <a:ea typeface="+mj-ea"/>
+                <a:cs typeface="Gisha" panose="020B0502040204020203" pitchFamily="34" charset="-79"/>
+              </a:rPr>
+              <a:t> </a:t>
+            </a:r>
+            <a:r>
+              <a:rPr lang="en-IL" sz="1400" dirty="0" err="1">
+                <a:solidFill>
+                  <a:schemeClr val="bg1"/>
+                </a:solidFill>
+                <a:latin typeface="Gisha" panose="020B0502040204020203" pitchFamily="34" charset="-79"/>
+                <a:ea typeface="+mj-ea"/>
+                <a:cs typeface="Gisha" panose="020B0502040204020203" pitchFamily="34" charset="-79"/>
+              </a:rPr>
+              <a:t>לפני</a:t>
+            </a:r>
+            <a:r>
+              <a:rPr lang="en-IL" sz="1400" dirty="0">
+                <a:solidFill>
+                  <a:schemeClr val="bg1"/>
+                </a:solidFill>
+                <a:latin typeface="Gisha" panose="020B0502040204020203" pitchFamily="34" charset="-79"/>
+                <a:ea typeface="+mj-ea"/>
+                <a:cs typeface="Gisha" panose="020B0502040204020203" pitchFamily="34" charset="-79"/>
+              </a:rPr>
+              <a:t> </a:t>
+            </a:r>
+            <a:r>
               <a:rPr lang="he-IL" sz="1400" dirty="0">
                 <a:solidFill>
                   <a:schemeClr val="bg1"/>
@@ -4450,18 +5004,18 @@
                 <a:ea typeface="+mj-ea"/>
                 <a:cs typeface="Gisha" panose="020B0502040204020203" pitchFamily="34" charset="-79"/>
               </a:rPr>
-              <a:t>א' </a:t>
-            </a:r>
-            <a:r>
-              <a:rPr lang="en-IL" sz="1400" dirty="0" err="1">
-                <a:solidFill>
-                  <a:schemeClr val="bg1"/>
-                </a:solidFill>
-                <a:latin typeface="Gisha" panose="020B0502040204020203" pitchFamily="34" charset="-79"/>
-                <a:ea typeface="+mj-ea"/>
-                <a:cs typeface="Gisha" panose="020B0502040204020203" pitchFamily="34" charset="-79"/>
-              </a:rPr>
-              <a:t>הוא</a:t>
+              <a:t>ש</a:t>
+            </a:r>
+            <a:r>
+              <a:rPr lang="en-IL" sz="1400" dirty="0" err="1">
+                <a:solidFill>
+                  <a:schemeClr val="bg1"/>
+                </a:solidFill>
+                <a:latin typeface="Gisha" panose="020B0502040204020203" pitchFamily="34" charset="-79"/>
+                <a:ea typeface="+mj-ea"/>
+                <a:cs typeface="Gisha" panose="020B0502040204020203" pitchFamily="34" charset="-79"/>
+              </a:rPr>
+              <a:t>עורך</a:t>
             </a:r>
             <a:r>
               <a:rPr lang="en-IL" sz="1400" dirty="0">
@@ -4483,29 +5037,7 @@
                 <a:ea typeface="+mj-ea"/>
                 <a:cs typeface="Gisha" panose="020B0502040204020203" pitchFamily="34" charset="-79"/>
               </a:rPr>
-              <a:t>גבוה</a:t>
-            </a:r>
-            <a:r>
-              <a:rPr lang="en-IL" sz="1400" dirty="0">
-                <a:solidFill>
-                  <a:schemeClr val="bg1"/>
-                </a:solidFill>
-                <a:latin typeface="Gisha" panose="020B0502040204020203" pitchFamily="34" charset="-79"/>
-                <a:ea typeface="+mj-ea"/>
-                <a:cs typeface="Gisha" panose="020B0502040204020203" pitchFamily="34" charset="-79"/>
-              </a:rPr>
-              <a:t>, </a:t>
-            </a:r>
-            <a:r>
-              <a:rPr lang="en-IL" sz="1400" dirty="0" err="1">
-                <a:solidFill>
-                  <a:schemeClr val="bg1"/>
-                </a:solidFill>
-                <a:latin typeface="Gisha" panose="020B0502040204020203" pitchFamily="34" charset="-79"/>
-                <a:ea typeface="+mj-ea"/>
-                <a:cs typeface="Gisha" panose="020B0502040204020203" pitchFamily="34" charset="-79"/>
-              </a:rPr>
-              <a:t>עם</a:t>
+              <a:t>דין</a:t>
             </a:r>
             <a:r>
               <a:rPr lang="en-IL" sz="1400" dirty="0">
@@ -4519,28 +5051,6 @@
               <a:t> </a:t>
             </a:r>
             <a:r>
-              <a:rPr lang="en-IL" sz="1400" dirty="0" err="1">
-                <a:solidFill>
-                  <a:schemeClr val="bg1"/>
-                </a:solidFill>
-                <a:latin typeface="Gisha" panose="020B0502040204020203" pitchFamily="34" charset="-79"/>
-                <a:ea typeface="+mj-ea"/>
-                <a:cs typeface="Gisha" panose="020B0502040204020203" pitchFamily="34" charset="-79"/>
-              </a:rPr>
-              <a:t>מעיל</a:t>
-            </a:r>
-            <a:r>
-              <a:rPr lang="en-IL" sz="1400" dirty="0">
-                <a:solidFill>
-                  <a:schemeClr val="bg1"/>
-                </a:solidFill>
-                <a:latin typeface="Gisha" panose="020B0502040204020203" pitchFamily="34" charset="-79"/>
-                <a:ea typeface="+mj-ea"/>
-                <a:cs typeface="Gisha" panose="020B0502040204020203" pitchFamily="34" charset="-79"/>
-              </a:rPr>
-              <a:t> </a:t>
-            </a:r>
-            <a:r>
               <a:rPr lang="he-IL" sz="1400" dirty="0">
                 <a:solidFill>
                   <a:schemeClr val="bg1"/>
@@ -4549,278 +5059,7 @@
                 <a:ea typeface="+mj-ea"/>
                 <a:cs typeface="Gisha" panose="020B0502040204020203" pitchFamily="34" charset="-79"/>
               </a:rPr>
-              <a:t>יוקרתי</a:t>
-            </a:r>
-            <a:r>
-              <a:rPr lang="en-IL" sz="1400" dirty="0">
-                <a:solidFill>
-                  <a:schemeClr val="bg1"/>
-                </a:solidFill>
-                <a:latin typeface="Gisha" panose="020B0502040204020203" pitchFamily="34" charset="-79"/>
-                <a:ea typeface="+mj-ea"/>
-                <a:cs typeface="Gisha" panose="020B0502040204020203" pitchFamily="34" charset="-79"/>
-              </a:rPr>
-              <a:t> </a:t>
-            </a:r>
-            <a:r>
-              <a:rPr lang="en-IL" sz="1400" dirty="0" err="1">
-                <a:solidFill>
-                  <a:schemeClr val="bg1"/>
-                </a:solidFill>
-                <a:latin typeface="Gisha" panose="020B0502040204020203" pitchFamily="34" charset="-79"/>
-                <a:ea typeface="+mj-ea"/>
-                <a:cs typeface="Gisha" panose="020B0502040204020203" pitchFamily="34" charset="-79"/>
-              </a:rPr>
-              <a:t>שחור</a:t>
-            </a:r>
-            <a:r>
-              <a:rPr lang="en-IL" sz="1400" dirty="0">
-                <a:solidFill>
-                  <a:schemeClr val="bg1"/>
-                </a:solidFill>
-                <a:latin typeface="Gisha" panose="020B0502040204020203" pitchFamily="34" charset="-79"/>
-                <a:ea typeface="+mj-ea"/>
-                <a:cs typeface="Gisha" panose="020B0502040204020203" pitchFamily="34" charset="-79"/>
-              </a:rPr>
-              <a:t> </a:t>
-            </a:r>
-            <a:r>
-              <a:rPr lang="en-IL" sz="1400" dirty="0" err="1">
-                <a:solidFill>
-                  <a:schemeClr val="bg1"/>
-                </a:solidFill>
-                <a:latin typeface="Gisha" panose="020B0502040204020203" pitchFamily="34" charset="-79"/>
-                <a:ea typeface="+mj-ea"/>
-                <a:cs typeface="Gisha" panose="020B0502040204020203" pitchFamily="34" charset="-79"/>
-              </a:rPr>
-              <a:t>ושעון</a:t>
-            </a:r>
-            <a:r>
-              <a:rPr lang="en-IL" sz="1400" dirty="0">
-                <a:solidFill>
-                  <a:schemeClr val="bg1"/>
-                </a:solidFill>
-                <a:latin typeface="Gisha" panose="020B0502040204020203" pitchFamily="34" charset="-79"/>
-                <a:ea typeface="+mj-ea"/>
-                <a:cs typeface="Gisha" panose="020B0502040204020203" pitchFamily="34" charset="-79"/>
-              </a:rPr>
-              <a:t> </a:t>
-            </a:r>
-            <a:r>
-              <a:rPr lang="en-IL" sz="1400" dirty="0" err="1">
-                <a:solidFill>
-                  <a:schemeClr val="bg1"/>
-                </a:solidFill>
-                <a:latin typeface="Gisha" panose="020B0502040204020203" pitchFamily="34" charset="-79"/>
-                <a:ea typeface="+mj-ea"/>
-                <a:cs typeface="Gisha" panose="020B0502040204020203" pitchFamily="34" charset="-79"/>
-              </a:rPr>
-              <a:t>רולקס</a:t>
-            </a:r>
-            <a:r>
-              <a:rPr lang="he-IL" sz="1400" dirty="0">
-                <a:solidFill>
-                  <a:schemeClr val="bg1"/>
-                </a:solidFill>
-                <a:latin typeface="Gisha" panose="020B0502040204020203" pitchFamily="34" charset="-79"/>
-                <a:ea typeface="+mj-ea"/>
-                <a:cs typeface="Gisha" panose="020B0502040204020203" pitchFamily="34" charset="-79"/>
-              </a:rPr>
-              <a:t> עשוי זהב.</a:t>
-            </a:r>
-            <a:endParaRPr lang="en-US" sz="1400" dirty="0">
-              <a:solidFill>
-                <a:schemeClr val="bg1"/>
-              </a:solidFill>
-              <a:latin typeface="Gisha" panose="020B0502040204020203" pitchFamily="34" charset="-79"/>
-              <a:ea typeface="+mj-ea"/>
-              <a:cs typeface="Gisha" panose="020B0502040204020203" pitchFamily="34" charset="-79"/>
-            </a:endParaRPr>
-          </a:p>
-          <a:p>
-            <a:pPr algn="r" rtl="1">
-              <a:lnSpc>
-                <a:spcPct val="90000"/>
-              </a:lnSpc>
-              <a:spcBef>
-                <a:spcPct val="0"/>
-              </a:spcBef>
-            </a:pPr>
-            <a:r>
-              <a:rPr lang="he-IL" sz="1400" dirty="0">
-                <a:solidFill>
-                  <a:schemeClr val="bg1"/>
-                </a:solidFill>
-                <a:latin typeface="Gisha" panose="020B0502040204020203" pitchFamily="34" charset="-79"/>
-                <a:ea typeface="+mj-ea"/>
-                <a:cs typeface="Gisha" panose="020B0502040204020203" pitchFamily="34" charset="-79"/>
-              </a:rPr>
-              <a:t>לחשוד ב'</a:t>
-            </a:r>
-            <a:r>
-              <a:rPr lang="en-IL" sz="1400" dirty="0">
-                <a:solidFill>
-                  <a:schemeClr val="bg1"/>
-                </a:solidFill>
-                <a:latin typeface="Gisha" panose="020B0502040204020203" pitchFamily="34" charset="-79"/>
-                <a:ea typeface="+mj-ea"/>
-                <a:cs typeface="Gisha" panose="020B0502040204020203" pitchFamily="34" charset="-79"/>
-              </a:rPr>
-              <a:t> </a:t>
-            </a:r>
-            <a:r>
-              <a:rPr lang="en-IL" sz="1400" dirty="0" err="1">
-                <a:solidFill>
-                  <a:schemeClr val="bg1"/>
-                </a:solidFill>
-                <a:latin typeface="Gisha" panose="020B0502040204020203" pitchFamily="34" charset="-79"/>
-                <a:ea typeface="+mj-ea"/>
-                <a:cs typeface="Gisha" panose="020B0502040204020203" pitchFamily="34" charset="-79"/>
-              </a:rPr>
-              <a:t>יש</a:t>
-            </a:r>
-            <a:r>
-              <a:rPr lang="en-IL" sz="1400" dirty="0">
-                <a:solidFill>
-                  <a:schemeClr val="bg1"/>
-                </a:solidFill>
-                <a:latin typeface="Gisha" panose="020B0502040204020203" pitchFamily="34" charset="-79"/>
-                <a:ea typeface="+mj-ea"/>
-                <a:cs typeface="Gisha" panose="020B0502040204020203" pitchFamily="34" charset="-79"/>
-              </a:rPr>
-              <a:t> </a:t>
-            </a:r>
-            <a:r>
-              <a:rPr lang="en-IL" sz="1400" dirty="0" err="1">
-                <a:solidFill>
-                  <a:schemeClr val="bg1"/>
-                </a:solidFill>
-                <a:latin typeface="Gisha" panose="020B0502040204020203" pitchFamily="34" charset="-79"/>
-                <a:ea typeface="+mj-ea"/>
-                <a:cs typeface="Gisha" panose="020B0502040204020203" pitchFamily="34" charset="-79"/>
-              </a:rPr>
-              <a:t>שיער</a:t>
-            </a:r>
-            <a:r>
-              <a:rPr lang="en-IL" sz="1400" dirty="0">
-                <a:solidFill>
-                  <a:schemeClr val="bg1"/>
-                </a:solidFill>
-                <a:latin typeface="Gisha" panose="020B0502040204020203" pitchFamily="34" charset="-79"/>
-                <a:ea typeface="+mj-ea"/>
-                <a:cs typeface="Gisha" panose="020B0502040204020203" pitchFamily="34" charset="-79"/>
-              </a:rPr>
-              <a:t> </a:t>
-            </a:r>
-            <a:r>
-              <a:rPr lang="en-IL" sz="1400" dirty="0" err="1">
-                <a:solidFill>
-                  <a:schemeClr val="bg1"/>
-                </a:solidFill>
-                <a:latin typeface="Gisha" panose="020B0502040204020203" pitchFamily="34" charset="-79"/>
-                <a:ea typeface="+mj-ea"/>
-                <a:cs typeface="Gisha" panose="020B0502040204020203" pitchFamily="34" charset="-79"/>
-              </a:rPr>
-              <a:t>בלונדיני</a:t>
-            </a:r>
-            <a:r>
-              <a:rPr lang="en-IL" sz="1400" dirty="0">
-                <a:solidFill>
-                  <a:schemeClr val="bg1"/>
-                </a:solidFill>
-                <a:latin typeface="Gisha" panose="020B0502040204020203" pitchFamily="34" charset="-79"/>
-                <a:ea typeface="+mj-ea"/>
-                <a:cs typeface="Gisha" panose="020B0502040204020203" pitchFamily="34" charset="-79"/>
-              </a:rPr>
-              <a:t> </a:t>
-            </a:r>
-            <a:r>
-              <a:rPr lang="he-IL" sz="1400" dirty="0">
-                <a:solidFill>
-                  <a:schemeClr val="bg1"/>
-                </a:solidFill>
-                <a:latin typeface="Gisha" panose="020B0502040204020203" pitchFamily="34" charset="-79"/>
-                <a:ea typeface="+mj-ea"/>
-                <a:cs typeface="Gisha" panose="020B0502040204020203" pitchFamily="34" charset="-79"/>
-              </a:rPr>
-              <a:t>ו</a:t>
-            </a:r>
-            <a:r>
-              <a:rPr lang="en-IL" sz="1400" dirty="0" err="1">
-                <a:solidFill>
-                  <a:schemeClr val="bg1"/>
-                </a:solidFill>
-                <a:latin typeface="Gisha" panose="020B0502040204020203" pitchFamily="34" charset="-79"/>
-                <a:ea typeface="+mj-ea"/>
-                <a:cs typeface="Gisha" panose="020B0502040204020203" pitchFamily="34" charset="-79"/>
-              </a:rPr>
-              <a:t>חתך</a:t>
-            </a:r>
-            <a:r>
-              <a:rPr lang="en-IL" sz="1400" dirty="0">
-                <a:solidFill>
-                  <a:schemeClr val="bg1"/>
-                </a:solidFill>
-                <a:latin typeface="Gisha" panose="020B0502040204020203" pitchFamily="34" charset="-79"/>
-                <a:ea typeface="+mj-ea"/>
-                <a:cs typeface="Gisha" panose="020B0502040204020203" pitchFamily="34" charset="-79"/>
-              </a:rPr>
-              <a:t> </a:t>
-            </a:r>
-            <a:r>
-              <a:rPr lang="en-IL" sz="1400" dirty="0" err="1">
-                <a:solidFill>
-                  <a:schemeClr val="bg1"/>
-                </a:solidFill>
-                <a:latin typeface="Gisha" panose="020B0502040204020203" pitchFamily="34" charset="-79"/>
-                <a:ea typeface="+mj-ea"/>
-                <a:cs typeface="Gisha" panose="020B0502040204020203" pitchFamily="34" charset="-79"/>
-              </a:rPr>
-              <a:t>מעל</a:t>
-            </a:r>
-            <a:r>
-              <a:rPr lang="en-IL" sz="1400" dirty="0">
-                <a:solidFill>
-                  <a:schemeClr val="bg1"/>
-                </a:solidFill>
-                <a:latin typeface="Gisha" panose="020B0502040204020203" pitchFamily="34" charset="-79"/>
-                <a:ea typeface="+mj-ea"/>
-                <a:cs typeface="Gisha" panose="020B0502040204020203" pitchFamily="34" charset="-79"/>
-              </a:rPr>
-              <a:t> </a:t>
-            </a:r>
-            <a:r>
-              <a:rPr lang="en-IL" sz="1400" dirty="0" err="1">
-                <a:solidFill>
-                  <a:schemeClr val="bg1"/>
-                </a:solidFill>
-                <a:latin typeface="Gisha" panose="020B0502040204020203" pitchFamily="34" charset="-79"/>
-                <a:ea typeface="+mj-ea"/>
-                <a:cs typeface="Gisha" panose="020B0502040204020203" pitchFamily="34" charset="-79"/>
-              </a:rPr>
-              <a:t>הגבה</a:t>
-            </a:r>
-            <a:r>
-              <a:rPr lang="en-IL" sz="1400" dirty="0">
-                <a:solidFill>
-                  <a:schemeClr val="bg1"/>
-                </a:solidFill>
-                <a:latin typeface="Gisha" panose="020B0502040204020203" pitchFamily="34" charset="-79"/>
-                <a:ea typeface="+mj-ea"/>
-                <a:cs typeface="Gisha" panose="020B0502040204020203" pitchFamily="34" charset="-79"/>
-              </a:rPr>
-              <a:t> </a:t>
-            </a:r>
-            <a:r>
-              <a:rPr lang="en-IL" sz="1400" dirty="0" err="1">
-                <a:solidFill>
-                  <a:schemeClr val="bg1"/>
-                </a:solidFill>
-                <a:latin typeface="Gisha" panose="020B0502040204020203" pitchFamily="34" charset="-79"/>
-                <a:ea typeface="+mj-ea"/>
-                <a:cs typeface="Gisha" panose="020B0502040204020203" pitchFamily="34" charset="-79"/>
-              </a:rPr>
-              <a:t>השמאלית</a:t>
+              <a:t>יגיע</a:t>
             </a:r>
             <a:r>
               <a:rPr lang="en-IL" sz="1400" dirty="0">
@@ -4838,402 +5077,21 @@
       </p:sp>
       <p:sp>
         <p:nvSpPr>
-          <p:cNvPr id="7" name="Rectangle 6">
-            <a:extLst>
-              <a:ext uri="{FF2B5EF4-FFF2-40B4-BE49-F238E27FC236}">
-                <a16:creationId xmlns:a16="http://schemas.microsoft.com/office/drawing/2014/main" id="{4965EA7E-77D1-428B-8432-1BCB7FFAB0ED}"/>
-              </a:ext>
-            </a:extLst>
-          </p:cNvPr>
-          <p:cNvSpPr/>
+          <p:cNvPr id="13" name="Title 1">
+            <a:extLst>
+              <a:ext uri="{FF2B5EF4-FFF2-40B4-BE49-F238E27FC236}">
+                <a16:creationId xmlns:a16="http://schemas.microsoft.com/office/drawing/2014/main" id="{AAB9689C-DC94-4BD5-987A-7D75F90963D0}"/>
+              </a:ext>
+            </a:extLst>
+          </p:cNvPr>
+          <p:cNvSpPr txBox="1">
+            <a:spLocks/>
+          </p:cNvSpPr>
           <p:nvPr/>
         </p:nvSpPr>
         <p:spPr>
           <a:xfrm>
-            <a:off x="4572000" y="2986100"/>
-            <a:ext cx="6096000" cy="646331"/>
-          </a:xfrm>
-          <a:prstGeom prst="rect">
-            <a:avLst/>
-          </a:prstGeom>
-          <a:solidFill>
-            <a:schemeClr val="tx1"/>
-          </a:solidFill>
-        </p:spPr>
-        <p:txBody>
-          <a:bodyPr vert="horz" lIns="91440" tIns="45720" rIns="91440" bIns="45720" rtlCol="0" anchor="b">
-            <a:normAutofit fontScale="97500"/>
-          </a:bodyPr>
-          <a:lstStyle/>
-          <a:p>
-            <a:pPr algn="r" rtl="1">
-              <a:lnSpc>
-                <a:spcPct val="90000"/>
-              </a:lnSpc>
-              <a:spcBef>
-                <a:spcPct val="0"/>
-              </a:spcBef>
-            </a:pPr>
-            <a:r>
-              <a:rPr lang="he-IL" sz="1400" dirty="0">
-                <a:solidFill>
-                  <a:schemeClr val="bg1"/>
-                </a:solidFill>
-                <a:latin typeface="Gisha" panose="020B0502040204020203" pitchFamily="34" charset="-79"/>
-                <a:ea typeface="+mj-ea"/>
-                <a:cs typeface="Gisha" panose="020B0502040204020203" pitchFamily="34" charset="-79"/>
-              </a:rPr>
-              <a:t>חשוד ג' נעצר כאשר</a:t>
-            </a:r>
-            <a:r>
-              <a:rPr lang="en-IL" sz="1400" dirty="0">
-                <a:solidFill>
-                  <a:schemeClr val="bg1"/>
-                </a:solidFill>
-                <a:latin typeface="Gisha" panose="020B0502040204020203" pitchFamily="34" charset="-79"/>
-                <a:ea typeface="+mj-ea"/>
-                <a:cs typeface="Gisha" panose="020B0502040204020203" pitchFamily="34" charset="-79"/>
-              </a:rPr>
-              <a:t> </a:t>
-            </a:r>
-            <a:r>
-              <a:rPr lang="en-IL" sz="1400" dirty="0" err="1">
-                <a:solidFill>
-                  <a:schemeClr val="bg1"/>
-                </a:solidFill>
-                <a:latin typeface="Gisha" panose="020B0502040204020203" pitchFamily="34" charset="-79"/>
-                <a:ea typeface="+mj-ea"/>
-                <a:cs typeface="Gisha" panose="020B0502040204020203" pitchFamily="34" charset="-79"/>
-              </a:rPr>
-              <a:t>ניסה</a:t>
-            </a:r>
-            <a:r>
-              <a:rPr lang="en-IL" sz="1400" dirty="0">
-                <a:solidFill>
-                  <a:schemeClr val="bg1"/>
-                </a:solidFill>
-                <a:latin typeface="Gisha" panose="020B0502040204020203" pitchFamily="34" charset="-79"/>
-                <a:ea typeface="+mj-ea"/>
-                <a:cs typeface="Gisha" panose="020B0502040204020203" pitchFamily="34" charset="-79"/>
-              </a:rPr>
-              <a:t> </a:t>
-            </a:r>
-            <a:r>
-              <a:rPr lang="en-IL" sz="1400" dirty="0" err="1">
-                <a:solidFill>
-                  <a:schemeClr val="bg1"/>
-                </a:solidFill>
-                <a:latin typeface="Gisha" panose="020B0502040204020203" pitchFamily="34" charset="-79"/>
-                <a:ea typeface="+mj-ea"/>
-                <a:cs typeface="Gisha" panose="020B0502040204020203" pitchFamily="34" charset="-79"/>
-              </a:rPr>
-              <a:t>לברוח</a:t>
-            </a:r>
-            <a:r>
-              <a:rPr lang="en-IL" sz="1400" dirty="0">
-                <a:solidFill>
-                  <a:schemeClr val="bg1"/>
-                </a:solidFill>
-                <a:latin typeface="Gisha" panose="020B0502040204020203" pitchFamily="34" charset="-79"/>
-                <a:ea typeface="+mj-ea"/>
-                <a:cs typeface="Gisha" panose="020B0502040204020203" pitchFamily="34" charset="-79"/>
-              </a:rPr>
-              <a:t> </a:t>
-            </a:r>
-            <a:r>
-              <a:rPr lang="en-IL" sz="1400" dirty="0" err="1">
-                <a:solidFill>
-                  <a:schemeClr val="bg1"/>
-                </a:solidFill>
-                <a:latin typeface="Gisha" panose="020B0502040204020203" pitchFamily="34" charset="-79"/>
-                <a:ea typeface="+mj-ea"/>
-                <a:cs typeface="Gisha" panose="020B0502040204020203" pitchFamily="34" charset="-79"/>
-              </a:rPr>
-              <a:t>מהמקום</a:t>
-            </a:r>
-            <a:r>
-              <a:rPr lang="en-IL" sz="1400" dirty="0">
-                <a:solidFill>
-                  <a:schemeClr val="bg1"/>
-                </a:solidFill>
-                <a:latin typeface="Gisha" panose="020B0502040204020203" pitchFamily="34" charset="-79"/>
-                <a:ea typeface="+mj-ea"/>
-                <a:cs typeface="Gisha" panose="020B0502040204020203" pitchFamily="34" charset="-79"/>
-              </a:rPr>
-              <a:t> </a:t>
-            </a:r>
-            <a:r>
-              <a:rPr lang="he-IL" sz="1400" dirty="0">
-                <a:solidFill>
-                  <a:schemeClr val="bg1"/>
-                </a:solidFill>
-                <a:latin typeface="Gisha" panose="020B0502040204020203" pitchFamily="34" charset="-79"/>
-                <a:ea typeface="+mj-ea"/>
-                <a:cs typeface="Gisha" panose="020B0502040204020203" pitchFamily="34" charset="-79"/>
-              </a:rPr>
-              <a:t>למרות בקשת </a:t>
-            </a:r>
-            <a:r>
-              <a:rPr lang="en-IL" sz="1400" dirty="0" err="1">
-                <a:solidFill>
-                  <a:schemeClr val="bg1"/>
-                </a:solidFill>
-                <a:latin typeface="Gisha" panose="020B0502040204020203" pitchFamily="34" charset="-79"/>
-                <a:ea typeface="+mj-ea"/>
-                <a:cs typeface="Gisha" panose="020B0502040204020203" pitchFamily="34" charset="-79"/>
-              </a:rPr>
-              <a:t>המשטרה</a:t>
-            </a:r>
-            <a:r>
-              <a:rPr lang="en-IL" sz="1400" dirty="0">
-                <a:solidFill>
-                  <a:schemeClr val="bg1"/>
-                </a:solidFill>
-                <a:latin typeface="Gisha" panose="020B0502040204020203" pitchFamily="34" charset="-79"/>
-                <a:ea typeface="+mj-ea"/>
-                <a:cs typeface="Gisha" panose="020B0502040204020203" pitchFamily="34" charset="-79"/>
-              </a:rPr>
-              <a:t> </a:t>
-            </a:r>
-            <a:r>
-              <a:rPr lang="he-IL" sz="1400" dirty="0">
-                <a:solidFill>
-                  <a:schemeClr val="bg1"/>
-                </a:solidFill>
-                <a:latin typeface="Gisha" panose="020B0502040204020203" pitchFamily="34" charset="-79"/>
-                <a:ea typeface="+mj-ea"/>
-                <a:cs typeface="Gisha" panose="020B0502040204020203" pitchFamily="34" charset="-79"/>
-              </a:rPr>
-              <a:t>לעצור</a:t>
-            </a:r>
-            <a:r>
-              <a:rPr lang="en-IL" sz="1400" dirty="0">
-                <a:solidFill>
-                  <a:schemeClr val="bg1"/>
-                </a:solidFill>
-                <a:latin typeface="Gisha" panose="020B0502040204020203" pitchFamily="34" charset="-79"/>
-                <a:ea typeface="+mj-ea"/>
-                <a:cs typeface="Gisha" panose="020B0502040204020203" pitchFamily="34" charset="-79"/>
-              </a:rPr>
-              <a:t>.</a:t>
-            </a:r>
-          </a:p>
-          <a:p>
-            <a:pPr algn="r" rtl="1">
-              <a:lnSpc>
-                <a:spcPct val="90000"/>
-              </a:lnSpc>
-              <a:spcBef>
-                <a:spcPct val="0"/>
-              </a:spcBef>
-            </a:pPr>
-            <a:r>
-              <a:rPr lang="he-IL" sz="1400" dirty="0">
-                <a:solidFill>
-                  <a:schemeClr val="bg1"/>
-                </a:solidFill>
-                <a:latin typeface="Gisha" panose="020B0502040204020203" pitchFamily="34" charset="-79"/>
-                <a:ea typeface="+mj-ea"/>
-                <a:cs typeface="Gisha" panose="020B0502040204020203" pitchFamily="34" charset="-79"/>
-              </a:rPr>
-              <a:t>חשוד ד'</a:t>
-            </a:r>
-            <a:r>
-              <a:rPr lang="en-IL" sz="1400" dirty="0">
-                <a:solidFill>
-                  <a:schemeClr val="bg1"/>
-                </a:solidFill>
-                <a:latin typeface="Gisha" panose="020B0502040204020203" pitchFamily="34" charset="-79"/>
-                <a:ea typeface="+mj-ea"/>
-                <a:cs typeface="Gisha" panose="020B0502040204020203" pitchFamily="34" charset="-79"/>
-              </a:rPr>
-              <a:t> </a:t>
-            </a:r>
-            <a:r>
-              <a:rPr lang="en-IL" sz="1400" dirty="0" err="1">
-                <a:solidFill>
-                  <a:schemeClr val="bg1"/>
-                </a:solidFill>
-                <a:latin typeface="Gisha" panose="020B0502040204020203" pitchFamily="34" charset="-79"/>
-                <a:ea typeface="+mj-ea"/>
-                <a:cs typeface="Gisha" panose="020B0502040204020203" pitchFamily="34" charset="-79"/>
-              </a:rPr>
-              <a:t>לא</a:t>
-            </a:r>
-            <a:r>
-              <a:rPr lang="en-IL" sz="1400" dirty="0">
-                <a:solidFill>
-                  <a:schemeClr val="bg1"/>
-                </a:solidFill>
-                <a:latin typeface="Gisha" panose="020B0502040204020203" pitchFamily="34" charset="-79"/>
-                <a:ea typeface="+mj-ea"/>
-                <a:cs typeface="Gisha" panose="020B0502040204020203" pitchFamily="34" charset="-79"/>
-              </a:rPr>
-              <a:t> </a:t>
-            </a:r>
-            <a:r>
-              <a:rPr lang="en-IL" sz="1400" dirty="0" err="1">
-                <a:solidFill>
-                  <a:schemeClr val="bg1"/>
-                </a:solidFill>
-                <a:latin typeface="Gisha" panose="020B0502040204020203" pitchFamily="34" charset="-79"/>
-                <a:ea typeface="+mj-ea"/>
-                <a:cs typeface="Gisha" panose="020B0502040204020203" pitchFamily="34" charset="-79"/>
-              </a:rPr>
-              <a:t>מוכן</a:t>
-            </a:r>
-            <a:r>
-              <a:rPr lang="en-IL" sz="1400" dirty="0">
-                <a:solidFill>
-                  <a:schemeClr val="bg1"/>
-                </a:solidFill>
-                <a:latin typeface="Gisha" panose="020B0502040204020203" pitchFamily="34" charset="-79"/>
-                <a:ea typeface="+mj-ea"/>
-                <a:cs typeface="Gisha" panose="020B0502040204020203" pitchFamily="34" charset="-79"/>
-              </a:rPr>
-              <a:t> </a:t>
-            </a:r>
-            <a:r>
-              <a:rPr lang="en-IL" sz="1400" dirty="0" err="1">
-                <a:solidFill>
-                  <a:schemeClr val="bg1"/>
-                </a:solidFill>
-                <a:latin typeface="Gisha" panose="020B0502040204020203" pitchFamily="34" charset="-79"/>
-                <a:ea typeface="+mj-ea"/>
-                <a:cs typeface="Gisha" panose="020B0502040204020203" pitchFamily="34" charset="-79"/>
-              </a:rPr>
-              <a:t>לדבר</a:t>
-            </a:r>
-            <a:r>
-              <a:rPr lang="en-IL" sz="1400" dirty="0">
-                <a:solidFill>
-                  <a:schemeClr val="bg1"/>
-                </a:solidFill>
-                <a:latin typeface="Gisha" panose="020B0502040204020203" pitchFamily="34" charset="-79"/>
-                <a:ea typeface="+mj-ea"/>
-                <a:cs typeface="Gisha" panose="020B0502040204020203" pitchFamily="34" charset="-79"/>
-              </a:rPr>
-              <a:t> </a:t>
-            </a:r>
-            <a:r>
-              <a:rPr lang="en-IL" sz="1400" dirty="0" err="1">
-                <a:solidFill>
-                  <a:schemeClr val="bg1"/>
-                </a:solidFill>
-                <a:latin typeface="Gisha" panose="020B0502040204020203" pitchFamily="34" charset="-79"/>
-                <a:ea typeface="+mj-ea"/>
-                <a:cs typeface="Gisha" panose="020B0502040204020203" pitchFamily="34" charset="-79"/>
-              </a:rPr>
-              <a:t>לפני</a:t>
-            </a:r>
-            <a:r>
-              <a:rPr lang="en-IL" sz="1400" dirty="0">
-                <a:solidFill>
-                  <a:schemeClr val="bg1"/>
-                </a:solidFill>
-                <a:latin typeface="Gisha" panose="020B0502040204020203" pitchFamily="34" charset="-79"/>
-                <a:ea typeface="+mj-ea"/>
-                <a:cs typeface="Gisha" panose="020B0502040204020203" pitchFamily="34" charset="-79"/>
-              </a:rPr>
-              <a:t> </a:t>
-            </a:r>
-            <a:r>
-              <a:rPr lang="he-IL" sz="1400" dirty="0">
-                <a:solidFill>
-                  <a:schemeClr val="bg1"/>
-                </a:solidFill>
-                <a:latin typeface="Gisha" panose="020B0502040204020203" pitchFamily="34" charset="-79"/>
-                <a:ea typeface="+mj-ea"/>
-                <a:cs typeface="Gisha" panose="020B0502040204020203" pitchFamily="34" charset="-79"/>
-              </a:rPr>
-              <a:t>ש</a:t>
-            </a:r>
-            <a:r>
-              <a:rPr lang="en-IL" sz="1400" dirty="0" err="1">
-                <a:solidFill>
-                  <a:schemeClr val="bg1"/>
-                </a:solidFill>
-                <a:latin typeface="Gisha" panose="020B0502040204020203" pitchFamily="34" charset="-79"/>
-                <a:ea typeface="+mj-ea"/>
-                <a:cs typeface="Gisha" panose="020B0502040204020203" pitchFamily="34" charset="-79"/>
-              </a:rPr>
-              <a:t>עורך</a:t>
-            </a:r>
-            <a:r>
-              <a:rPr lang="en-IL" sz="1400" dirty="0">
-                <a:solidFill>
-                  <a:schemeClr val="bg1"/>
-                </a:solidFill>
-                <a:latin typeface="Gisha" panose="020B0502040204020203" pitchFamily="34" charset="-79"/>
-                <a:ea typeface="+mj-ea"/>
-                <a:cs typeface="Gisha" panose="020B0502040204020203" pitchFamily="34" charset="-79"/>
-              </a:rPr>
-              <a:t> </a:t>
-            </a:r>
-            <a:r>
-              <a:rPr lang="en-IL" sz="1400" dirty="0" err="1">
-                <a:solidFill>
-                  <a:schemeClr val="bg1"/>
-                </a:solidFill>
-                <a:latin typeface="Gisha" panose="020B0502040204020203" pitchFamily="34" charset="-79"/>
-                <a:ea typeface="+mj-ea"/>
-                <a:cs typeface="Gisha" panose="020B0502040204020203" pitchFamily="34" charset="-79"/>
-              </a:rPr>
-              <a:t>דין</a:t>
-            </a:r>
-            <a:r>
-              <a:rPr lang="en-IL" sz="1400" dirty="0">
-                <a:solidFill>
-                  <a:schemeClr val="bg1"/>
-                </a:solidFill>
-                <a:latin typeface="Gisha" panose="020B0502040204020203" pitchFamily="34" charset="-79"/>
-                <a:ea typeface="+mj-ea"/>
-                <a:cs typeface="Gisha" panose="020B0502040204020203" pitchFamily="34" charset="-79"/>
-              </a:rPr>
-              <a:t> </a:t>
-            </a:r>
-            <a:r>
-              <a:rPr lang="he-IL" sz="1400" dirty="0">
-                <a:solidFill>
-                  <a:schemeClr val="bg1"/>
-                </a:solidFill>
-                <a:latin typeface="Gisha" panose="020B0502040204020203" pitchFamily="34" charset="-79"/>
-                <a:ea typeface="+mj-ea"/>
-                <a:cs typeface="Gisha" panose="020B0502040204020203" pitchFamily="34" charset="-79"/>
-              </a:rPr>
-              <a:t>יגיע</a:t>
-            </a:r>
-            <a:r>
-              <a:rPr lang="en-IL" sz="1400" dirty="0">
-                <a:solidFill>
-                  <a:schemeClr val="bg1"/>
-                </a:solidFill>
-                <a:latin typeface="Gisha" panose="020B0502040204020203" pitchFamily="34" charset="-79"/>
-                <a:ea typeface="+mj-ea"/>
-                <a:cs typeface="Gisha" panose="020B0502040204020203" pitchFamily="34" charset="-79"/>
-              </a:rPr>
-              <a:t>.</a:t>
-            </a:r>
-          </a:p>
-        </p:txBody>
-      </p:sp>
-      <p:sp>
-        <p:nvSpPr>
-          <p:cNvPr id="13" name="Title 1">
-            <a:extLst>
-              <a:ext uri="{FF2B5EF4-FFF2-40B4-BE49-F238E27FC236}">
-                <a16:creationId xmlns:a16="http://schemas.microsoft.com/office/drawing/2014/main" id="{AAB9689C-DC94-4BD5-987A-7D75F90963D0}"/>
-              </a:ext>
-            </a:extLst>
-          </p:cNvPr>
-          <p:cNvSpPr txBox="1">
-            <a:spLocks/>
-          </p:cNvSpPr>
-          <p:nvPr/>
-        </p:nvSpPr>
-        <p:spPr>
-          <a:xfrm>
-            <a:off x="5198533" y="4662513"/>
+            <a:off x="1015999" y="4129546"/>
             <a:ext cx="897467" cy="559680"/>
           </a:xfrm>
           <a:prstGeom prst="rect">
@@ -5299,7 +5157,7 @@
         </p:nvSpPr>
         <p:spPr>
           <a:xfrm>
-            <a:off x="6921502" y="4657032"/>
+            <a:off x="2738968" y="4124065"/>
             <a:ext cx="897467" cy="559680"/>
           </a:xfrm>
           <a:prstGeom prst="rect">
@@ -5371,8 +5229,8 @@
         </p:nvSpPr>
         <p:spPr>
           <a:xfrm>
-            <a:off x="4631267" y="3707510"/>
-            <a:ext cx="6096000" cy="480131"/>
+            <a:off x="-403548" y="5922156"/>
+            <a:ext cx="6096000" cy="268288"/>
           </a:xfrm>
           <a:prstGeom prst="rect">
             <a:avLst/>
@@ -5383,7 +5241,7 @@
         </p:spPr>
         <p:txBody>
           <a:bodyPr vert="horz" lIns="91440" tIns="45720" rIns="91440" bIns="45720" rtlCol="0" anchor="b">
-            <a:normAutofit fontScale="97500"/>
+            <a:normAutofit fontScale="97500" lnSpcReduction="10000"/>
           </a:bodyPr>
           <a:lstStyle/>
           <a:p>
@@ -5404,7 +5262,7 @@
                 <a:ea typeface="+mj-ea"/>
                 <a:cs typeface="Gisha" panose="020B0502040204020203" pitchFamily="34" charset="-79"/>
               </a:rPr>
-              <a:t>דרג מה ההסתברות לכל אחד מהמקרים</a:t>
+              <a:t>עכשיו גש/י בבקשה לדפדפן לסיים שני שאלונים אחרונים לגבי הרובוטים.</a:t>
             </a:r>
             <a:endParaRPr lang="en-IL" sz="1400" dirty="0">
               <a:solidFill>
@@ -5433,7 +5291,7 @@
         </p:nvSpPr>
         <p:spPr>
           <a:xfrm>
-            <a:off x="4572000" y="2430462"/>
+            <a:off x="5871411" y="1747715"/>
             <a:ext cx="6096000" cy="268288"/>
           </a:xfrm>
           <a:prstGeom prst="rect">
@@ -5504,7 +5362,7 @@
         </p:nvSpPr>
         <p:spPr>
           <a:xfrm>
-            <a:off x="4631267" y="4340847"/>
+            <a:off x="5930678" y="3658100"/>
             <a:ext cx="6096000" cy="268288"/>
           </a:xfrm>
           <a:prstGeom prst="rect">
@@ -5575,7 +5433,7 @@
         </p:nvSpPr>
         <p:spPr>
           <a:xfrm>
-            <a:off x="4631267" y="4689226"/>
+            <a:off x="5930678" y="4006479"/>
             <a:ext cx="6096000" cy="268288"/>
           </a:xfrm>
           <a:prstGeom prst="rect">
@@ -5619,6 +5477,1408 @@
                 <a:cs typeface="Gisha" panose="020B0502040204020203" pitchFamily="34" charset="-79"/>
               </a:rPr>
               <a:t>אם איזה רובוט אתה מסכים?</a:t>
+            </a:r>
+            <a:endParaRPr lang="en-IL" sz="1400" dirty="0">
+              <a:solidFill>
+                <a:schemeClr val="bg1"/>
+              </a:solidFill>
+              <a:latin typeface="Gisha" panose="020B0502040204020203" pitchFamily="34" charset="-79"/>
+              <a:cs typeface="Gisha" panose="020B0502040204020203" pitchFamily="34" charset="-79"/>
+            </a:endParaRPr>
+          </a:p>
+        </p:txBody>
+      </p:sp>
+      <p:sp>
+        <p:nvSpPr>
+          <p:cNvPr id="21" name="Title 1">
+            <a:extLst>
+              <a:ext uri="{FF2B5EF4-FFF2-40B4-BE49-F238E27FC236}">
+                <a16:creationId xmlns:a16="http://schemas.microsoft.com/office/drawing/2014/main" id="{850DCD15-E1CD-4DA4-8912-711F3F2977E9}"/>
+              </a:ext>
+            </a:extLst>
+          </p:cNvPr>
+          <p:cNvSpPr txBox="1">
+            <a:spLocks/>
+          </p:cNvSpPr>
+          <p:nvPr/>
+        </p:nvSpPr>
+        <p:spPr>
+          <a:xfrm>
+            <a:off x="8978679" y="4727919"/>
+            <a:ext cx="2188800" cy="268288"/>
+          </a:xfrm>
+          <a:prstGeom prst="rect">
+            <a:avLst/>
+          </a:prstGeom>
+          <a:solidFill>
+            <a:schemeClr val="tx1"/>
+          </a:solidFill>
+        </p:spPr>
+        <p:txBody>
+          <a:bodyPr vert="horz" lIns="91440" tIns="45720" rIns="91440" bIns="45720" rtlCol="0" anchor="b">
+            <a:normAutofit fontScale="90000" lnSpcReduction="10000"/>
+          </a:bodyPr>
+          <a:lstStyle>
+            <a:lvl1pPr algn="ctr" defTabSz="914400" rtl="0" eaLnBrk="1" latinLnBrk="0" hangingPunct="1">
+              <a:lnSpc>
+                <a:spcPct val="90000"/>
+              </a:lnSpc>
+              <a:spcBef>
+                <a:spcPct val="0"/>
+              </a:spcBef>
+              <a:buNone/>
+              <a:defRPr sz="6000" kern="1200">
+                <a:solidFill>
+                  <a:schemeClr val="tx1"/>
+                </a:solidFill>
+                <a:latin typeface="+mj-lt"/>
+                <a:ea typeface="+mj-ea"/>
+                <a:cs typeface="+mj-cs"/>
+              </a:defRPr>
+            </a:lvl1pPr>
+          </a:lstStyle>
+          <a:p>
+            <a:pPr algn="r"/>
+            <a:r>
+              <a:rPr lang="he-IL" sz="1400" dirty="0">
+                <a:solidFill>
+                  <a:schemeClr val="bg1"/>
+                </a:solidFill>
+                <a:latin typeface="Gisha" panose="020B0502040204020203" pitchFamily="34" charset="-79"/>
+                <a:cs typeface="Gisha" panose="020B0502040204020203" pitchFamily="34" charset="-79"/>
+              </a:rPr>
+              <a:t>חשודים א' וב' שדדו את החנות</a:t>
+            </a:r>
+            <a:endParaRPr lang="en-IL" sz="1400" dirty="0">
+              <a:solidFill>
+                <a:schemeClr val="bg1"/>
+              </a:solidFill>
+              <a:latin typeface="Gisha" panose="020B0502040204020203" pitchFamily="34" charset="-79"/>
+              <a:cs typeface="Gisha" panose="020B0502040204020203" pitchFamily="34" charset="-79"/>
+            </a:endParaRPr>
+          </a:p>
+        </p:txBody>
+      </p:sp>
+      <p:sp>
+        <p:nvSpPr>
+          <p:cNvPr id="22" name="Title 1">
+            <a:extLst>
+              <a:ext uri="{FF2B5EF4-FFF2-40B4-BE49-F238E27FC236}">
+                <a16:creationId xmlns:a16="http://schemas.microsoft.com/office/drawing/2014/main" id="{F0825D94-F170-42BC-B7DA-5F4C9833C24E}"/>
+              </a:ext>
+            </a:extLst>
+          </p:cNvPr>
+          <p:cNvSpPr txBox="1">
+            <a:spLocks/>
+          </p:cNvSpPr>
+          <p:nvPr/>
+        </p:nvSpPr>
+        <p:spPr>
+          <a:xfrm>
+            <a:off x="8978679" y="5041909"/>
+            <a:ext cx="2188800" cy="268288"/>
+          </a:xfrm>
+          <a:prstGeom prst="rect">
+            <a:avLst/>
+          </a:prstGeom>
+          <a:solidFill>
+            <a:schemeClr val="tx1"/>
+          </a:solidFill>
+        </p:spPr>
+        <p:txBody>
+          <a:bodyPr vert="horz" lIns="91440" tIns="45720" rIns="91440" bIns="45720" rtlCol="0" anchor="b">
+            <a:normAutofit fontScale="90000" lnSpcReduction="10000"/>
+          </a:bodyPr>
+          <a:lstStyle>
+            <a:lvl1pPr algn="ctr" defTabSz="914400" rtl="0" eaLnBrk="1" latinLnBrk="0" hangingPunct="1">
+              <a:lnSpc>
+                <a:spcPct val="90000"/>
+              </a:lnSpc>
+              <a:spcBef>
+                <a:spcPct val="0"/>
+              </a:spcBef>
+              <a:buNone/>
+              <a:defRPr sz="6000" kern="1200">
+                <a:solidFill>
+                  <a:schemeClr val="tx1"/>
+                </a:solidFill>
+                <a:latin typeface="+mj-lt"/>
+                <a:ea typeface="+mj-ea"/>
+                <a:cs typeface="+mj-cs"/>
+              </a:defRPr>
+            </a:lvl1pPr>
+          </a:lstStyle>
+          <a:p>
+            <a:pPr algn="r" rtl="1"/>
+            <a:r>
+              <a:rPr lang="he-IL" sz="1400" dirty="0">
+                <a:solidFill>
+                  <a:schemeClr val="bg1"/>
+                </a:solidFill>
+                <a:latin typeface="Gisha" panose="020B0502040204020203" pitchFamily="34" charset="-79"/>
+                <a:cs typeface="Gisha" panose="020B0502040204020203" pitchFamily="34" charset="-79"/>
+              </a:rPr>
+              <a:t>חשוד ב' שדד את החנות</a:t>
+            </a:r>
+            <a:endParaRPr lang="en-IL" sz="1400" dirty="0">
+              <a:solidFill>
+                <a:schemeClr val="bg1"/>
+              </a:solidFill>
+              <a:latin typeface="Gisha" panose="020B0502040204020203" pitchFamily="34" charset="-79"/>
+              <a:cs typeface="Gisha" panose="020B0502040204020203" pitchFamily="34" charset="-79"/>
+            </a:endParaRPr>
+          </a:p>
+        </p:txBody>
+      </p:sp>
+      <p:sp>
+        <p:nvSpPr>
+          <p:cNvPr id="24" name="Title 1">
+            <a:extLst>
+              <a:ext uri="{FF2B5EF4-FFF2-40B4-BE49-F238E27FC236}">
+                <a16:creationId xmlns:a16="http://schemas.microsoft.com/office/drawing/2014/main" id="{45C484F3-20DE-4118-98ED-4C5C2758E321}"/>
+              </a:ext>
+            </a:extLst>
+          </p:cNvPr>
+          <p:cNvSpPr txBox="1">
+            <a:spLocks/>
+          </p:cNvSpPr>
+          <p:nvPr/>
+        </p:nvSpPr>
+        <p:spPr>
+          <a:xfrm>
+            <a:off x="5871411" y="4748065"/>
+            <a:ext cx="2188800" cy="268288"/>
+          </a:xfrm>
+          <a:prstGeom prst="rect">
+            <a:avLst/>
+          </a:prstGeom>
+          <a:solidFill>
+            <a:schemeClr val="tx1"/>
+          </a:solidFill>
+        </p:spPr>
+        <p:txBody>
+          <a:bodyPr vert="horz" lIns="91440" tIns="45720" rIns="91440" bIns="45720" rtlCol="0" anchor="b">
+            <a:normAutofit fontScale="90000" lnSpcReduction="10000"/>
+          </a:bodyPr>
+          <a:lstStyle>
+            <a:lvl1pPr algn="ctr" defTabSz="914400" rtl="0" eaLnBrk="1" latinLnBrk="0" hangingPunct="1">
+              <a:lnSpc>
+                <a:spcPct val="90000"/>
+              </a:lnSpc>
+              <a:spcBef>
+                <a:spcPct val="0"/>
+              </a:spcBef>
+              <a:buNone/>
+              <a:defRPr sz="6000" kern="1200">
+                <a:solidFill>
+                  <a:schemeClr val="tx1"/>
+                </a:solidFill>
+                <a:latin typeface="+mj-lt"/>
+                <a:ea typeface="+mj-ea"/>
+                <a:cs typeface="+mj-cs"/>
+              </a:defRPr>
+            </a:lvl1pPr>
+          </a:lstStyle>
+          <a:p>
+            <a:pPr algn="r"/>
+            <a:r>
+              <a:rPr lang="he-IL" sz="1400" dirty="0">
+                <a:solidFill>
+                  <a:schemeClr val="bg1"/>
+                </a:solidFill>
+                <a:latin typeface="Gisha" panose="020B0502040204020203" pitchFamily="34" charset="-79"/>
+                <a:cs typeface="Gisha" panose="020B0502040204020203" pitchFamily="34" charset="-79"/>
+              </a:rPr>
+              <a:t>חשודים א' וג' שדדו את החנות</a:t>
+            </a:r>
+            <a:endParaRPr lang="en-IL" sz="1400" dirty="0">
+              <a:solidFill>
+                <a:schemeClr val="bg1"/>
+              </a:solidFill>
+              <a:latin typeface="Gisha" panose="020B0502040204020203" pitchFamily="34" charset="-79"/>
+              <a:cs typeface="Gisha" panose="020B0502040204020203" pitchFamily="34" charset="-79"/>
+            </a:endParaRPr>
+          </a:p>
+        </p:txBody>
+      </p:sp>
+      <p:sp>
+        <p:nvSpPr>
+          <p:cNvPr id="25" name="Title 1">
+            <a:extLst>
+              <a:ext uri="{FF2B5EF4-FFF2-40B4-BE49-F238E27FC236}">
+                <a16:creationId xmlns:a16="http://schemas.microsoft.com/office/drawing/2014/main" id="{45220868-A1AF-4D4F-9A45-888A41D12F11}"/>
+              </a:ext>
+            </a:extLst>
+          </p:cNvPr>
+          <p:cNvSpPr txBox="1">
+            <a:spLocks/>
+          </p:cNvSpPr>
+          <p:nvPr/>
+        </p:nvSpPr>
+        <p:spPr>
+          <a:xfrm>
+            <a:off x="5871411" y="5062055"/>
+            <a:ext cx="2188800" cy="268288"/>
+          </a:xfrm>
+          <a:prstGeom prst="rect">
+            <a:avLst/>
+          </a:prstGeom>
+          <a:solidFill>
+            <a:schemeClr val="tx1"/>
+          </a:solidFill>
+        </p:spPr>
+        <p:txBody>
+          <a:bodyPr vert="horz" lIns="91440" tIns="45720" rIns="91440" bIns="45720" rtlCol="0" anchor="b">
+            <a:normAutofit fontScale="90000" lnSpcReduction="10000"/>
+          </a:bodyPr>
+          <a:lstStyle>
+            <a:lvl1pPr algn="ctr" defTabSz="914400" rtl="0" eaLnBrk="1" latinLnBrk="0" hangingPunct="1">
+              <a:lnSpc>
+                <a:spcPct val="90000"/>
+              </a:lnSpc>
+              <a:spcBef>
+                <a:spcPct val="0"/>
+              </a:spcBef>
+              <a:buNone/>
+              <a:defRPr sz="6000" kern="1200">
+                <a:solidFill>
+                  <a:schemeClr val="tx1"/>
+                </a:solidFill>
+                <a:latin typeface="+mj-lt"/>
+                <a:ea typeface="+mj-ea"/>
+                <a:cs typeface="+mj-cs"/>
+              </a:defRPr>
+            </a:lvl1pPr>
+          </a:lstStyle>
+          <a:p>
+            <a:pPr algn="r" rtl="1"/>
+            <a:r>
+              <a:rPr lang="he-IL" sz="1400" dirty="0">
+                <a:solidFill>
+                  <a:schemeClr val="bg1"/>
+                </a:solidFill>
+                <a:latin typeface="Gisha" panose="020B0502040204020203" pitchFamily="34" charset="-79"/>
+                <a:cs typeface="Gisha" panose="020B0502040204020203" pitchFamily="34" charset="-79"/>
+              </a:rPr>
+              <a:t>חשוד ג' שדד את החנות</a:t>
+            </a:r>
+            <a:endParaRPr lang="en-IL" sz="1400" dirty="0">
+              <a:solidFill>
+                <a:schemeClr val="bg1"/>
+              </a:solidFill>
+              <a:latin typeface="Gisha" panose="020B0502040204020203" pitchFamily="34" charset="-79"/>
+              <a:cs typeface="Gisha" panose="020B0502040204020203" pitchFamily="34" charset="-79"/>
+            </a:endParaRPr>
+          </a:p>
+        </p:txBody>
+      </p:sp>
+      <p:sp>
+        <p:nvSpPr>
+          <p:cNvPr id="27" name="Rectangle 26">
+            <a:extLst>
+              <a:ext uri="{FF2B5EF4-FFF2-40B4-BE49-F238E27FC236}">
+                <a16:creationId xmlns:a16="http://schemas.microsoft.com/office/drawing/2014/main" id="{78A2F3DB-03FA-4C86-8073-DB5B71AD1139}"/>
+              </a:ext>
+            </a:extLst>
+          </p:cNvPr>
+          <p:cNvSpPr/>
+          <p:nvPr/>
+        </p:nvSpPr>
+        <p:spPr>
+          <a:xfrm>
+            <a:off x="-403548" y="154897"/>
+            <a:ext cx="6096000" cy="702232"/>
+          </a:xfrm>
+          <a:prstGeom prst="rect">
+            <a:avLst/>
+          </a:prstGeom>
+          <a:solidFill>
+            <a:schemeClr val="tx1"/>
+          </a:solidFill>
+        </p:spPr>
+        <p:txBody>
+          <a:bodyPr vert="horz" lIns="91440" tIns="45720" rIns="91440" bIns="45720" rtlCol="0" anchor="ctr">
+            <a:normAutofit fontScale="97500"/>
+          </a:bodyPr>
+          <a:lstStyle/>
+          <a:p>
+            <a:pPr algn="r" rtl="1">
+              <a:lnSpc>
+                <a:spcPct val="90000"/>
+              </a:lnSpc>
+              <a:spcBef>
+                <a:spcPct val="0"/>
+              </a:spcBef>
+            </a:pPr>
+            <a:r>
+              <a:rPr lang="en-IL" sz="1400" dirty="0" err="1">
+                <a:solidFill>
+                  <a:schemeClr val="bg1"/>
+                </a:solidFill>
+                <a:latin typeface="Gisha" panose="020B0502040204020203" pitchFamily="34" charset="-79"/>
+                <a:ea typeface="+mj-ea"/>
+                <a:cs typeface="Gisha" panose="020B0502040204020203" pitchFamily="34" charset="-79"/>
+              </a:rPr>
+              <a:t>חשוד</a:t>
+            </a:r>
+            <a:r>
+              <a:rPr lang="en-IL" sz="1400" dirty="0">
+                <a:solidFill>
+                  <a:schemeClr val="bg1"/>
+                </a:solidFill>
+                <a:latin typeface="Gisha" panose="020B0502040204020203" pitchFamily="34" charset="-79"/>
+                <a:ea typeface="+mj-ea"/>
+                <a:cs typeface="Gisha" panose="020B0502040204020203" pitchFamily="34" charset="-79"/>
+              </a:rPr>
+              <a:t> </a:t>
+            </a:r>
+            <a:r>
+              <a:rPr lang="he-IL" sz="1400" dirty="0">
+                <a:solidFill>
+                  <a:schemeClr val="bg1"/>
+                </a:solidFill>
+                <a:latin typeface="Gisha" panose="020B0502040204020203" pitchFamily="34" charset="-79"/>
+                <a:ea typeface="+mj-ea"/>
+                <a:cs typeface="Gisha" panose="020B0502040204020203" pitchFamily="34" charset="-79"/>
+              </a:rPr>
+              <a:t>ב' </a:t>
+            </a:r>
+            <a:r>
+              <a:rPr lang="en-IL" sz="1400" dirty="0" err="1">
+                <a:solidFill>
+                  <a:schemeClr val="bg1"/>
+                </a:solidFill>
+                <a:latin typeface="Gisha" panose="020B0502040204020203" pitchFamily="34" charset="-79"/>
+                <a:ea typeface="+mj-ea"/>
+                <a:cs typeface="Gisha" panose="020B0502040204020203" pitchFamily="34" charset="-79"/>
+              </a:rPr>
+              <a:t>אמר</a:t>
+            </a:r>
+            <a:r>
+              <a:rPr lang="en-IL" sz="1400" dirty="0">
+                <a:solidFill>
+                  <a:schemeClr val="bg1"/>
+                </a:solidFill>
+                <a:latin typeface="Gisha" panose="020B0502040204020203" pitchFamily="34" charset="-79"/>
+                <a:ea typeface="+mj-ea"/>
+                <a:cs typeface="Gisha" panose="020B0502040204020203" pitchFamily="34" charset="-79"/>
+              </a:rPr>
+              <a:t> </a:t>
+            </a:r>
+            <a:r>
+              <a:rPr lang="en-IL" sz="1400" dirty="0" err="1">
+                <a:solidFill>
+                  <a:schemeClr val="bg1"/>
+                </a:solidFill>
+                <a:latin typeface="Gisha" panose="020B0502040204020203" pitchFamily="34" charset="-79"/>
+                <a:ea typeface="+mj-ea"/>
+                <a:cs typeface="Gisha" panose="020B0502040204020203" pitchFamily="34" charset="-79"/>
+              </a:rPr>
+              <a:t>למשטרה</a:t>
+            </a:r>
+            <a:r>
+              <a:rPr lang="en-IL" sz="1400" dirty="0">
+                <a:solidFill>
+                  <a:schemeClr val="bg1"/>
+                </a:solidFill>
+                <a:latin typeface="Gisha" panose="020B0502040204020203" pitchFamily="34" charset="-79"/>
+                <a:ea typeface="+mj-ea"/>
+                <a:cs typeface="Gisha" panose="020B0502040204020203" pitchFamily="34" charset="-79"/>
+              </a:rPr>
+              <a:t> </a:t>
+            </a:r>
+            <a:r>
+              <a:rPr lang="en-IL" sz="1400" dirty="0" err="1">
+                <a:solidFill>
+                  <a:schemeClr val="bg1"/>
+                </a:solidFill>
+                <a:latin typeface="Gisha" panose="020B0502040204020203" pitchFamily="34" charset="-79"/>
+                <a:ea typeface="+mj-ea"/>
+                <a:cs typeface="Gisha" panose="020B0502040204020203" pitchFamily="34" charset="-79"/>
+              </a:rPr>
+              <a:t>כי</a:t>
+            </a:r>
+            <a:r>
+              <a:rPr lang="en-IL" sz="1400" dirty="0">
+                <a:solidFill>
+                  <a:schemeClr val="bg1"/>
+                </a:solidFill>
+                <a:latin typeface="Gisha" panose="020B0502040204020203" pitchFamily="34" charset="-79"/>
+                <a:ea typeface="+mj-ea"/>
+                <a:cs typeface="Gisha" panose="020B0502040204020203" pitchFamily="34" charset="-79"/>
+              </a:rPr>
+              <a:t> </a:t>
+            </a:r>
+            <a:r>
+              <a:rPr lang="he-IL" sz="1400" dirty="0">
+                <a:solidFill>
+                  <a:schemeClr val="bg1"/>
+                </a:solidFill>
+                <a:latin typeface="Gisha" panose="020B0502040204020203" pitchFamily="34" charset="-79"/>
+                <a:ea typeface="+mj-ea"/>
+                <a:cs typeface="Gisha" panose="020B0502040204020203" pitchFamily="34" charset="-79"/>
+              </a:rPr>
+              <a:t>הוא קיבל </a:t>
+            </a:r>
+            <a:r>
+              <a:rPr lang="en-IL" sz="1400" dirty="0" err="1">
+                <a:solidFill>
+                  <a:schemeClr val="bg1"/>
+                </a:solidFill>
+                <a:latin typeface="Gisha" panose="020B0502040204020203" pitchFamily="34" charset="-79"/>
+                <a:ea typeface="+mj-ea"/>
+                <a:cs typeface="Gisha" panose="020B0502040204020203" pitchFamily="34" charset="-79"/>
+              </a:rPr>
+              <a:t>את</a:t>
+            </a:r>
+            <a:r>
+              <a:rPr lang="en-IL" sz="1400" dirty="0">
+                <a:solidFill>
+                  <a:schemeClr val="bg1"/>
+                </a:solidFill>
+                <a:latin typeface="Gisha" panose="020B0502040204020203" pitchFamily="34" charset="-79"/>
+                <a:ea typeface="+mj-ea"/>
+                <a:cs typeface="Gisha" panose="020B0502040204020203" pitchFamily="34" charset="-79"/>
+              </a:rPr>
+              <a:t> </a:t>
+            </a:r>
+            <a:r>
+              <a:rPr lang="en-IL" sz="1400" dirty="0" err="1">
+                <a:solidFill>
+                  <a:schemeClr val="bg1"/>
+                </a:solidFill>
+                <a:latin typeface="Gisha" panose="020B0502040204020203" pitchFamily="34" charset="-79"/>
+                <a:ea typeface="+mj-ea"/>
+                <a:cs typeface="Gisha" panose="020B0502040204020203" pitchFamily="34" charset="-79"/>
+              </a:rPr>
+              <a:t>החתך</a:t>
+            </a:r>
+            <a:r>
+              <a:rPr lang="en-IL" sz="1400" dirty="0">
+                <a:solidFill>
+                  <a:schemeClr val="bg1"/>
+                </a:solidFill>
+                <a:latin typeface="Gisha" panose="020B0502040204020203" pitchFamily="34" charset="-79"/>
+                <a:ea typeface="+mj-ea"/>
+                <a:cs typeface="Gisha" panose="020B0502040204020203" pitchFamily="34" charset="-79"/>
+              </a:rPr>
+              <a:t> </a:t>
+            </a:r>
+            <a:r>
+              <a:rPr lang="he-IL" sz="1400" dirty="0">
+                <a:solidFill>
+                  <a:schemeClr val="bg1"/>
+                </a:solidFill>
+                <a:latin typeface="Gisha" panose="020B0502040204020203" pitchFamily="34" charset="-79"/>
+                <a:ea typeface="+mj-ea"/>
+                <a:cs typeface="Gisha" panose="020B0502040204020203" pitchFamily="34" charset="-79"/>
+              </a:rPr>
+              <a:t>בגבה מ</a:t>
+            </a:r>
+            <a:r>
+              <a:rPr lang="en-IL" sz="1400" dirty="0" err="1">
+                <a:solidFill>
+                  <a:schemeClr val="bg1"/>
+                </a:solidFill>
+                <a:latin typeface="Gisha" panose="020B0502040204020203" pitchFamily="34" charset="-79"/>
+                <a:ea typeface="+mj-ea"/>
+                <a:cs typeface="Gisha" panose="020B0502040204020203" pitchFamily="34" charset="-79"/>
+              </a:rPr>
+              <a:t>ענף</a:t>
+            </a:r>
+            <a:r>
+              <a:rPr lang="en-IL" sz="1400" dirty="0">
+                <a:solidFill>
+                  <a:schemeClr val="bg1"/>
+                </a:solidFill>
+                <a:latin typeface="Gisha" panose="020B0502040204020203" pitchFamily="34" charset="-79"/>
+                <a:ea typeface="+mj-ea"/>
+                <a:cs typeface="Gisha" panose="020B0502040204020203" pitchFamily="34" charset="-79"/>
+              </a:rPr>
+              <a:t> </a:t>
+            </a:r>
+            <a:r>
+              <a:rPr lang="he-IL" sz="1400" dirty="0">
+                <a:solidFill>
+                  <a:schemeClr val="bg1"/>
+                </a:solidFill>
+                <a:latin typeface="Gisha" panose="020B0502040204020203" pitchFamily="34" charset="-79"/>
+                <a:ea typeface="+mj-ea"/>
+                <a:cs typeface="Gisha" panose="020B0502040204020203" pitchFamily="34" charset="-79"/>
+              </a:rPr>
+              <a:t>של </a:t>
+            </a:r>
+            <a:r>
+              <a:rPr lang="en-IL" sz="1400" dirty="0" err="1">
+                <a:solidFill>
+                  <a:schemeClr val="bg1"/>
+                </a:solidFill>
+                <a:latin typeface="Gisha" panose="020B0502040204020203" pitchFamily="34" charset="-79"/>
+                <a:ea typeface="+mj-ea"/>
+                <a:cs typeface="Gisha" panose="020B0502040204020203" pitchFamily="34" charset="-79"/>
+              </a:rPr>
+              <a:t>עץ</a:t>
+            </a:r>
+            <a:r>
+              <a:rPr lang="en-IL" sz="1400" dirty="0">
+                <a:solidFill>
+                  <a:schemeClr val="bg1"/>
+                </a:solidFill>
+                <a:latin typeface="Gisha" panose="020B0502040204020203" pitchFamily="34" charset="-79"/>
+                <a:ea typeface="+mj-ea"/>
+                <a:cs typeface="Gisha" panose="020B0502040204020203" pitchFamily="34" charset="-79"/>
+              </a:rPr>
+              <a:t> </a:t>
+            </a:r>
+            <a:r>
+              <a:rPr lang="en-IL" sz="1400" dirty="0" err="1">
+                <a:solidFill>
+                  <a:schemeClr val="bg1"/>
+                </a:solidFill>
+                <a:latin typeface="Gisha" panose="020B0502040204020203" pitchFamily="34" charset="-79"/>
+                <a:ea typeface="+mj-ea"/>
+                <a:cs typeface="Gisha" panose="020B0502040204020203" pitchFamily="34" charset="-79"/>
+              </a:rPr>
+              <a:t>כאשר</a:t>
+            </a:r>
+            <a:r>
+              <a:rPr lang="en-IL" sz="1400" dirty="0">
+                <a:solidFill>
+                  <a:schemeClr val="bg1"/>
+                </a:solidFill>
+                <a:latin typeface="Gisha" panose="020B0502040204020203" pitchFamily="34" charset="-79"/>
+                <a:ea typeface="+mj-ea"/>
+                <a:cs typeface="Gisha" panose="020B0502040204020203" pitchFamily="34" charset="-79"/>
+              </a:rPr>
+              <a:t> </a:t>
+            </a:r>
+            <a:r>
+              <a:rPr lang="he-IL" sz="1400" dirty="0">
+                <a:solidFill>
+                  <a:schemeClr val="bg1"/>
+                </a:solidFill>
+                <a:latin typeface="Gisha" panose="020B0502040204020203" pitchFamily="34" charset="-79"/>
+                <a:ea typeface="+mj-ea"/>
+                <a:cs typeface="Gisha" panose="020B0502040204020203" pitchFamily="34" charset="-79"/>
+              </a:rPr>
+              <a:t>ירד עם הכלב שלו לסיבוב, </a:t>
+            </a:r>
+            <a:r>
+              <a:rPr lang="en-IL" sz="1400" dirty="0" err="1">
+                <a:solidFill>
+                  <a:schemeClr val="bg1"/>
+                </a:solidFill>
+                <a:latin typeface="Gisha" panose="020B0502040204020203" pitchFamily="34" charset="-79"/>
+                <a:ea typeface="+mj-ea"/>
+                <a:cs typeface="Gisha" panose="020B0502040204020203" pitchFamily="34" charset="-79"/>
+              </a:rPr>
+              <a:t>כמה</a:t>
+            </a:r>
+            <a:r>
+              <a:rPr lang="en-IL" sz="1400" dirty="0">
+                <a:solidFill>
+                  <a:schemeClr val="bg1"/>
+                </a:solidFill>
+                <a:latin typeface="Gisha" panose="020B0502040204020203" pitchFamily="34" charset="-79"/>
+                <a:ea typeface="+mj-ea"/>
+                <a:cs typeface="Gisha" panose="020B0502040204020203" pitchFamily="34" charset="-79"/>
+              </a:rPr>
+              <a:t> </a:t>
+            </a:r>
+            <a:r>
+              <a:rPr lang="en-IL" sz="1400" dirty="0" err="1">
+                <a:solidFill>
+                  <a:schemeClr val="bg1"/>
+                </a:solidFill>
+                <a:latin typeface="Gisha" panose="020B0502040204020203" pitchFamily="34" charset="-79"/>
+                <a:ea typeface="+mj-ea"/>
+                <a:cs typeface="Gisha" panose="020B0502040204020203" pitchFamily="34" charset="-79"/>
+              </a:rPr>
+              <a:t>שעות</a:t>
+            </a:r>
+            <a:r>
+              <a:rPr lang="en-IL" sz="1400" dirty="0">
+                <a:solidFill>
+                  <a:schemeClr val="bg1"/>
+                </a:solidFill>
+                <a:latin typeface="Gisha" panose="020B0502040204020203" pitchFamily="34" charset="-79"/>
+                <a:ea typeface="+mj-ea"/>
+                <a:cs typeface="Gisha" panose="020B0502040204020203" pitchFamily="34" charset="-79"/>
+              </a:rPr>
+              <a:t> </a:t>
+            </a:r>
+            <a:r>
+              <a:rPr lang="he-IL" sz="1400" dirty="0">
+                <a:solidFill>
+                  <a:schemeClr val="bg1"/>
+                </a:solidFill>
+                <a:latin typeface="Gisha" panose="020B0502040204020203" pitchFamily="34" charset="-79"/>
+                <a:ea typeface="+mj-ea"/>
+                <a:cs typeface="Gisha" panose="020B0502040204020203" pitchFamily="34" charset="-79"/>
+              </a:rPr>
+              <a:t>לפני </a:t>
+            </a:r>
+            <a:r>
+              <a:rPr lang="en-IL" sz="1400" dirty="0" err="1">
+                <a:solidFill>
+                  <a:schemeClr val="bg1"/>
+                </a:solidFill>
+                <a:latin typeface="Gisha" panose="020B0502040204020203" pitchFamily="34" charset="-79"/>
+                <a:ea typeface="+mj-ea"/>
+                <a:cs typeface="Gisha" panose="020B0502040204020203" pitchFamily="34" charset="-79"/>
+              </a:rPr>
+              <a:t>לאירוע</a:t>
+            </a:r>
+            <a:r>
+              <a:rPr lang="he-IL" sz="1400" dirty="0">
+                <a:solidFill>
+                  <a:schemeClr val="bg1"/>
+                </a:solidFill>
+                <a:latin typeface="Gisha" panose="020B0502040204020203" pitchFamily="34" charset="-79"/>
+                <a:ea typeface="+mj-ea"/>
+                <a:cs typeface="Gisha" panose="020B0502040204020203" pitchFamily="34" charset="-79"/>
+              </a:rPr>
+              <a:t>. חשוד ד' </a:t>
+            </a:r>
+            <a:r>
+              <a:rPr lang="en-IL" sz="1400" dirty="0" err="1">
+                <a:solidFill>
+                  <a:schemeClr val="bg1"/>
+                </a:solidFill>
+                <a:latin typeface="Gisha" panose="020B0502040204020203" pitchFamily="34" charset="-79"/>
+                <a:ea typeface="+mj-ea"/>
+                <a:cs typeface="Gisha" panose="020B0502040204020203" pitchFamily="34" charset="-79"/>
+              </a:rPr>
+              <a:t>עדיין</a:t>
+            </a:r>
+            <a:r>
+              <a:rPr lang="en-IL" sz="1400" dirty="0">
+                <a:solidFill>
+                  <a:schemeClr val="bg1"/>
+                </a:solidFill>
+                <a:latin typeface="Gisha" panose="020B0502040204020203" pitchFamily="34" charset="-79"/>
+                <a:ea typeface="+mj-ea"/>
+                <a:cs typeface="Gisha" panose="020B0502040204020203" pitchFamily="34" charset="-79"/>
+              </a:rPr>
+              <a:t> </a:t>
+            </a:r>
+            <a:r>
+              <a:rPr lang="en-IL" sz="1400" dirty="0" err="1">
+                <a:solidFill>
+                  <a:schemeClr val="bg1"/>
+                </a:solidFill>
+                <a:latin typeface="Gisha" panose="020B0502040204020203" pitchFamily="34" charset="-79"/>
+                <a:ea typeface="+mj-ea"/>
+                <a:cs typeface="Gisha" panose="020B0502040204020203" pitchFamily="34" charset="-79"/>
+              </a:rPr>
+              <a:t>מסרב</a:t>
+            </a:r>
+            <a:r>
+              <a:rPr lang="en-IL" sz="1400" dirty="0">
+                <a:solidFill>
+                  <a:schemeClr val="bg1"/>
+                </a:solidFill>
+                <a:latin typeface="Gisha" panose="020B0502040204020203" pitchFamily="34" charset="-79"/>
+                <a:ea typeface="+mj-ea"/>
+                <a:cs typeface="Gisha" panose="020B0502040204020203" pitchFamily="34" charset="-79"/>
+              </a:rPr>
+              <a:t> </a:t>
+            </a:r>
+            <a:r>
+              <a:rPr lang="en-IL" sz="1400" dirty="0" err="1">
+                <a:solidFill>
+                  <a:schemeClr val="bg1"/>
+                </a:solidFill>
+                <a:latin typeface="Gisha" panose="020B0502040204020203" pitchFamily="34" charset="-79"/>
+                <a:ea typeface="+mj-ea"/>
+                <a:cs typeface="Gisha" panose="020B0502040204020203" pitchFamily="34" charset="-79"/>
+              </a:rPr>
+              <a:t>לדבר</a:t>
+            </a:r>
+            <a:r>
+              <a:rPr lang="en-IL" sz="1400" dirty="0">
+                <a:solidFill>
+                  <a:schemeClr val="bg1"/>
+                </a:solidFill>
+                <a:latin typeface="Gisha" panose="020B0502040204020203" pitchFamily="34" charset="-79"/>
+                <a:ea typeface="+mj-ea"/>
+                <a:cs typeface="Gisha" panose="020B0502040204020203" pitchFamily="34" charset="-79"/>
+              </a:rPr>
+              <a:t> </a:t>
+            </a:r>
+            <a:r>
+              <a:rPr lang="en-IL" sz="1400" dirty="0" err="1">
+                <a:solidFill>
+                  <a:schemeClr val="bg1"/>
+                </a:solidFill>
+                <a:latin typeface="Gisha" panose="020B0502040204020203" pitchFamily="34" charset="-79"/>
+                <a:ea typeface="+mj-ea"/>
+                <a:cs typeface="Gisha" panose="020B0502040204020203" pitchFamily="34" charset="-79"/>
+              </a:rPr>
+              <a:t>גם</a:t>
+            </a:r>
+            <a:r>
+              <a:rPr lang="en-IL" sz="1400" dirty="0">
+                <a:solidFill>
+                  <a:schemeClr val="bg1"/>
+                </a:solidFill>
+                <a:latin typeface="Gisha" panose="020B0502040204020203" pitchFamily="34" charset="-79"/>
+                <a:ea typeface="+mj-ea"/>
+                <a:cs typeface="Gisha" panose="020B0502040204020203" pitchFamily="34" charset="-79"/>
+              </a:rPr>
+              <a:t> </a:t>
+            </a:r>
+            <a:r>
+              <a:rPr lang="he-IL" sz="1400" dirty="0">
+                <a:solidFill>
+                  <a:schemeClr val="bg1"/>
+                </a:solidFill>
+                <a:latin typeface="Gisha" panose="020B0502040204020203" pitchFamily="34" charset="-79"/>
+                <a:ea typeface="+mj-ea"/>
+                <a:cs typeface="Gisha" panose="020B0502040204020203" pitchFamily="34" charset="-79"/>
+              </a:rPr>
+              <a:t>לאחר הגעת </a:t>
+            </a:r>
+            <a:r>
+              <a:rPr lang="en-IL" sz="1400" dirty="0" err="1">
+                <a:solidFill>
+                  <a:schemeClr val="bg1"/>
+                </a:solidFill>
+                <a:latin typeface="Gisha" panose="020B0502040204020203" pitchFamily="34" charset="-79"/>
+                <a:ea typeface="+mj-ea"/>
+                <a:cs typeface="Gisha" panose="020B0502040204020203" pitchFamily="34" charset="-79"/>
+              </a:rPr>
+              <a:t>עורך</a:t>
+            </a:r>
+            <a:r>
+              <a:rPr lang="en-IL" sz="1400" dirty="0">
+                <a:solidFill>
+                  <a:schemeClr val="bg1"/>
+                </a:solidFill>
+                <a:latin typeface="Gisha" panose="020B0502040204020203" pitchFamily="34" charset="-79"/>
+                <a:ea typeface="+mj-ea"/>
+                <a:cs typeface="Gisha" panose="020B0502040204020203" pitchFamily="34" charset="-79"/>
+              </a:rPr>
+              <a:t> </a:t>
+            </a:r>
+            <a:r>
+              <a:rPr lang="en-IL" sz="1400" dirty="0" err="1">
+                <a:solidFill>
+                  <a:schemeClr val="bg1"/>
+                </a:solidFill>
+                <a:latin typeface="Gisha" panose="020B0502040204020203" pitchFamily="34" charset="-79"/>
+                <a:ea typeface="+mj-ea"/>
+                <a:cs typeface="Gisha" panose="020B0502040204020203" pitchFamily="34" charset="-79"/>
+              </a:rPr>
+              <a:t>הדין</a:t>
+            </a:r>
+            <a:r>
+              <a:rPr lang="he-IL" sz="1400" dirty="0">
+                <a:solidFill>
+                  <a:schemeClr val="bg1"/>
+                </a:solidFill>
+                <a:latin typeface="Gisha" panose="020B0502040204020203" pitchFamily="34" charset="-79"/>
+                <a:ea typeface="+mj-ea"/>
+                <a:cs typeface="Gisha" panose="020B0502040204020203" pitchFamily="34" charset="-79"/>
+              </a:rPr>
+              <a:t>.</a:t>
+            </a:r>
+            <a:endParaRPr lang="en-IL" sz="1400" dirty="0">
+              <a:solidFill>
+                <a:schemeClr val="bg1"/>
+              </a:solidFill>
+              <a:latin typeface="Gisha" panose="020B0502040204020203" pitchFamily="34" charset="-79"/>
+              <a:ea typeface="+mj-ea"/>
+              <a:cs typeface="Gisha" panose="020B0502040204020203" pitchFamily="34" charset="-79"/>
+            </a:endParaRPr>
+          </a:p>
+        </p:txBody>
+      </p:sp>
+      <p:sp>
+        <p:nvSpPr>
+          <p:cNvPr id="28" name="Rectangle 27">
+            <a:extLst>
+              <a:ext uri="{FF2B5EF4-FFF2-40B4-BE49-F238E27FC236}">
+                <a16:creationId xmlns:a16="http://schemas.microsoft.com/office/drawing/2014/main" id="{9A787258-1FC4-432D-8CD8-95C01DE3BD60}"/>
+              </a:ext>
+            </a:extLst>
+          </p:cNvPr>
+          <p:cNvSpPr/>
+          <p:nvPr/>
+        </p:nvSpPr>
+        <p:spPr>
+          <a:xfrm>
+            <a:off x="-403548" y="898387"/>
+            <a:ext cx="6096000" cy="888580"/>
+          </a:xfrm>
+          <a:prstGeom prst="rect">
+            <a:avLst/>
+          </a:prstGeom>
+          <a:solidFill>
+            <a:schemeClr val="tx1"/>
+          </a:solidFill>
+        </p:spPr>
+        <p:txBody>
+          <a:bodyPr vert="horz" lIns="91440" tIns="45720" rIns="91440" bIns="45720" rtlCol="0" anchor="ctr">
+            <a:normAutofit fontScale="90000"/>
+          </a:bodyPr>
+          <a:lstStyle/>
+          <a:p>
+            <a:pPr algn="r" rtl="1">
+              <a:lnSpc>
+                <a:spcPct val="90000"/>
+              </a:lnSpc>
+              <a:spcBef>
+                <a:spcPct val="0"/>
+              </a:spcBef>
+            </a:pPr>
+            <a:r>
+              <a:rPr lang="he-IL" sz="1400" dirty="0">
+                <a:solidFill>
+                  <a:schemeClr val="bg1"/>
+                </a:solidFill>
+                <a:latin typeface="Gisha" panose="020B0502040204020203" pitchFamily="34" charset="-79"/>
+                <a:ea typeface="+mj-ea"/>
+                <a:cs typeface="Gisha" panose="020B0502040204020203" pitchFamily="34" charset="-79"/>
+              </a:rPr>
+              <a:t>נא לדרג את כל (10) האפשרויות של החשוד/ים בסדר יורד. ממי שנראה לך הכי חשוד/ים עד הכי לא חשוד/ים.</a:t>
+            </a:r>
+          </a:p>
+          <a:p>
+            <a:pPr algn="r" rtl="1">
+              <a:lnSpc>
+                <a:spcPct val="90000"/>
+              </a:lnSpc>
+              <a:spcBef>
+                <a:spcPct val="0"/>
+              </a:spcBef>
+            </a:pPr>
+            <a:endParaRPr lang="he-IL" sz="1400" dirty="0">
+              <a:solidFill>
+                <a:schemeClr val="bg1"/>
+              </a:solidFill>
+              <a:latin typeface="Gisha" panose="020B0502040204020203" pitchFamily="34" charset="-79"/>
+              <a:ea typeface="+mj-ea"/>
+              <a:cs typeface="Gisha" panose="020B0502040204020203" pitchFamily="34" charset="-79"/>
+            </a:endParaRPr>
+          </a:p>
+          <a:p>
+            <a:pPr algn="r" rtl="1">
+              <a:lnSpc>
+                <a:spcPct val="90000"/>
+              </a:lnSpc>
+              <a:spcBef>
+                <a:spcPct val="0"/>
+              </a:spcBef>
+            </a:pPr>
+            <a:r>
+              <a:rPr lang="he-IL" sz="1400" dirty="0">
+                <a:solidFill>
+                  <a:schemeClr val="bg1"/>
+                </a:solidFill>
+                <a:latin typeface="Gisha" panose="020B0502040204020203" pitchFamily="34" charset="-79"/>
+                <a:ea typeface="+mj-ea"/>
+                <a:cs typeface="Gisha" panose="020B0502040204020203" pitchFamily="34" charset="-79"/>
+              </a:rPr>
+              <a:t>אין להשתמש בדירוג פעמיים, כלומר, שתי אפשרויות לא יכולות להיות בעלות אותו דירוג.</a:t>
+            </a:r>
+            <a:endParaRPr lang="en-US" sz="1400" dirty="0">
+              <a:solidFill>
+                <a:schemeClr val="bg1"/>
+              </a:solidFill>
+              <a:latin typeface="Gisha" panose="020B0502040204020203" pitchFamily="34" charset="-79"/>
+              <a:ea typeface="+mj-ea"/>
+              <a:cs typeface="Gisha" panose="020B0502040204020203" pitchFamily="34" charset="-79"/>
+            </a:endParaRPr>
+          </a:p>
+        </p:txBody>
+      </p:sp>
+      <p:sp>
+        <p:nvSpPr>
+          <p:cNvPr id="30" name="Title 1">
+            <a:extLst>
+              <a:ext uri="{FF2B5EF4-FFF2-40B4-BE49-F238E27FC236}">
+                <a16:creationId xmlns:a16="http://schemas.microsoft.com/office/drawing/2014/main" id="{0E388A5B-0B25-4F4A-AFD9-249D96082CB2}"/>
+              </a:ext>
+            </a:extLst>
+          </p:cNvPr>
+          <p:cNvSpPr txBox="1">
+            <a:spLocks/>
+          </p:cNvSpPr>
+          <p:nvPr/>
+        </p:nvSpPr>
+        <p:spPr>
+          <a:xfrm>
+            <a:off x="2644452" y="1970013"/>
+            <a:ext cx="2188800" cy="268288"/>
+          </a:xfrm>
+          <a:prstGeom prst="rect">
+            <a:avLst/>
+          </a:prstGeom>
+          <a:solidFill>
+            <a:schemeClr val="tx1"/>
+          </a:solidFill>
+        </p:spPr>
+        <p:txBody>
+          <a:bodyPr vert="horz" lIns="91440" tIns="45720" rIns="91440" bIns="45720" rtlCol="0" anchor="b">
+            <a:normAutofit fontScale="90000" lnSpcReduction="10000"/>
+          </a:bodyPr>
+          <a:lstStyle>
+            <a:lvl1pPr algn="ctr" defTabSz="914400" rtl="0" eaLnBrk="1" latinLnBrk="0" hangingPunct="1">
+              <a:lnSpc>
+                <a:spcPct val="90000"/>
+              </a:lnSpc>
+              <a:spcBef>
+                <a:spcPct val="0"/>
+              </a:spcBef>
+              <a:buNone/>
+              <a:defRPr sz="6000" kern="1200">
+                <a:solidFill>
+                  <a:schemeClr val="tx1"/>
+                </a:solidFill>
+                <a:latin typeface="+mj-lt"/>
+                <a:ea typeface="+mj-ea"/>
+                <a:cs typeface="+mj-cs"/>
+              </a:defRPr>
+            </a:lvl1pPr>
+          </a:lstStyle>
+          <a:p>
+            <a:pPr algn="r" rtl="1"/>
+            <a:r>
+              <a:rPr lang="he-IL" sz="1400" dirty="0">
+                <a:solidFill>
+                  <a:schemeClr val="bg1"/>
+                </a:solidFill>
+                <a:latin typeface="Gisha" panose="020B0502040204020203" pitchFamily="34" charset="-79"/>
+                <a:cs typeface="Gisha" panose="020B0502040204020203" pitchFamily="34" charset="-79"/>
+              </a:rPr>
+              <a:t>חשוד ד' שדד את החנות</a:t>
+            </a:r>
+            <a:endParaRPr lang="en-IL" sz="1400" dirty="0">
+              <a:solidFill>
+                <a:schemeClr val="bg1"/>
+              </a:solidFill>
+              <a:latin typeface="Gisha" panose="020B0502040204020203" pitchFamily="34" charset="-79"/>
+              <a:cs typeface="Gisha" panose="020B0502040204020203" pitchFamily="34" charset="-79"/>
+            </a:endParaRPr>
+          </a:p>
+        </p:txBody>
+      </p:sp>
+      <p:sp>
+        <p:nvSpPr>
+          <p:cNvPr id="31" name="Title 1">
+            <a:extLst>
+              <a:ext uri="{FF2B5EF4-FFF2-40B4-BE49-F238E27FC236}">
+                <a16:creationId xmlns:a16="http://schemas.microsoft.com/office/drawing/2014/main" id="{9DFE5EE3-87D1-432E-839D-88963B36C907}"/>
+              </a:ext>
+            </a:extLst>
+          </p:cNvPr>
+          <p:cNvSpPr txBox="1">
+            <a:spLocks/>
+          </p:cNvSpPr>
+          <p:nvPr/>
+        </p:nvSpPr>
+        <p:spPr>
+          <a:xfrm>
+            <a:off x="-759148" y="1970013"/>
+            <a:ext cx="2188800" cy="268288"/>
+          </a:xfrm>
+          <a:prstGeom prst="rect">
+            <a:avLst/>
+          </a:prstGeom>
+          <a:solidFill>
+            <a:schemeClr val="tx1"/>
+          </a:solidFill>
+        </p:spPr>
+        <p:txBody>
+          <a:bodyPr vert="horz" lIns="91440" tIns="45720" rIns="91440" bIns="45720" rtlCol="0" anchor="b">
+            <a:normAutofit fontScale="90000" lnSpcReduction="10000"/>
+          </a:bodyPr>
+          <a:lstStyle>
+            <a:lvl1pPr algn="ctr" defTabSz="914400" rtl="0" eaLnBrk="1" latinLnBrk="0" hangingPunct="1">
+              <a:lnSpc>
+                <a:spcPct val="90000"/>
+              </a:lnSpc>
+              <a:spcBef>
+                <a:spcPct val="0"/>
+              </a:spcBef>
+              <a:buNone/>
+              <a:defRPr sz="6000" kern="1200">
+                <a:solidFill>
+                  <a:schemeClr val="tx1"/>
+                </a:solidFill>
+                <a:latin typeface="+mj-lt"/>
+                <a:ea typeface="+mj-ea"/>
+                <a:cs typeface="+mj-cs"/>
+              </a:defRPr>
+            </a:lvl1pPr>
+          </a:lstStyle>
+          <a:p>
+            <a:pPr algn="r" rtl="1"/>
+            <a:r>
+              <a:rPr lang="he-IL" sz="1400" dirty="0">
+                <a:solidFill>
+                  <a:schemeClr val="bg1"/>
+                </a:solidFill>
+                <a:latin typeface="Gisha" panose="020B0502040204020203" pitchFamily="34" charset="-79"/>
+                <a:cs typeface="Gisha" panose="020B0502040204020203" pitchFamily="34" charset="-79"/>
+              </a:rPr>
+              <a:t>חשודים א' וד' שדדו את החנות</a:t>
+            </a:r>
+            <a:endParaRPr lang="en-IL" sz="1400" dirty="0">
+              <a:solidFill>
+                <a:schemeClr val="bg1"/>
+              </a:solidFill>
+              <a:latin typeface="Gisha" panose="020B0502040204020203" pitchFamily="34" charset="-79"/>
+              <a:cs typeface="Gisha" panose="020B0502040204020203" pitchFamily="34" charset="-79"/>
+            </a:endParaRPr>
+          </a:p>
+        </p:txBody>
+      </p:sp>
+      <p:sp>
+        <p:nvSpPr>
+          <p:cNvPr id="33" name="Title 1">
+            <a:extLst>
+              <a:ext uri="{FF2B5EF4-FFF2-40B4-BE49-F238E27FC236}">
+                <a16:creationId xmlns:a16="http://schemas.microsoft.com/office/drawing/2014/main" id="{B09D9690-84A4-4AE4-9147-A2ABA3E3F84A}"/>
+              </a:ext>
+            </a:extLst>
+          </p:cNvPr>
+          <p:cNvSpPr txBox="1">
+            <a:spLocks/>
+          </p:cNvSpPr>
+          <p:nvPr/>
+        </p:nvSpPr>
+        <p:spPr>
+          <a:xfrm>
+            <a:off x="-677334" y="2338960"/>
+            <a:ext cx="2188800" cy="268288"/>
+          </a:xfrm>
+          <a:prstGeom prst="rect">
+            <a:avLst/>
+          </a:prstGeom>
+          <a:solidFill>
+            <a:schemeClr val="tx1"/>
+          </a:solidFill>
+        </p:spPr>
+        <p:txBody>
+          <a:bodyPr vert="horz" lIns="91440" tIns="45720" rIns="91440" bIns="45720" rtlCol="0" anchor="b">
+            <a:normAutofit fontScale="90000" lnSpcReduction="10000"/>
+          </a:bodyPr>
+          <a:lstStyle>
+            <a:lvl1pPr algn="ctr" defTabSz="914400" rtl="0" eaLnBrk="1" latinLnBrk="0" hangingPunct="1">
+              <a:lnSpc>
+                <a:spcPct val="90000"/>
+              </a:lnSpc>
+              <a:spcBef>
+                <a:spcPct val="0"/>
+              </a:spcBef>
+              <a:buNone/>
+              <a:defRPr sz="6000" kern="1200">
+                <a:solidFill>
+                  <a:schemeClr val="tx1"/>
+                </a:solidFill>
+                <a:latin typeface="+mj-lt"/>
+                <a:ea typeface="+mj-ea"/>
+                <a:cs typeface="+mj-cs"/>
+              </a:defRPr>
+            </a:lvl1pPr>
+          </a:lstStyle>
+          <a:p>
+            <a:pPr algn="r" rtl="1"/>
+            <a:r>
+              <a:rPr lang="he-IL" sz="1400" dirty="0">
+                <a:solidFill>
+                  <a:schemeClr val="bg1"/>
+                </a:solidFill>
+                <a:latin typeface="Gisha" panose="020B0502040204020203" pitchFamily="34" charset="-79"/>
+                <a:cs typeface="Gisha" panose="020B0502040204020203" pitchFamily="34" charset="-79"/>
+              </a:rPr>
+              <a:t>חשודים ב' וג' שדדו את החנות</a:t>
+            </a:r>
+            <a:endParaRPr lang="en-IL" sz="1400" dirty="0">
+              <a:solidFill>
+                <a:schemeClr val="bg1"/>
+              </a:solidFill>
+              <a:latin typeface="Gisha" panose="020B0502040204020203" pitchFamily="34" charset="-79"/>
+              <a:cs typeface="Gisha" panose="020B0502040204020203" pitchFamily="34" charset="-79"/>
+            </a:endParaRPr>
+          </a:p>
+        </p:txBody>
+      </p:sp>
+      <p:sp>
+        <p:nvSpPr>
+          <p:cNvPr id="34" name="Title 1">
+            <a:extLst>
+              <a:ext uri="{FF2B5EF4-FFF2-40B4-BE49-F238E27FC236}">
+                <a16:creationId xmlns:a16="http://schemas.microsoft.com/office/drawing/2014/main" id="{C52067BD-378A-474F-BFC9-894E1CD28715}"/>
+              </a:ext>
+            </a:extLst>
+          </p:cNvPr>
+          <p:cNvSpPr txBox="1">
+            <a:spLocks/>
+          </p:cNvSpPr>
+          <p:nvPr/>
+        </p:nvSpPr>
+        <p:spPr>
+          <a:xfrm>
+            <a:off x="-759148" y="2690301"/>
+            <a:ext cx="2188800" cy="268288"/>
+          </a:xfrm>
+          <a:prstGeom prst="rect">
+            <a:avLst/>
+          </a:prstGeom>
+          <a:solidFill>
+            <a:schemeClr val="tx1"/>
+          </a:solidFill>
+        </p:spPr>
+        <p:txBody>
+          <a:bodyPr vert="horz" lIns="91440" tIns="45720" rIns="91440" bIns="45720" rtlCol="0" anchor="b">
+            <a:normAutofit fontScale="90000" lnSpcReduction="10000"/>
+          </a:bodyPr>
+          <a:lstStyle>
+            <a:lvl1pPr algn="ctr" defTabSz="914400" rtl="0" eaLnBrk="1" latinLnBrk="0" hangingPunct="1">
+              <a:lnSpc>
+                <a:spcPct val="90000"/>
+              </a:lnSpc>
+              <a:spcBef>
+                <a:spcPct val="0"/>
+              </a:spcBef>
+              <a:buNone/>
+              <a:defRPr sz="6000" kern="1200">
+                <a:solidFill>
+                  <a:schemeClr val="tx1"/>
+                </a:solidFill>
+                <a:latin typeface="+mj-lt"/>
+                <a:ea typeface="+mj-ea"/>
+                <a:cs typeface="+mj-cs"/>
+              </a:defRPr>
+            </a:lvl1pPr>
+          </a:lstStyle>
+          <a:p>
+            <a:pPr algn="r" rtl="1"/>
+            <a:r>
+              <a:rPr lang="he-IL" sz="1400" dirty="0">
+                <a:solidFill>
+                  <a:schemeClr val="bg1"/>
+                </a:solidFill>
+                <a:latin typeface="Gisha" panose="020B0502040204020203" pitchFamily="34" charset="-79"/>
+                <a:cs typeface="Gisha" panose="020B0502040204020203" pitchFamily="34" charset="-79"/>
+              </a:rPr>
+              <a:t>חשודים ב' וד' שדדו את החנות</a:t>
+            </a:r>
+            <a:endParaRPr lang="en-IL" sz="1400" dirty="0">
+              <a:solidFill>
+                <a:schemeClr val="bg1"/>
+              </a:solidFill>
+              <a:latin typeface="Gisha" panose="020B0502040204020203" pitchFamily="34" charset="-79"/>
+              <a:cs typeface="Gisha" panose="020B0502040204020203" pitchFamily="34" charset="-79"/>
+            </a:endParaRPr>
+          </a:p>
+        </p:txBody>
+      </p:sp>
+      <p:sp>
+        <p:nvSpPr>
+          <p:cNvPr id="35" name="Title 1">
+            <a:extLst>
+              <a:ext uri="{FF2B5EF4-FFF2-40B4-BE49-F238E27FC236}">
+                <a16:creationId xmlns:a16="http://schemas.microsoft.com/office/drawing/2014/main" id="{69D41144-743C-4428-8587-D7D77CD59F23}"/>
+              </a:ext>
+            </a:extLst>
+          </p:cNvPr>
+          <p:cNvSpPr txBox="1">
+            <a:spLocks/>
+          </p:cNvSpPr>
+          <p:nvPr/>
+        </p:nvSpPr>
+        <p:spPr>
+          <a:xfrm>
+            <a:off x="-759148" y="3017736"/>
+            <a:ext cx="2188800" cy="268288"/>
+          </a:xfrm>
+          <a:prstGeom prst="rect">
+            <a:avLst/>
+          </a:prstGeom>
+          <a:solidFill>
+            <a:schemeClr val="tx1"/>
+          </a:solidFill>
+        </p:spPr>
+        <p:txBody>
+          <a:bodyPr vert="horz" lIns="91440" tIns="45720" rIns="91440" bIns="45720" rtlCol="0" anchor="b">
+            <a:normAutofit fontScale="90000" lnSpcReduction="10000"/>
+          </a:bodyPr>
+          <a:lstStyle>
+            <a:lvl1pPr algn="ctr" defTabSz="914400" rtl="0" eaLnBrk="1" latinLnBrk="0" hangingPunct="1">
+              <a:lnSpc>
+                <a:spcPct val="90000"/>
+              </a:lnSpc>
+              <a:spcBef>
+                <a:spcPct val="0"/>
+              </a:spcBef>
+              <a:buNone/>
+              <a:defRPr sz="6000" kern="1200">
+                <a:solidFill>
+                  <a:schemeClr val="tx1"/>
+                </a:solidFill>
+                <a:latin typeface="+mj-lt"/>
+                <a:ea typeface="+mj-ea"/>
+                <a:cs typeface="+mj-cs"/>
+              </a:defRPr>
+            </a:lvl1pPr>
+          </a:lstStyle>
+          <a:p>
+            <a:pPr algn="r" rtl="1"/>
+            <a:r>
+              <a:rPr lang="he-IL" sz="1400" dirty="0">
+                <a:solidFill>
+                  <a:schemeClr val="bg1"/>
+                </a:solidFill>
+                <a:latin typeface="Gisha" panose="020B0502040204020203" pitchFamily="34" charset="-79"/>
+                <a:cs typeface="Gisha" panose="020B0502040204020203" pitchFamily="34" charset="-79"/>
+              </a:rPr>
+              <a:t>חשודים ג' וד' שדדו את החנות</a:t>
+            </a:r>
+            <a:endParaRPr lang="en-IL" sz="1400" dirty="0">
+              <a:solidFill>
+                <a:schemeClr val="bg1"/>
+              </a:solidFill>
+              <a:latin typeface="Gisha" panose="020B0502040204020203" pitchFamily="34" charset="-79"/>
+              <a:cs typeface="Gisha" panose="020B0502040204020203" pitchFamily="34" charset="-79"/>
+            </a:endParaRPr>
+          </a:p>
+        </p:txBody>
+      </p:sp>
+      <p:sp>
+        <p:nvSpPr>
+          <p:cNvPr id="36" name="Title 1">
+            <a:extLst>
+              <a:ext uri="{FF2B5EF4-FFF2-40B4-BE49-F238E27FC236}">
+                <a16:creationId xmlns:a16="http://schemas.microsoft.com/office/drawing/2014/main" id="{24376481-3D1E-4317-B0C7-0BF896FB07C3}"/>
+              </a:ext>
+            </a:extLst>
+          </p:cNvPr>
+          <p:cNvSpPr txBox="1">
+            <a:spLocks/>
+          </p:cNvSpPr>
+          <p:nvPr/>
+        </p:nvSpPr>
+        <p:spPr>
+          <a:xfrm>
+            <a:off x="5930678" y="5517938"/>
+            <a:ext cx="6096000" cy="268288"/>
+          </a:xfrm>
+          <a:prstGeom prst="rect">
+            <a:avLst/>
+          </a:prstGeom>
+          <a:solidFill>
+            <a:schemeClr val="tx1"/>
+          </a:solidFill>
+        </p:spPr>
+        <p:txBody>
+          <a:bodyPr vert="horz" lIns="91440" tIns="45720" rIns="91440" bIns="45720" rtlCol="0" anchor="b">
+            <a:normAutofit fontScale="90000" lnSpcReduction="10000"/>
+          </a:bodyPr>
+          <a:lstStyle>
+            <a:lvl1pPr algn="ctr" defTabSz="914400" rtl="0" eaLnBrk="1" latinLnBrk="0" hangingPunct="1">
+              <a:lnSpc>
+                <a:spcPct val="90000"/>
+              </a:lnSpc>
+              <a:spcBef>
+                <a:spcPct val="0"/>
+              </a:spcBef>
+              <a:buNone/>
+              <a:defRPr sz="6000" kern="1200">
+                <a:solidFill>
+                  <a:schemeClr val="tx1"/>
+                </a:solidFill>
+                <a:latin typeface="+mj-lt"/>
+                <a:ea typeface="+mj-ea"/>
+                <a:cs typeface="+mj-cs"/>
+              </a:defRPr>
+            </a:lvl1pPr>
+          </a:lstStyle>
+          <a:p>
+            <a:pPr algn="r" rtl="1"/>
+            <a:r>
+              <a:rPr lang="he-IL" sz="1400" dirty="0">
+                <a:solidFill>
+                  <a:schemeClr val="bg1"/>
+                </a:solidFill>
+                <a:latin typeface="Gisha" panose="020B0502040204020203" pitchFamily="34" charset="-79"/>
+                <a:cs typeface="Gisha" panose="020B0502040204020203" pitchFamily="34" charset="-79"/>
+              </a:rPr>
+              <a:t>מי ביצע/ו את השוד?</a:t>
+            </a:r>
+            <a:endParaRPr lang="en-IL" sz="1400" dirty="0">
+              <a:solidFill>
+                <a:schemeClr val="bg1"/>
+              </a:solidFill>
+              <a:latin typeface="Gisha" panose="020B0502040204020203" pitchFamily="34" charset="-79"/>
+              <a:cs typeface="Gisha" panose="020B0502040204020203" pitchFamily="34" charset="-79"/>
+            </a:endParaRPr>
+          </a:p>
+        </p:txBody>
+      </p:sp>
+      <p:sp>
+        <p:nvSpPr>
+          <p:cNvPr id="37" name="Title 1">
+            <a:extLst>
+              <a:ext uri="{FF2B5EF4-FFF2-40B4-BE49-F238E27FC236}">
+                <a16:creationId xmlns:a16="http://schemas.microsoft.com/office/drawing/2014/main" id="{10998665-AC56-4CD5-87FB-8CAA5796DBBD}"/>
+              </a:ext>
+            </a:extLst>
+          </p:cNvPr>
+          <p:cNvSpPr txBox="1">
+            <a:spLocks/>
+          </p:cNvSpPr>
+          <p:nvPr/>
+        </p:nvSpPr>
+        <p:spPr>
+          <a:xfrm>
+            <a:off x="-403548" y="5258979"/>
+            <a:ext cx="6096000" cy="268288"/>
+          </a:xfrm>
+          <a:prstGeom prst="rect">
+            <a:avLst/>
+          </a:prstGeom>
+          <a:solidFill>
+            <a:schemeClr val="tx1"/>
+          </a:solidFill>
+        </p:spPr>
+        <p:txBody>
+          <a:bodyPr vert="horz" lIns="91440" tIns="45720" rIns="91440" bIns="45720" rtlCol="0" anchor="b">
+            <a:normAutofit fontScale="90000" lnSpcReduction="10000"/>
+          </a:bodyPr>
+          <a:lstStyle>
+            <a:lvl1pPr algn="ctr" defTabSz="914400" rtl="0" eaLnBrk="1" latinLnBrk="0" hangingPunct="1">
+              <a:lnSpc>
+                <a:spcPct val="90000"/>
+              </a:lnSpc>
+              <a:spcBef>
+                <a:spcPct val="0"/>
+              </a:spcBef>
+              <a:buNone/>
+              <a:defRPr sz="6000" kern="1200">
+                <a:solidFill>
+                  <a:schemeClr val="tx1"/>
+                </a:solidFill>
+                <a:latin typeface="+mj-lt"/>
+                <a:ea typeface="+mj-ea"/>
+                <a:cs typeface="+mj-cs"/>
+              </a:defRPr>
+            </a:lvl1pPr>
+          </a:lstStyle>
+          <a:p>
+            <a:pPr algn="r" rtl="1"/>
+            <a:r>
+              <a:rPr lang="he-IL" sz="1400" dirty="0">
+                <a:solidFill>
+                  <a:schemeClr val="bg1"/>
+                </a:solidFill>
+                <a:latin typeface="Gisha" panose="020B0502040204020203" pitchFamily="34" charset="-79"/>
+                <a:cs typeface="Gisha" panose="020B0502040204020203" pitchFamily="34" charset="-79"/>
+              </a:rPr>
+              <a:t>איזה רובוט היית מעסיק/ה כבלש?</a:t>
             </a:r>
             <a:endParaRPr lang="en-IL" sz="1400" dirty="0">
               <a:solidFill>
